--- a/2023/Projects/Свирский Богдан/Health.Tracker.pptx
+++ b/2023/Projects/Свирский Богдан/Health.Tracker.pptx
@@ -4,11 +4,19 @@
   <p:sldMasterIdLst>
     <p:sldMasterId id="2147483648" r:id="rId1"/>
   </p:sldMasterIdLst>
+  <p:notesMasterIdLst>
+    <p:notesMasterId r:id="rId11"/>
+  </p:notesMasterIdLst>
   <p:sldIdLst>
     <p:sldId id="256" r:id="rId2"/>
-    <p:sldId id="257" r:id="rId3"/>
-    <p:sldId id="258" r:id="rId4"/>
-    <p:sldId id="259" r:id="rId5"/>
+    <p:sldId id="260" r:id="rId3"/>
+    <p:sldId id="262" r:id="rId4"/>
+    <p:sldId id="264" r:id="rId5"/>
+    <p:sldId id="265" r:id="rId6"/>
+    <p:sldId id="266" r:id="rId7"/>
+    <p:sldId id="267" r:id="rId8"/>
+    <p:sldId id="269" r:id="rId9"/>
+    <p:sldId id="268" r:id="rId10"/>
   </p:sldIdLst>
   <p:sldSz cx="12192000" cy="6858000"/>
   <p:notesSz cx="6858000" cy="9144000"/>
@@ -107,7 +115,361 @@
       </a:defRPr>
     </a:lvl9pPr>
   </p:defaultTextStyle>
+  <p:extLst>
+    <p:ext uri="{EFAFB233-063F-42B5-8137-9DF3F51BA10A}">
+      <p15:sldGuideLst xmlns:p15="http://schemas.microsoft.com/office/powerpoint/2012/main"/>
+    </p:ext>
+  </p:extLst>
 </p:presentation>
+</file>
+
+<file path=ppt/notesMasters/notesMaster1.xml><?xml version="1.0" encoding="utf-8"?>
+<p:notesMaster xmlns:a="http://schemas.openxmlformats.org/drawingml/2006/main" xmlns:r="http://schemas.openxmlformats.org/officeDocument/2006/relationships" xmlns:p="http://schemas.openxmlformats.org/presentationml/2006/main">
+  <p:cSld>
+    <p:bg>
+      <p:bgRef idx="1001">
+        <a:schemeClr val="bg1"/>
+      </p:bgRef>
+    </p:bg>
+    <p:spTree>
+      <p:nvGrpSpPr>
+        <p:cNvPr id="1" name=""/>
+        <p:cNvGrpSpPr/>
+        <p:nvPr/>
+      </p:nvGrpSpPr>
+      <p:grpSpPr>
+        <a:xfrm>
+          <a:off x="0" y="0"/>
+          <a:ext cx="0" cy="0"/>
+          <a:chOff x="0" y="0"/>
+          <a:chExt cx="0" cy="0"/>
+        </a:xfrm>
+      </p:grpSpPr>
+      <p:sp>
+        <p:nvSpPr>
+          <p:cNvPr id="2" name="Верхний колонтитул 1"/>
+          <p:cNvSpPr>
+            <a:spLocks noGrp="1"/>
+          </p:cNvSpPr>
+          <p:nvPr>
+            <p:ph type="hdr" sz="quarter"/>
+          </p:nvPr>
+        </p:nvSpPr>
+        <p:spPr>
+          <a:xfrm>
+            <a:off x="0" y="0"/>
+            <a:ext cx="2971800" cy="458788"/>
+          </a:xfrm>
+          <a:prstGeom prst="rect">
+            <a:avLst/>
+          </a:prstGeom>
+        </p:spPr>
+        <p:txBody>
+          <a:bodyPr vert="horz" lIns="91440" tIns="45720" rIns="91440" bIns="45720" rtlCol="0"/>
+          <a:lstStyle>
+            <a:lvl1pPr algn="l">
+              <a:defRPr sz="1200"/>
+            </a:lvl1pPr>
+          </a:lstStyle>
+          <a:p>
+            <a:endParaRPr lang="ru-RU"/>
+          </a:p>
+        </p:txBody>
+      </p:sp>
+      <p:sp>
+        <p:nvSpPr>
+          <p:cNvPr id="3" name="Дата 2"/>
+          <p:cNvSpPr>
+            <a:spLocks noGrp="1"/>
+          </p:cNvSpPr>
+          <p:nvPr>
+            <p:ph type="dt" idx="1"/>
+          </p:nvPr>
+        </p:nvSpPr>
+        <p:spPr>
+          <a:xfrm>
+            <a:off x="3884613" y="0"/>
+            <a:ext cx="2971800" cy="458788"/>
+          </a:xfrm>
+          <a:prstGeom prst="rect">
+            <a:avLst/>
+          </a:prstGeom>
+        </p:spPr>
+        <p:txBody>
+          <a:bodyPr vert="horz" lIns="91440" tIns="45720" rIns="91440" bIns="45720" rtlCol="0"/>
+          <a:lstStyle>
+            <a:lvl1pPr algn="r">
+              <a:defRPr sz="1200"/>
+            </a:lvl1pPr>
+          </a:lstStyle>
+          <a:p>
+            <a:fld id="{C19051EE-CBC8-43C2-A44B-66F8032C0286}" type="datetimeFigureOut">
+              <a:rPr lang="ru-RU" smtClean="0"/>
+              <a:t>24.05.2023</a:t>
+            </a:fld>
+            <a:endParaRPr lang="ru-RU"/>
+          </a:p>
+        </p:txBody>
+      </p:sp>
+      <p:sp>
+        <p:nvSpPr>
+          <p:cNvPr id="4" name="Образ слайда 3"/>
+          <p:cNvSpPr>
+            <a:spLocks noGrp="1" noRot="1" noChangeAspect="1"/>
+          </p:cNvSpPr>
+          <p:nvPr>
+            <p:ph type="sldImg" idx="2"/>
+          </p:nvPr>
+        </p:nvSpPr>
+        <p:spPr>
+          <a:xfrm>
+            <a:off x="685800" y="1143000"/>
+            <a:ext cx="5486400" cy="3086100"/>
+          </a:xfrm>
+          <a:prstGeom prst="rect">
+            <a:avLst/>
+          </a:prstGeom>
+          <a:noFill/>
+          <a:ln w="12700">
+            <a:solidFill>
+              <a:prstClr val="black"/>
+            </a:solidFill>
+          </a:ln>
+        </p:spPr>
+        <p:txBody>
+          <a:bodyPr vert="horz" lIns="91440" tIns="45720" rIns="91440" bIns="45720" rtlCol="0" anchor="ctr"/>
+          <a:lstStyle/>
+          <a:p>
+            <a:endParaRPr lang="ru-RU"/>
+          </a:p>
+        </p:txBody>
+      </p:sp>
+      <p:sp>
+        <p:nvSpPr>
+          <p:cNvPr id="5" name="Заметки 4"/>
+          <p:cNvSpPr>
+            <a:spLocks noGrp="1"/>
+          </p:cNvSpPr>
+          <p:nvPr>
+            <p:ph type="body" sz="quarter" idx="3"/>
+          </p:nvPr>
+        </p:nvSpPr>
+        <p:spPr>
+          <a:xfrm>
+            <a:off x="685800" y="4400550"/>
+            <a:ext cx="5486400" cy="3600450"/>
+          </a:xfrm>
+          <a:prstGeom prst="rect">
+            <a:avLst/>
+          </a:prstGeom>
+        </p:spPr>
+        <p:txBody>
+          <a:bodyPr vert="horz" lIns="91440" tIns="45720" rIns="91440" bIns="45720" rtlCol="0"/>
+          <a:lstStyle/>
+          <a:p>
+            <a:pPr lvl="0"/>
+            <a:r>
+              <a:rPr lang="ru-RU"/>
+              <a:t>Образец текста</a:t>
+            </a:r>
+          </a:p>
+          <a:p>
+            <a:pPr lvl="1"/>
+            <a:r>
+              <a:rPr lang="ru-RU"/>
+              <a:t>Второй уровень</a:t>
+            </a:r>
+          </a:p>
+          <a:p>
+            <a:pPr lvl="2"/>
+            <a:r>
+              <a:rPr lang="ru-RU"/>
+              <a:t>Третий уровень</a:t>
+            </a:r>
+          </a:p>
+          <a:p>
+            <a:pPr lvl="3"/>
+            <a:r>
+              <a:rPr lang="ru-RU"/>
+              <a:t>Четвертый уровень</a:t>
+            </a:r>
+          </a:p>
+          <a:p>
+            <a:pPr lvl="4"/>
+            <a:r>
+              <a:rPr lang="ru-RU"/>
+              <a:t>Пятый уровень</a:t>
+            </a:r>
+          </a:p>
+        </p:txBody>
+      </p:sp>
+      <p:sp>
+        <p:nvSpPr>
+          <p:cNvPr id="6" name="Нижний колонтитул 5"/>
+          <p:cNvSpPr>
+            <a:spLocks noGrp="1"/>
+          </p:cNvSpPr>
+          <p:nvPr>
+            <p:ph type="ftr" sz="quarter" idx="4"/>
+          </p:nvPr>
+        </p:nvSpPr>
+        <p:spPr>
+          <a:xfrm>
+            <a:off x="0" y="8685213"/>
+            <a:ext cx="2971800" cy="458787"/>
+          </a:xfrm>
+          <a:prstGeom prst="rect">
+            <a:avLst/>
+          </a:prstGeom>
+        </p:spPr>
+        <p:txBody>
+          <a:bodyPr vert="horz" lIns="91440" tIns="45720" rIns="91440" bIns="45720" rtlCol="0" anchor="b"/>
+          <a:lstStyle>
+            <a:lvl1pPr algn="l">
+              <a:defRPr sz="1200"/>
+            </a:lvl1pPr>
+          </a:lstStyle>
+          <a:p>
+            <a:endParaRPr lang="ru-RU"/>
+          </a:p>
+        </p:txBody>
+      </p:sp>
+      <p:sp>
+        <p:nvSpPr>
+          <p:cNvPr id="7" name="Номер слайда 6"/>
+          <p:cNvSpPr>
+            <a:spLocks noGrp="1"/>
+          </p:cNvSpPr>
+          <p:nvPr>
+            <p:ph type="sldNum" sz="quarter" idx="5"/>
+          </p:nvPr>
+        </p:nvSpPr>
+        <p:spPr>
+          <a:xfrm>
+            <a:off x="3884613" y="8685213"/>
+            <a:ext cx="2971800" cy="458787"/>
+          </a:xfrm>
+          <a:prstGeom prst="rect">
+            <a:avLst/>
+          </a:prstGeom>
+        </p:spPr>
+        <p:txBody>
+          <a:bodyPr vert="horz" lIns="91440" tIns="45720" rIns="91440" bIns="45720" rtlCol="0" anchor="b"/>
+          <a:lstStyle>
+            <a:lvl1pPr algn="r">
+              <a:defRPr sz="1200"/>
+            </a:lvl1pPr>
+          </a:lstStyle>
+          <a:p>
+            <a:fld id="{14AE047A-539F-49CD-BBA2-1B86113E3653}" type="slidenum">
+              <a:rPr lang="ru-RU" smtClean="0"/>
+              <a:t>‹#›</a:t>
+            </a:fld>
+            <a:endParaRPr lang="ru-RU"/>
+          </a:p>
+        </p:txBody>
+      </p:sp>
+    </p:spTree>
+    <p:extLst>
+      <p:ext uri="{BB962C8B-B14F-4D97-AF65-F5344CB8AC3E}">
+        <p14:creationId xmlns:p14="http://schemas.microsoft.com/office/powerpoint/2010/main" val="1768311462"/>
+      </p:ext>
+    </p:extLst>
+  </p:cSld>
+  <p:clrMap bg1="lt1" tx1="dk1" bg2="lt2" tx2="dk2" accent1="accent1" accent2="accent2" accent3="accent3" accent4="accent4" accent5="accent5" accent6="accent6" hlink="hlink" folHlink="folHlink"/>
+  <p:notesStyle>
+    <a:lvl1pPr marL="0" algn="l" defTabSz="914400" rtl="0" eaLnBrk="1" latinLnBrk="0" hangingPunct="1">
+      <a:defRPr sz="1200" kern="1200">
+        <a:solidFill>
+          <a:schemeClr val="tx1"/>
+        </a:solidFill>
+        <a:latin typeface="+mn-lt"/>
+        <a:ea typeface="+mn-ea"/>
+        <a:cs typeface="+mn-cs"/>
+      </a:defRPr>
+    </a:lvl1pPr>
+    <a:lvl2pPr marL="457200" algn="l" defTabSz="914400" rtl="0" eaLnBrk="1" latinLnBrk="0" hangingPunct="1">
+      <a:defRPr sz="1200" kern="1200">
+        <a:solidFill>
+          <a:schemeClr val="tx1"/>
+        </a:solidFill>
+        <a:latin typeface="+mn-lt"/>
+        <a:ea typeface="+mn-ea"/>
+        <a:cs typeface="+mn-cs"/>
+      </a:defRPr>
+    </a:lvl2pPr>
+    <a:lvl3pPr marL="914400" algn="l" defTabSz="914400" rtl="0" eaLnBrk="1" latinLnBrk="0" hangingPunct="1">
+      <a:defRPr sz="1200" kern="1200">
+        <a:solidFill>
+          <a:schemeClr val="tx1"/>
+        </a:solidFill>
+        <a:latin typeface="+mn-lt"/>
+        <a:ea typeface="+mn-ea"/>
+        <a:cs typeface="+mn-cs"/>
+      </a:defRPr>
+    </a:lvl3pPr>
+    <a:lvl4pPr marL="1371600" algn="l" defTabSz="914400" rtl="0" eaLnBrk="1" latinLnBrk="0" hangingPunct="1">
+      <a:defRPr sz="1200" kern="1200">
+        <a:solidFill>
+          <a:schemeClr val="tx1"/>
+        </a:solidFill>
+        <a:latin typeface="+mn-lt"/>
+        <a:ea typeface="+mn-ea"/>
+        <a:cs typeface="+mn-cs"/>
+      </a:defRPr>
+    </a:lvl4pPr>
+    <a:lvl5pPr marL="1828800" algn="l" defTabSz="914400" rtl="0" eaLnBrk="1" latinLnBrk="0" hangingPunct="1">
+      <a:defRPr sz="1200" kern="1200">
+        <a:solidFill>
+          <a:schemeClr val="tx1"/>
+        </a:solidFill>
+        <a:latin typeface="+mn-lt"/>
+        <a:ea typeface="+mn-ea"/>
+        <a:cs typeface="+mn-cs"/>
+      </a:defRPr>
+    </a:lvl5pPr>
+    <a:lvl6pPr marL="2286000" algn="l" defTabSz="914400" rtl="0" eaLnBrk="1" latinLnBrk="0" hangingPunct="1">
+      <a:defRPr sz="1200" kern="1200">
+        <a:solidFill>
+          <a:schemeClr val="tx1"/>
+        </a:solidFill>
+        <a:latin typeface="+mn-lt"/>
+        <a:ea typeface="+mn-ea"/>
+        <a:cs typeface="+mn-cs"/>
+      </a:defRPr>
+    </a:lvl6pPr>
+    <a:lvl7pPr marL="2743200" algn="l" defTabSz="914400" rtl="0" eaLnBrk="1" latinLnBrk="0" hangingPunct="1">
+      <a:defRPr sz="1200" kern="1200">
+        <a:solidFill>
+          <a:schemeClr val="tx1"/>
+        </a:solidFill>
+        <a:latin typeface="+mn-lt"/>
+        <a:ea typeface="+mn-ea"/>
+        <a:cs typeface="+mn-cs"/>
+      </a:defRPr>
+    </a:lvl7pPr>
+    <a:lvl8pPr marL="3200400" algn="l" defTabSz="914400" rtl="0" eaLnBrk="1" latinLnBrk="0" hangingPunct="1">
+      <a:defRPr sz="1200" kern="1200">
+        <a:solidFill>
+          <a:schemeClr val="tx1"/>
+        </a:solidFill>
+        <a:latin typeface="+mn-lt"/>
+        <a:ea typeface="+mn-ea"/>
+        <a:cs typeface="+mn-cs"/>
+      </a:defRPr>
+    </a:lvl8pPr>
+    <a:lvl9pPr marL="3657600" algn="l" defTabSz="914400" rtl="0" eaLnBrk="1" latinLnBrk="0" hangingPunct="1">
+      <a:defRPr sz="1200" kern="1200">
+        <a:solidFill>
+          <a:schemeClr val="tx1"/>
+        </a:solidFill>
+        <a:latin typeface="+mn-lt"/>
+        <a:ea typeface="+mn-ea"/>
+        <a:cs typeface="+mn-cs"/>
+      </a:defRPr>
+    </a:lvl9pPr>
+  </p:notesStyle>
+</p:notesMaster>
 </file>
 
 <file path=ppt/slideLayouts/slideLayout1.xml><?xml version="1.0" encoding="utf-8"?>
@@ -257,7 +619,7 @@
           <a:p>
             <a:fld id="{0109454F-6B64-4242-9296-4FA3078B7D0F}" type="datetimeFigureOut">
               <a:rPr lang="ru-RU" smtClean="0"/>
-              <a:t>20.05.2023</a:t>
+              <a:t>24.05.2023</a:t>
             </a:fld>
             <a:endParaRPr lang="ru-RU"/>
           </a:p>
@@ -455,7 +817,7 @@
           <a:p>
             <a:fld id="{0109454F-6B64-4242-9296-4FA3078B7D0F}" type="datetimeFigureOut">
               <a:rPr lang="ru-RU" smtClean="0"/>
-              <a:t>20.05.2023</a:t>
+              <a:t>24.05.2023</a:t>
             </a:fld>
             <a:endParaRPr lang="ru-RU"/>
           </a:p>
@@ -663,7 +1025,7 @@
           <a:p>
             <a:fld id="{0109454F-6B64-4242-9296-4FA3078B7D0F}" type="datetimeFigureOut">
               <a:rPr lang="ru-RU" smtClean="0"/>
-              <a:t>20.05.2023</a:t>
+              <a:t>24.05.2023</a:t>
             </a:fld>
             <a:endParaRPr lang="ru-RU"/>
           </a:p>
@@ -861,7 +1223,7 @@
           <a:p>
             <a:fld id="{0109454F-6B64-4242-9296-4FA3078B7D0F}" type="datetimeFigureOut">
               <a:rPr lang="ru-RU" smtClean="0"/>
-              <a:t>20.05.2023</a:t>
+              <a:t>24.05.2023</a:t>
             </a:fld>
             <a:endParaRPr lang="ru-RU"/>
           </a:p>
@@ -1136,7 +1498,7 @@
           <a:p>
             <a:fld id="{0109454F-6B64-4242-9296-4FA3078B7D0F}" type="datetimeFigureOut">
               <a:rPr lang="ru-RU" smtClean="0"/>
-              <a:t>20.05.2023</a:t>
+              <a:t>24.05.2023</a:t>
             </a:fld>
             <a:endParaRPr lang="ru-RU"/>
           </a:p>
@@ -1401,7 +1763,7 @@
           <a:p>
             <a:fld id="{0109454F-6B64-4242-9296-4FA3078B7D0F}" type="datetimeFigureOut">
               <a:rPr lang="ru-RU" smtClean="0"/>
-              <a:t>20.05.2023</a:t>
+              <a:t>24.05.2023</a:t>
             </a:fld>
             <a:endParaRPr lang="ru-RU"/>
           </a:p>
@@ -1813,7 +2175,7 @@
           <a:p>
             <a:fld id="{0109454F-6B64-4242-9296-4FA3078B7D0F}" type="datetimeFigureOut">
               <a:rPr lang="ru-RU" smtClean="0"/>
-              <a:t>20.05.2023</a:t>
+              <a:t>24.05.2023</a:t>
             </a:fld>
             <a:endParaRPr lang="ru-RU"/>
           </a:p>
@@ -1954,7 +2316,7 @@
           <a:p>
             <a:fld id="{0109454F-6B64-4242-9296-4FA3078B7D0F}" type="datetimeFigureOut">
               <a:rPr lang="ru-RU" smtClean="0"/>
-              <a:t>20.05.2023</a:t>
+              <a:t>24.05.2023</a:t>
             </a:fld>
             <a:endParaRPr lang="ru-RU"/>
           </a:p>
@@ -2067,7 +2429,7 @@
           <a:p>
             <a:fld id="{0109454F-6B64-4242-9296-4FA3078B7D0F}" type="datetimeFigureOut">
               <a:rPr lang="ru-RU" smtClean="0"/>
-              <a:t>20.05.2023</a:t>
+              <a:t>24.05.2023</a:t>
             </a:fld>
             <a:endParaRPr lang="ru-RU"/>
           </a:p>
@@ -2378,7 +2740,7 @@
           <a:p>
             <a:fld id="{0109454F-6B64-4242-9296-4FA3078B7D0F}" type="datetimeFigureOut">
               <a:rPr lang="ru-RU" smtClean="0"/>
-              <a:t>20.05.2023</a:t>
+              <a:t>24.05.2023</a:t>
             </a:fld>
             <a:endParaRPr lang="ru-RU"/>
           </a:p>
@@ -2666,7 +3028,7 @@
           <a:p>
             <a:fld id="{0109454F-6B64-4242-9296-4FA3078B7D0F}" type="datetimeFigureOut">
               <a:rPr lang="ru-RU" smtClean="0"/>
-              <a:t>20.05.2023</a:t>
+              <a:t>24.05.2023</a:t>
             </a:fld>
             <a:endParaRPr lang="ru-RU"/>
           </a:p>
@@ -2907,7 +3269,7 @@
           <a:p>
             <a:fld id="{0109454F-6B64-4242-9296-4FA3078B7D0F}" type="datetimeFigureOut">
               <a:rPr lang="ru-RU" smtClean="0"/>
-              <a:t>20.05.2023</a:t>
+              <a:t>24.05.2023</a:t>
             </a:fld>
             <a:endParaRPr lang="ru-RU"/>
           </a:p>
@@ -3310,6 +3672,14 @@
 <file path=ppt/slides/slide1.xml><?xml version="1.0" encoding="utf-8"?>
 <p:sld xmlns:a="http://schemas.openxmlformats.org/drawingml/2006/main" xmlns:r="http://schemas.openxmlformats.org/officeDocument/2006/relationships" xmlns:p="http://schemas.openxmlformats.org/presentationml/2006/main">
   <p:cSld>
+    <p:bg>
+      <p:bgPr>
+        <a:solidFill>
+          <a:schemeClr val="bg1"/>
+        </a:solidFill>
+        <a:effectLst/>
+      </p:bgPr>
+    </p:bg>
     <p:spTree>
       <p:nvGrpSpPr>
         <p:cNvPr id="1" name=""/>
@@ -3324,68 +3694,2332 @@
           <a:chExt cx="0" cy="0"/>
         </a:xfrm>
       </p:grpSpPr>
+      <p:grpSp>
+        <p:nvGrpSpPr>
+          <p:cNvPr id="181" name="Группа 180">
+            <a:extLst>
+              <a:ext uri="{FF2B5EF4-FFF2-40B4-BE49-F238E27FC236}">
+                <a16:creationId xmlns:a16="http://schemas.microsoft.com/office/drawing/2014/main" id="{54458CD5-C97E-4B55-9E68-8BD43DB26798}"/>
+              </a:ext>
+            </a:extLst>
+          </p:cNvPr>
+          <p:cNvGrpSpPr/>
+          <p:nvPr/>
+        </p:nvGrpSpPr>
+        <p:grpSpPr>
+          <a:xfrm>
+            <a:off x="-5096604" y="-1581652"/>
+            <a:ext cx="1119845" cy="607845"/>
+            <a:chOff x="2542672" y="1617264"/>
+            <a:chExt cx="1904246" cy="1033614"/>
+          </a:xfrm>
+        </p:grpSpPr>
+        <p:sp>
+          <p:nvSpPr>
+            <p:cNvPr id="182" name="Равнобедренный треугольник 181">
+              <a:extLst>
+                <a:ext uri="{FF2B5EF4-FFF2-40B4-BE49-F238E27FC236}">
+                  <a16:creationId xmlns:a16="http://schemas.microsoft.com/office/drawing/2014/main" id="{3357208F-5AC8-4CE9-8F9A-DB9E4BDDE1DD}"/>
+                </a:ext>
+              </a:extLst>
+            </p:cNvPr>
+            <p:cNvSpPr/>
+            <p:nvPr/>
+          </p:nvSpPr>
+          <p:spPr>
+            <a:xfrm rot="16200000">
+              <a:off x="3400919" y="1604878"/>
+              <a:ext cx="1033614" cy="1058385"/>
+            </a:xfrm>
+            <a:prstGeom prst="triangle">
+              <a:avLst/>
+            </a:prstGeom>
+            <a:solidFill>
+              <a:schemeClr val="bg1"/>
+            </a:solidFill>
+            <a:ln w="3175">
+              <a:solidFill>
+                <a:schemeClr val="bg1">
+                  <a:lumMod val="50000"/>
+                </a:schemeClr>
+              </a:solidFill>
+            </a:ln>
+          </p:spPr>
+          <p:style>
+            <a:lnRef idx="2">
+              <a:schemeClr val="accent1">
+                <a:shade val="50000"/>
+              </a:schemeClr>
+            </a:lnRef>
+            <a:fillRef idx="1">
+              <a:schemeClr val="accent1"/>
+            </a:fillRef>
+            <a:effectRef idx="0">
+              <a:schemeClr val="accent1"/>
+            </a:effectRef>
+            <a:fontRef idx="minor">
+              <a:schemeClr val="lt1"/>
+            </a:fontRef>
+          </p:style>
+          <p:txBody>
+            <a:bodyPr rtlCol="0" anchor="ctr"/>
+            <a:lstStyle/>
+            <a:p>
+              <a:pPr algn="ctr"/>
+              <a:endParaRPr lang="ru-RU"/>
+            </a:p>
+          </p:txBody>
+        </p:sp>
+        <p:sp>
+          <p:nvSpPr>
+            <p:cNvPr id="183" name="Равнобедренный треугольник 182">
+              <a:extLst>
+                <a:ext uri="{FF2B5EF4-FFF2-40B4-BE49-F238E27FC236}">
+                  <a16:creationId xmlns:a16="http://schemas.microsoft.com/office/drawing/2014/main" id="{4B01FC39-B095-4D71-B8B8-67D14938CB0A}"/>
+                </a:ext>
+              </a:extLst>
+            </p:cNvPr>
+            <p:cNvSpPr/>
+            <p:nvPr/>
+          </p:nvSpPr>
+          <p:spPr>
+            <a:xfrm rot="5400000">
+              <a:off x="2555058" y="1604878"/>
+              <a:ext cx="1033614" cy="1058385"/>
+            </a:xfrm>
+            <a:prstGeom prst="triangle">
+              <a:avLst/>
+            </a:prstGeom>
+            <a:solidFill>
+              <a:schemeClr val="bg1"/>
+            </a:solidFill>
+            <a:ln w="3175">
+              <a:solidFill>
+                <a:schemeClr val="bg1">
+                  <a:lumMod val="50000"/>
+                </a:schemeClr>
+              </a:solidFill>
+            </a:ln>
+          </p:spPr>
+          <p:style>
+            <a:lnRef idx="2">
+              <a:schemeClr val="accent1">
+                <a:shade val="50000"/>
+              </a:schemeClr>
+            </a:lnRef>
+            <a:fillRef idx="1">
+              <a:schemeClr val="accent1"/>
+            </a:fillRef>
+            <a:effectRef idx="0">
+              <a:schemeClr val="accent1"/>
+            </a:effectRef>
+            <a:fontRef idx="minor">
+              <a:schemeClr val="lt1"/>
+            </a:fontRef>
+          </p:style>
+          <p:txBody>
+            <a:bodyPr rtlCol="0" anchor="ctr"/>
+            <a:lstStyle/>
+            <a:p>
+              <a:pPr algn="ctr"/>
+              <a:endParaRPr lang="ru-RU"/>
+            </a:p>
+          </p:txBody>
+        </p:sp>
+        <p:sp>
+          <p:nvSpPr>
+            <p:cNvPr id="184" name="Прямоугольник 183">
+              <a:extLst>
+                <a:ext uri="{FF2B5EF4-FFF2-40B4-BE49-F238E27FC236}">
+                  <a16:creationId xmlns:a16="http://schemas.microsoft.com/office/drawing/2014/main" id="{C724DD75-6DB0-4A3C-BBAD-9CB04E539575}"/>
+                </a:ext>
+              </a:extLst>
+            </p:cNvPr>
+            <p:cNvSpPr/>
+            <p:nvPr/>
+          </p:nvSpPr>
+          <p:spPr>
+            <a:xfrm>
+              <a:off x="3238500" y="1958641"/>
+              <a:ext cx="511969" cy="357207"/>
+            </a:xfrm>
+            <a:prstGeom prst="rect">
+              <a:avLst/>
+            </a:prstGeom>
+            <a:solidFill>
+              <a:schemeClr val="bg1"/>
+            </a:solidFill>
+            <a:ln>
+              <a:solidFill>
+                <a:schemeClr val="bg1">
+                  <a:lumMod val="50000"/>
+                </a:schemeClr>
+              </a:solidFill>
+            </a:ln>
+          </p:spPr>
+          <p:style>
+            <a:lnRef idx="2">
+              <a:schemeClr val="accent1">
+                <a:shade val="50000"/>
+              </a:schemeClr>
+            </a:lnRef>
+            <a:fillRef idx="1">
+              <a:schemeClr val="accent1"/>
+            </a:fillRef>
+            <a:effectRef idx="0">
+              <a:schemeClr val="accent1"/>
+            </a:effectRef>
+            <a:fontRef idx="minor">
+              <a:schemeClr val="lt1"/>
+            </a:fontRef>
+          </p:style>
+          <p:txBody>
+            <a:bodyPr rtlCol="0" anchor="ctr"/>
+            <a:lstStyle/>
+            <a:p>
+              <a:pPr algn="ctr"/>
+              <a:endParaRPr lang="ru-RU"/>
+            </a:p>
+          </p:txBody>
+        </p:sp>
+      </p:grpSp>
+      <p:grpSp>
+        <p:nvGrpSpPr>
+          <p:cNvPr id="189" name="Группа 188">
+            <a:extLst>
+              <a:ext uri="{FF2B5EF4-FFF2-40B4-BE49-F238E27FC236}">
+                <a16:creationId xmlns:a16="http://schemas.microsoft.com/office/drawing/2014/main" id="{7A7513D4-F455-48E6-A47B-7D9657403C38}"/>
+              </a:ext>
+            </a:extLst>
+          </p:cNvPr>
+          <p:cNvGrpSpPr/>
+          <p:nvPr/>
+        </p:nvGrpSpPr>
+        <p:grpSpPr>
+          <a:xfrm>
+            <a:off x="-5096604" y="-607845"/>
+            <a:ext cx="1119845" cy="607845"/>
+            <a:chOff x="2542672" y="1617264"/>
+            <a:chExt cx="1904246" cy="1033614"/>
+          </a:xfrm>
+        </p:grpSpPr>
+        <p:sp>
+          <p:nvSpPr>
+            <p:cNvPr id="190" name="Равнобедренный треугольник 189">
+              <a:extLst>
+                <a:ext uri="{FF2B5EF4-FFF2-40B4-BE49-F238E27FC236}">
+                  <a16:creationId xmlns:a16="http://schemas.microsoft.com/office/drawing/2014/main" id="{6911A305-6672-4E8D-8B8C-B90D050B7709}"/>
+                </a:ext>
+              </a:extLst>
+            </p:cNvPr>
+            <p:cNvSpPr/>
+            <p:nvPr/>
+          </p:nvSpPr>
+          <p:spPr>
+            <a:xfrm rot="16200000">
+              <a:off x="3400919" y="1604878"/>
+              <a:ext cx="1033614" cy="1058385"/>
+            </a:xfrm>
+            <a:prstGeom prst="triangle">
+              <a:avLst/>
+            </a:prstGeom>
+            <a:solidFill>
+              <a:schemeClr val="bg1"/>
+            </a:solidFill>
+            <a:ln w="3175">
+              <a:solidFill>
+                <a:schemeClr val="bg1">
+                  <a:lumMod val="50000"/>
+                </a:schemeClr>
+              </a:solidFill>
+            </a:ln>
+          </p:spPr>
+          <p:style>
+            <a:lnRef idx="2">
+              <a:schemeClr val="accent1">
+                <a:shade val="50000"/>
+              </a:schemeClr>
+            </a:lnRef>
+            <a:fillRef idx="1">
+              <a:schemeClr val="accent1"/>
+            </a:fillRef>
+            <a:effectRef idx="0">
+              <a:schemeClr val="accent1"/>
+            </a:effectRef>
+            <a:fontRef idx="minor">
+              <a:schemeClr val="lt1"/>
+            </a:fontRef>
+          </p:style>
+          <p:txBody>
+            <a:bodyPr rtlCol="0" anchor="ctr"/>
+            <a:lstStyle/>
+            <a:p>
+              <a:pPr algn="ctr"/>
+              <a:endParaRPr lang="ru-RU"/>
+            </a:p>
+          </p:txBody>
+        </p:sp>
+        <p:sp>
+          <p:nvSpPr>
+            <p:cNvPr id="191" name="Равнобедренный треугольник 190">
+              <a:extLst>
+                <a:ext uri="{FF2B5EF4-FFF2-40B4-BE49-F238E27FC236}">
+                  <a16:creationId xmlns:a16="http://schemas.microsoft.com/office/drawing/2014/main" id="{4A3746C2-0076-4C2B-B887-3BF17FB9F251}"/>
+                </a:ext>
+              </a:extLst>
+            </p:cNvPr>
+            <p:cNvSpPr/>
+            <p:nvPr/>
+          </p:nvSpPr>
+          <p:spPr>
+            <a:xfrm rot="5400000">
+              <a:off x="2555058" y="1604878"/>
+              <a:ext cx="1033614" cy="1058385"/>
+            </a:xfrm>
+            <a:prstGeom prst="triangle">
+              <a:avLst/>
+            </a:prstGeom>
+            <a:solidFill>
+              <a:schemeClr val="bg1"/>
+            </a:solidFill>
+            <a:ln w="3175">
+              <a:solidFill>
+                <a:schemeClr val="bg1">
+                  <a:lumMod val="50000"/>
+                </a:schemeClr>
+              </a:solidFill>
+            </a:ln>
+          </p:spPr>
+          <p:style>
+            <a:lnRef idx="2">
+              <a:schemeClr val="accent1">
+                <a:shade val="50000"/>
+              </a:schemeClr>
+            </a:lnRef>
+            <a:fillRef idx="1">
+              <a:schemeClr val="accent1"/>
+            </a:fillRef>
+            <a:effectRef idx="0">
+              <a:schemeClr val="accent1"/>
+            </a:effectRef>
+            <a:fontRef idx="minor">
+              <a:schemeClr val="lt1"/>
+            </a:fontRef>
+          </p:style>
+          <p:txBody>
+            <a:bodyPr rtlCol="0" anchor="ctr"/>
+            <a:lstStyle/>
+            <a:p>
+              <a:pPr algn="ctr"/>
+              <a:endParaRPr lang="ru-RU"/>
+            </a:p>
+          </p:txBody>
+        </p:sp>
+        <p:sp>
+          <p:nvSpPr>
+            <p:cNvPr id="192" name="Прямоугольник 191">
+              <a:extLst>
+                <a:ext uri="{FF2B5EF4-FFF2-40B4-BE49-F238E27FC236}">
+                  <a16:creationId xmlns:a16="http://schemas.microsoft.com/office/drawing/2014/main" id="{25E56D62-8D02-4166-9E37-4C6F9EE68011}"/>
+                </a:ext>
+              </a:extLst>
+            </p:cNvPr>
+            <p:cNvSpPr/>
+            <p:nvPr/>
+          </p:nvSpPr>
+          <p:spPr>
+            <a:xfrm>
+              <a:off x="3238500" y="1958641"/>
+              <a:ext cx="511969" cy="357207"/>
+            </a:xfrm>
+            <a:prstGeom prst="rect">
+              <a:avLst/>
+            </a:prstGeom>
+            <a:solidFill>
+              <a:schemeClr val="bg1"/>
+            </a:solidFill>
+            <a:ln>
+              <a:solidFill>
+                <a:schemeClr val="bg1">
+                  <a:lumMod val="50000"/>
+                </a:schemeClr>
+              </a:solidFill>
+            </a:ln>
+          </p:spPr>
+          <p:style>
+            <a:lnRef idx="2">
+              <a:schemeClr val="accent1">
+                <a:shade val="50000"/>
+              </a:schemeClr>
+            </a:lnRef>
+            <a:fillRef idx="1">
+              <a:schemeClr val="accent1"/>
+            </a:fillRef>
+            <a:effectRef idx="0">
+              <a:schemeClr val="accent1"/>
+            </a:effectRef>
+            <a:fontRef idx="minor">
+              <a:schemeClr val="lt1"/>
+            </a:fontRef>
+          </p:style>
+          <p:txBody>
+            <a:bodyPr rtlCol="0" anchor="ctr"/>
+            <a:lstStyle/>
+            <a:p>
+              <a:pPr algn="ctr"/>
+              <a:endParaRPr lang="ru-RU"/>
+            </a:p>
+          </p:txBody>
+        </p:sp>
+      </p:grpSp>
+      <p:grpSp>
+        <p:nvGrpSpPr>
+          <p:cNvPr id="197" name="Группа 196">
+            <a:extLst>
+              <a:ext uri="{FF2B5EF4-FFF2-40B4-BE49-F238E27FC236}">
+                <a16:creationId xmlns:a16="http://schemas.microsoft.com/office/drawing/2014/main" id="{BE6AC780-7077-49F4-9C6E-5E0CF5EF5704}"/>
+              </a:ext>
+            </a:extLst>
+          </p:cNvPr>
+          <p:cNvGrpSpPr/>
+          <p:nvPr/>
+        </p:nvGrpSpPr>
+        <p:grpSpPr>
+          <a:xfrm>
+            <a:off x="-5096604" y="-2593798"/>
+            <a:ext cx="1119845" cy="607845"/>
+            <a:chOff x="2542672" y="1617264"/>
+            <a:chExt cx="1904246" cy="1033614"/>
+          </a:xfrm>
+        </p:grpSpPr>
+        <p:sp>
+          <p:nvSpPr>
+            <p:cNvPr id="198" name="Равнобедренный треугольник 197">
+              <a:extLst>
+                <a:ext uri="{FF2B5EF4-FFF2-40B4-BE49-F238E27FC236}">
+                  <a16:creationId xmlns:a16="http://schemas.microsoft.com/office/drawing/2014/main" id="{5E2E2FB9-A6E6-4BF2-A276-DCF44BFBD49E}"/>
+                </a:ext>
+              </a:extLst>
+            </p:cNvPr>
+            <p:cNvSpPr/>
+            <p:nvPr/>
+          </p:nvSpPr>
+          <p:spPr>
+            <a:xfrm rot="16200000">
+              <a:off x="3400919" y="1604878"/>
+              <a:ext cx="1033614" cy="1058385"/>
+            </a:xfrm>
+            <a:prstGeom prst="triangle">
+              <a:avLst/>
+            </a:prstGeom>
+            <a:solidFill>
+              <a:schemeClr val="bg1"/>
+            </a:solidFill>
+            <a:ln w="3175">
+              <a:solidFill>
+                <a:schemeClr val="bg1">
+                  <a:lumMod val="50000"/>
+                </a:schemeClr>
+              </a:solidFill>
+            </a:ln>
+          </p:spPr>
+          <p:style>
+            <a:lnRef idx="2">
+              <a:schemeClr val="accent1">
+                <a:shade val="50000"/>
+              </a:schemeClr>
+            </a:lnRef>
+            <a:fillRef idx="1">
+              <a:schemeClr val="accent1"/>
+            </a:fillRef>
+            <a:effectRef idx="0">
+              <a:schemeClr val="accent1"/>
+            </a:effectRef>
+            <a:fontRef idx="minor">
+              <a:schemeClr val="lt1"/>
+            </a:fontRef>
+          </p:style>
+          <p:txBody>
+            <a:bodyPr rtlCol="0" anchor="ctr"/>
+            <a:lstStyle/>
+            <a:p>
+              <a:pPr algn="ctr"/>
+              <a:endParaRPr lang="ru-RU"/>
+            </a:p>
+          </p:txBody>
+        </p:sp>
+        <p:sp>
+          <p:nvSpPr>
+            <p:cNvPr id="199" name="Равнобедренный треугольник 198">
+              <a:extLst>
+                <a:ext uri="{FF2B5EF4-FFF2-40B4-BE49-F238E27FC236}">
+                  <a16:creationId xmlns:a16="http://schemas.microsoft.com/office/drawing/2014/main" id="{FE5A555B-C5CE-4341-AB1E-725CFF4B06A0}"/>
+                </a:ext>
+              </a:extLst>
+            </p:cNvPr>
+            <p:cNvSpPr/>
+            <p:nvPr/>
+          </p:nvSpPr>
+          <p:spPr>
+            <a:xfrm rot="5400000">
+              <a:off x="2555058" y="1604878"/>
+              <a:ext cx="1033614" cy="1058385"/>
+            </a:xfrm>
+            <a:prstGeom prst="triangle">
+              <a:avLst/>
+            </a:prstGeom>
+            <a:solidFill>
+              <a:schemeClr val="bg1"/>
+            </a:solidFill>
+            <a:ln w="3175">
+              <a:solidFill>
+                <a:schemeClr val="bg1">
+                  <a:lumMod val="50000"/>
+                </a:schemeClr>
+              </a:solidFill>
+            </a:ln>
+          </p:spPr>
+          <p:style>
+            <a:lnRef idx="2">
+              <a:schemeClr val="accent1">
+                <a:shade val="50000"/>
+              </a:schemeClr>
+            </a:lnRef>
+            <a:fillRef idx="1">
+              <a:schemeClr val="accent1"/>
+            </a:fillRef>
+            <a:effectRef idx="0">
+              <a:schemeClr val="accent1"/>
+            </a:effectRef>
+            <a:fontRef idx="minor">
+              <a:schemeClr val="lt1"/>
+            </a:fontRef>
+          </p:style>
+          <p:txBody>
+            <a:bodyPr rtlCol="0" anchor="ctr"/>
+            <a:lstStyle/>
+            <a:p>
+              <a:pPr algn="ctr"/>
+              <a:endParaRPr lang="ru-RU"/>
+            </a:p>
+          </p:txBody>
+        </p:sp>
+        <p:sp>
+          <p:nvSpPr>
+            <p:cNvPr id="200" name="Прямоугольник 199">
+              <a:extLst>
+                <a:ext uri="{FF2B5EF4-FFF2-40B4-BE49-F238E27FC236}">
+                  <a16:creationId xmlns:a16="http://schemas.microsoft.com/office/drawing/2014/main" id="{C744B9F8-82B2-4D99-9B65-97930787E31C}"/>
+                </a:ext>
+              </a:extLst>
+            </p:cNvPr>
+            <p:cNvSpPr/>
+            <p:nvPr/>
+          </p:nvSpPr>
+          <p:spPr>
+            <a:xfrm>
+              <a:off x="3238500" y="1958641"/>
+              <a:ext cx="511969" cy="357207"/>
+            </a:xfrm>
+            <a:prstGeom prst="rect">
+              <a:avLst/>
+            </a:prstGeom>
+            <a:solidFill>
+              <a:schemeClr val="bg1"/>
+            </a:solidFill>
+            <a:ln>
+              <a:solidFill>
+                <a:schemeClr val="bg1">
+                  <a:lumMod val="50000"/>
+                </a:schemeClr>
+              </a:solidFill>
+            </a:ln>
+          </p:spPr>
+          <p:style>
+            <a:lnRef idx="2">
+              <a:schemeClr val="accent1">
+                <a:shade val="50000"/>
+              </a:schemeClr>
+            </a:lnRef>
+            <a:fillRef idx="1">
+              <a:schemeClr val="accent1"/>
+            </a:fillRef>
+            <a:effectRef idx="0">
+              <a:schemeClr val="accent1"/>
+            </a:effectRef>
+            <a:fontRef idx="minor">
+              <a:schemeClr val="lt1"/>
+            </a:fontRef>
+          </p:style>
+          <p:txBody>
+            <a:bodyPr rtlCol="0" anchor="ctr"/>
+            <a:lstStyle/>
+            <a:p>
+              <a:pPr algn="ctr"/>
+              <a:endParaRPr lang="ru-RU"/>
+            </a:p>
+          </p:txBody>
+        </p:sp>
+      </p:grpSp>
+      <p:grpSp>
+        <p:nvGrpSpPr>
+          <p:cNvPr id="205" name="Группа 204">
+            <a:extLst>
+              <a:ext uri="{FF2B5EF4-FFF2-40B4-BE49-F238E27FC236}">
+                <a16:creationId xmlns:a16="http://schemas.microsoft.com/office/drawing/2014/main" id="{94B0A93A-1B4A-4CCE-8226-E003C4783414}"/>
+              </a:ext>
+            </a:extLst>
+          </p:cNvPr>
+          <p:cNvGrpSpPr/>
+          <p:nvPr/>
+        </p:nvGrpSpPr>
+        <p:grpSpPr>
+          <a:xfrm>
+            <a:off x="-3652558" y="-2593798"/>
+            <a:ext cx="1119845" cy="607845"/>
+            <a:chOff x="2542672" y="1617264"/>
+            <a:chExt cx="1904246" cy="1033614"/>
+          </a:xfrm>
+        </p:grpSpPr>
+        <p:sp>
+          <p:nvSpPr>
+            <p:cNvPr id="206" name="Равнобедренный треугольник 205">
+              <a:extLst>
+                <a:ext uri="{FF2B5EF4-FFF2-40B4-BE49-F238E27FC236}">
+                  <a16:creationId xmlns:a16="http://schemas.microsoft.com/office/drawing/2014/main" id="{F846A067-A767-4ECE-9545-2A976F62D4BE}"/>
+                </a:ext>
+              </a:extLst>
+            </p:cNvPr>
+            <p:cNvSpPr/>
+            <p:nvPr/>
+          </p:nvSpPr>
+          <p:spPr>
+            <a:xfrm rot="16200000">
+              <a:off x="3400919" y="1604878"/>
+              <a:ext cx="1033614" cy="1058385"/>
+            </a:xfrm>
+            <a:prstGeom prst="triangle">
+              <a:avLst/>
+            </a:prstGeom>
+            <a:solidFill>
+              <a:schemeClr val="bg1"/>
+            </a:solidFill>
+            <a:ln w="3175">
+              <a:solidFill>
+                <a:schemeClr val="bg1">
+                  <a:lumMod val="50000"/>
+                </a:schemeClr>
+              </a:solidFill>
+            </a:ln>
+          </p:spPr>
+          <p:style>
+            <a:lnRef idx="2">
+              <a:schemeClr val="accent1">
+                <a:shade val="50000"/>
+              </a:schemeClr>
+            </a:lnRef>
+            <a:fillRef idx="1">
+              <a:schemeClr val="accent1"/>
+            </a:fillRef>
+            <a:effectRef idx="0">
+              <a:schemeClr val="accent1"/>
+            </a:effectRef>
+            <a:fontRef idx="minor">
+              <a:schemeClr val="lt1"/>
+            </a:fontRef>
+          </p:style>
+          <p:txBody>
+            <a:bodyPr rtlCol="0" anchor="ctr"/>
+            <a:lstStyle/>
+            <a:p>
+              <a:pPr algn="ctr"/>
+              <a:endParaRPr lang="ru-RU"/>
+            </a:p>
+          </p:txBody>
+        </p:sp>
+        <p:sp>
+          <p:nvSpPr>
+            <p:cNvPr id="207" name="Равнобедренный треугольник 206">
+              <a:extLst>
+                <a:ext uri="{FF2B5EF4-FFF2-40B4-BE49-F238E27FC236}">
+                  <a16:creationId xmlns:a16="http://schemas.microsoft.com/office/drawing/2014/main" id="{9C5E9D2A-7650-4EAC-A131-0F6634EFB850}"/>
+                </a:ext>
+              </a:extLst>
+            </p:cNvPr>
+            <p:cNvSpPr/>
+            <p:nvPr/>
+          </p:nvSpPr>
+          <p:spPr>
+            <a:xfrm rot="5400000">
+              <a:off x="2555058" y="1604878"/>
+              <a:ext cx="1033614" cy="1058385"/>
+            </a:xfrm>
+            <a:prstGeom prst="triangle">
+              <a:avLst/>
+            </a:prstGeom>
+            <a:solidFill>
+              <a:schemeClr val="bg1"/>
+            </a:solidFill>
+            <a:ln w="3175">
+              <a:solidFill>
+                <a:schemeClr val="bg1">
+                  <a:lumMod val="50000"/>
+                </a:schemeClr>
+              </a:solidFill>
+            </a:ln>
+          </p:spPr>
+          <p:style>
+            <a:lnRef idx="2">
+              <a:schemeClr val="accent1">
+                <a:shade val="50000"/>
+              </a:schemeClr>
+            </a:lnRef>
+            <a:fillRef idx="1">
+              <a:schemeClr val="accent1"/>
+            </a:fillRef>
+            <a:effectRef idx="0">
+              <a:schemeClr val="accent1"/>
+            </a:effectRef>
+            <a:fontRef idx="minor">
+              <a:schemeClr val="lt1"/>
+            </a:fontRef>
+          </p:style>
+          <p:txBody>
+            <a:bodyPr rtlCol="0" anchor="ctr"/>
+            <a:lstStyle/>
+            <a:p>
+              <a:pPr algn="ctr"/>
+              <a:endParaRPr lang="ru-RU"/>
+            </a:p>
+          </p:txBody>
+        </p:sp>
+        <p:sp>
+          <p:nvSpPr>
+            <p:cNvPr id="208" name="Прямоугольник 207">
+              <a:extLst>
+                <a:ext uri="{FF2B5EF4-FFF2-40B4-BE49-F238E27FC236}">
+                  <a16:creationId xmlns:a16="http://schemas.microsoft.com/office/drawing/2014/main" id="{FCEE3685-1C08-438F-A2F4-AB45197AE0A8}"/>
+                </a:ext>
+              </a:extLst>
+            </p:cNvPr>
+            <p:cNvSpPr/>
+            <p:nvPr/>
+          </p:nvSpPr>
+          <p:spPr>
+            <a:xfrm>
+              <a:off x="3238500" y="1958641"/>
+              <a:ext cx="511969" cy="357207"/>
+            </a:xfrm>
+            <a:prstGeom prst="rect">
+              <a:avLst/>
+            </a:prstGeom>
+            <a:solidFill>
+              <a:schemeClr val="bg1"/>
+            </a:solidFill>
+            <a:ln>
+              <a:solidFill>
+                <a:schemeClr val="bg1">
+                  <a:lumMod val="50000"/>
+                </a:schemeClr>
+              </a:solidFill>
+            </a:ln>
+          </p:spPr>
+          <p:style>
+            <a:lnRef idx="2">
+              <a:schemeClr val="accent1">
+                <a:shade val="50000"/>
+              </a:schemeClr>
+            </a:lnRef>
+            <a:fillRef idx="1">
+              <a:schemeClr val="accent1"/>
+            </a:fillRef>
+            <a:effectRef idx="0">
+              <a:schemeClr val="accent1"/>
+            </a:effectRef>
+            <a:fontRef idx="minor">
+              <a:schemeClr val="lt1"/>
+            </a:fontRef>
+          </p:style>
+          <p:txBody>
+            <a:bodyPr rtlCol="0" anchor="ctr"/>
+            <a:lstStyle/>
+            <a:p>
+              <a:pPr algn="ctr"/>
+              <a:endParaRPr lang="ru-RU"/>
+            </a:p>
+          </p:txBody>
+        </p:sp>
+      </p:grpSp>
+      <p:grpSp>
+        <p:nvGrpSpPr>
+          <p:cNvPr id="245" name="Группа 244">
+            <a:extLst>
+              <a:ext uri="{FF2B5EF4-FFF2-40B4-BE49-F238E27FC236}">
+                <a16:creationId xmlns:a16="http://schemas.microsoft.com/office/drawing/2014/main" id="{8CA53E12-E447-4D6A-844C-CF14492A8375}"/>
+              </a:ext>
+            </a:extLst>
+          </p:cNvPr>
+          <p:cNvGrpSpPr/>
+          <p:nvPr/>
+        </p:nvGrpSpPr>
+        <p:grpSpPr>
+          <a:xfrm>
+            <a:off x="-3652741" y="-1581653"/>
+            <a:ext cx="1119845" cy="607845"/>
+            <a:chOff x="2542672" y="1617264"/>
+            <a:chExt cx="1904246" cy="1033614"/>
+          </a:xfrm>
+        </p:grpSpPr>
+        <p:sp>
+          <p:nvSpPr>
+            <p:cNvPr id="246" name="Равнобедренный треугольник 245">
+              <a:extLst>
+                <a:ext uri="{FF2B5EF4-FFF2-40B4-BE49-F238E27FC236}">
+                  <a16:creationId xmlns:a16="http://schemas.microsoft.com/office/drawing/2014/main" id="{69F4677F-D7BC-40ED-A8B5-9A948CD37CA2}"/>
+                </a:ext>
+              </a:extLst>
+            </p:cNvPr>
+            <p:cNvSpPr/>
+            <p:nvPr/>
+          </p:nvSpPr>
+          <p:spPr>
+            <a:xfrm rot="16200000">
+              <a:off x="3400919" y="1604878"/>
+              <a:ext cx="1033614" cy="1058385"/>
+            </a:xfrm>
+            <a:prstGeom prst="triangle">
+              <a:avLst/>
+            </a:prstGeom>
+            <a:solidFill>
+              <a:schemeClr val="bg1"/>
+            </a:solidFill>
+            <a:ln w="3175">
+              <a:solidFill>
+                <a:schemeClr val="bg1">
+                  <a:lumMod val="50000"/>
+                </a:schemeClr>
+              </a:solidFill>
+            </a:ln>
+          </p:spPr>
+          <p:style>
+            <a:lnRef idx="2">
+              <a:schemeClr val="accent1">
+                <a:shade val="50000"/>
+              </a:schemeClr>
+            </a:lnRef>
+            <a:fillRef idx="1">
+              <a:schemeClr val="accent1"/>
+            </a:fillRef>
+            <a:effectRef idx="0">
+              <a:schemeClr val="accent1"/>
+            </a:effectRef>
+            <a:fontRef idx="minor">
+              <a:schemeClr val="lt1"/>
+            </a:fontRef>
+          </p:style>
+          <p:txBody>
+            <a:bodyPr rtlCol="0" anchor="ctr"/>
+            <a:lstStyle/>
+            <a:p>
+              <a:pPr algn="ctr"/>
+              <a:endParaRPr lang="ru-RU"/>
+            </a:p>
+          </p:txBody>
+        </p:sp>
+        <p:sp>
+          <p:nvSpPr>
+            <p:cNvPr id="247" name="Равнобедренный треугольник 246">
+              <a:extLst>
+                <a:ext uri="{FF2B5EF4-FFF2-40B4-BE49-F238E27FC236}">
+                  <a16:creationId xmlns:a16="http://schemas.microsoft.com/office/drawing/2014/main" id="{41FC8850-5AF8-4D43-AD28-C9EE11A07FF5}"/>
+                </a:ext>
+              </a:extLst>
+            </p:cNvPr>
+            <p:cNvSpPr/>
+            <p:nvPr/>
+          </p:nvSpPr>
+          <p:spPr>
+            <a:xfrm rot="5400000">
+              <a:off x="2555058" y="1604878"/>
+              <a:ext cx="1033614" cy="1058385"/>
+            </a:xfrm>
+            <a:prstGeom prst="triangle">
+              <a:avLst/>
+            </a:prstGeom>
+            <a:solidFill>
+              <a:schemeClr val="bg1"/>
+            </a:solidFill>
+            <a:ln w="3175">
+              <a:solidFill>
+                <a:schemeClr val="bg1">
+                  <a:lumMod val="50000"/>
+                </a:schemeClr>
+              </a:solidFill>
+            </a:ln>
+          </p:spPr>
+          <p:style>
+            <a:lnRef idx="2">
+              <a:schemeClr val="accent1">
+                <a:shade val="50000"/>
+              </a:schemeClr>
+            </a:lnRef>
+            <a:fillRef idx="1">
+              <a:schemeClr val="accent1"/>
+            </a:fillRef>
+            <a:effectRef idx="0">
+              <a:schemeClr val="accent1"/>
+            </a:effectRef>
+            <a:fontRef idx="minor">
+              <a:schemeClr val="lt1"/>
+            </a:fontRef>
+          </p:style>
+          <p:txBody>
+            <a:bodyPr rtlCol="0" anchor="ctr"/>
+            <a:lstStyle/>
+            <a:p>
+              <a:pPr algn="ctr"/>
+              <a:endParaRPr lang="ru-RU"/>
+            </a:p>
+          </p:txBody>
+        </p:sp>
+        <p:sp>
+          <p:nvSpPr>
+            <p:cNvPr id="248" name="Прямоугольник 247">
+              <a:extLst>
+                <a:ext uri="{FF2B5EF4-FFF2-40B4-BE49-F238E27FC236}">
+                  <a16:creationId xmlns:a16="http://schemas.microsoft.com/office/drawing/2014/main" id="{45129A98-F46C-4858-9C8C-99FD8AE790D6}"/>
+                </a:ext>
+              </a:extLst>
+            </p:cNvPr>
+            <p:cNvSpPr/>
+            <p:nvPr/>
+          </p:nvSpPr>
+          <p:spPr>
+            <a:xfrm>
+              <a:off x="3238500" y="1958641"/>
+              <a:ext cx="511969" cy="357207"/>
+            </a:xfrm>
+            <a:prstGeom prst="rect">
+              <a:avLst/>
+            </a:prstGeom>
+            <a:solidFill>
+              <a:schemeClr val="bg1"/>
+            </a:solidFill>
+            <a:ln>
+              <a:solidFill>
+                <a:schemeClr val="bg1">
+                  <a:lumMod val="50000"/>
+                </a:schemeClr>
+              </a:solidFill>
+            </a:ln>
+          </p:spPr>
+          <p:style>
+            <a:lnRef idx="2">
+              <a:schemeClr val="accent1">
+                <a:shade val="50000"/>
+              </a:schemeClr>
+            </a:lnRef>
+            <a:fillRef idx="1">
+              <a:schemeClr val="accent1"/>
+            </a:fillRef>
+            <a:effectRef idx="0">
+              <a:schemeClr val="accent1"/>
+            </a:effectRef>
+            <a:fontRef idx="minor">
+              <a:schemeClr val="lt1"/>
+            </a:fontRef>
+          </p:style>
+          <p:txBody>
+            <a:bodyPr rtlCol="0" anchor="ctr"/>
+            <a:lstStyle/>
+            <a:p>
+              <a:pPr algn="ctr"/>
+              <a:endParaRPr lang="ru-RU"/>
+            </a:p>
+          </p:txBody>
+        </p:sp>
+      </p:grpSp>
+      <p:grpSp>
+        <p:nvGrpSpPr>
+          <p:cNvPr id="531" name="Группа 530">
+            <a:extLst>
+              <a:ext uri="{FF2B5EF4-FFF2-40B4-BE49-F238E27FC236}">
+                <a16:creationId xmlns:a16="http://schemas.microsoft.com/office/drawing/2014/main" id="{41D217F2-1DFE-4B15-A118-80F888648627}"/>
+              </a:ext>
+            </a:extLst>
+          </p:cNvPr>
+          <p:cNvGrpSpPr/>
+          <p:nvPr/>
+        </p:nvGrpSpPr>
+        <p:grpSpPr>
+          <a:xfrm>
+            <a:off x="-3652924" y="-607846"/>
+            <a:ext cx="1119845" cy="607845"/>
+            <a:chOff x="2542672" y="1617264"/>
+            <a:chExt cx="1904246" cy="1033614"/>
+          </a:xfrm>
+        </p:grpSpPr>
+        <p:sp>
+          <p:nvSpPr>
+            <p:cNvPr id="532" name="Равнобедренный треугольник 531">
+              <a:extLst>
+                <a:ext uri="{FF2B5EF4-FFF2-40B4-BE49-F238E27FC236}">
+                  <a16:creationId xmlns:a16="http://schemas.microsoft.com/office/drawing/2014/main" id="{7B979E5B-657D-4FCC-A7B5-D83FB5996580}"/>
+                </a:ext>
+              </a:extLst>
+            </p:cNvPr>
+            <p:cNvSpPr/>
+            <p:nvPr/>
+          </p:nvSpPr>
+          <p:spPr>
+            <a:xfrm rot="16200000">
+              <a:off x="3400919" y="1604878"/>
+              <a:ext cx="1033614" cy="1058385"/>
+            </a:xfrm>
+            <a:prstGeom prst="triangle">
+              <a:avLst/>
+            </a:prstGeom>
+            <a:solidFill>
+              <a:schemeClr val="bg1"/>
+            </a:solidFill>
+            <a:ln w="3175">
+              <a:solidFill>
+                <a:schemeClr val="bg1">
+                  <a:lumMod val="50000"/>
+                </a:schemeClr>
+              </a:solidFill>
+            </a:ln>
+          </p:spPr>
+          <p:style>
+            <a:lnRef idx="2">
+              <a:schemeClr val="accent1">
+                <a:shade val="50000"/>
+              </a:schemeClr>
+            </a:lnRef>
+            <a:fillRef idx="1">
+              <a:schemeClr val="accent1"/>
+            </a:fillRef>
+            <a:effectRef idx="0">
+              <a:schemeClr val="accent1"/>
+            </a:effectRef>
+            <a:fontRef idx="minor">
+              <a:schemeClr val="lt1"/>
+            </a:fontRef>
+          </p:style>
+          <p:txBody>
+            <a:bodyPr rtlCol="0" anchor="ctr"/>
+            <a:lstStyle/>
+            <a:p>
+              <a:pPr algn="ctr"/>
+              <a:endParaRPr lang="ru-RU"/>
+            </a:p>
+          </p:txBody>
+        </p:sp>
+        <p:sp>
+          <p:nvSpPr>
+            <p:cNvPr id="533" name="Равнобедренный треугольник 532">
+              <a:extLst>
+                <a:ext uri="{FF2B5EF4-FFF2-40B4-BE49-F238E27FC236}">
+                  <a16:creationId xmlns:a16="http://schemas.microsoft.com/office/drawing/2014/main" id="{3167358C-4E5E-4245-A5C6-8BCF20EE7F84}"/>
+                </a:ext>
+              </a:extLst>
+            </p:cNvPr>
+            <p:cNvSpPr/>
+            <p:nvPr/>
+          </p:nvSpPr>
+          <p:spPr>
+            <a:xfrm rot="5400000">
+              <a:off x="2555058" y="1604878"/>
+              <a:ext cx="1033614" cy="1058385"/>
+            </a:xfrm>
+            <a:prstGeom prst="triangle">
+              <a:avLst/>
+            </a:prstGeom>
+            <a:solidFill>
+              <a:schemeClr val="bg1"/>
+            </a:solidFill>
+            <a:ln w="3175">
+              <a:solidFill>
+                <a:schemeClr val="bg1">
+                  <a:lumMod val="50000"/>
+                </a:schemeClr>
+              </a:solidFill>
+            </a:ln>
+          </p:spPr>
+          <p:style>
+            <a:lnRef idx="2">
+              <a:schemeClr val="accent1">
+                <a:shade val="50000"/>
+              </a:schemeClr>
+            </a:lnRef>
+            <a:fillRef idx="1">
+              <a:schemeClr val="accent1"/>
+            </a:fillRef>
+            <a:effectRef idx="0">
+              <a:schemeClr val="accent1"/>
+            </a:effectRef>
+            <a:fontRef idx="minor">
+              <a:schemeClr val="lt1"/>
+            </a:fontRef>
+          </p:style>
+          <p:txBody>
+            <a:bodyPr rtlCol="0" anchor="ctr"/>
+            <a:lstStyle/>
+            <a:p>
+              <a:pPr algn="ctr"/>
+              <a:endParaRPr lang="ru-RU"/>
+            </a:p>
+          </p:txBody>
+        </p:sp>
+        <p:sp>
+          <p:nvSpPr>
+            <p:cNvPr id="534" name="Прямоугольник 533">
+              <a:extLst>
+                <a:ext uri="{FF2B5EF4-FFF2-40B4-BE49-F238E27FC236}">
+                  <a16:creationId xmlns:a16="http://schemas.microsoft.com/office/drawing/2014/main" id="{1F9D3DC0-BEFC-46DC-BC2C-DA03CF6734F7}"/>
+                </a:ext>
+              </a:extLst>
+            </p:cNvPr>
+            <p:cNvSpPr/>
+            <p:nvPr/>
+          </p:nvSpPr>
+          <p:spPr>
+            <a:xfrm>
+              <a:off x="3238500" y="1958641"/>
+              <a:ext cx="511969" cy="357207"/>
+            </a:xfrm>
+            <a:prstGeom prst="rect">
+              <a:avLst/>
+            </a:prstGeom>
+            <a:solidFill>
+              <a:schemeClr val="bg1"/>
+            </a:solidFill>
+            <a:ln>
+              <a:solidFill>
+                <a:schemeClr val="bg1">
+                  <a:lumMod val="50000"/>
+                </a:schemeClr>
+              </a:solidFill>
+            </a:ln>
+          </p:spPr>
+          <p:style>
+            <a:lnRef idx="2">
+              <a:schemeClr val="accent1">
+                <a:shade val="50000"/>
+              </a:schemeClr>
+            </a:lnRef>
+            <a:fillRef idx="1">
+              <a:schemeClr val="accent1"/>
+            </a:fillRef>
+            <a:effectRef idx="0">
+              <a:schemeClr val="accent1"/>
+            </a:effectRef>
+            <a:fontRef idx="minor">
+              <a:schemeClr val="lt1"/>
+            </a:fontRef>
+          </p:style>
+          <p:txBody>
+            <a:bodyPr rtlCol="0" anchor="ctr"/>
+            <a:lstStyle/>
+            <a:p>
+              <a:pPr algn="ctr"/>
+              <a:endParaRPr lang="ru-RU"/>
+            </a:p>
+          </p:txBody>
+        </p:sp>
+      </p:grpSp>
+      <p:grpSp>
+        <p:nvGrpSpPr>
+          <p:cNvPr id="535" name="Группа 534">
+            <a:extLst>
+              <a:ext uri="{FF2B5EF4-FFF2-40B4-BE49-F238E27FC236}">
+                <a16:creationId xmlns:a16="http://schemas.microsoft.com/office/drawing/2014/main" id="{2F10A521-A5CC-46E7-9DAD-39D13071BFC2}"/>
+              </a:ext>
+            </a:extLst>
+          </p:cNvPr>
+          <p:cNvGrpSpPr/>
+          <p:nvPr/>
+        </p:nvGrpSpPr>
+        <p:grpSpPr>
+          <a:xfrm>
+            <a:off x="-2271736" y="-1581653"/>
+            <a:ext cx="1119845" cy="607845"/>
+            <a:chOff x="2542672" y="1617264"/>
+            <a:chExt cx="1904246" cy="1033614"/>
+          </a:xfrm>
+        </p:grpSpPr>
+        <p:sp>
+          <p:nvSpPr>
+            <p:cNvPr id="536" name="Равнобедренный треугольник 535">
+              <a:extLst>
+                <a:ext uri="{FF2B5EF4-FFF2-40B4-BE49-F238E27FC236}">
+                  <a16:creationId xmlns:a16="http://schemas.microsoft.com/office/drawing/2014/main" id="{074023EE-60D0-4769-BEA5-11CEE8445B60}"/>
+                </a:ext>
+              </a:extLst>
+            </p:cNvPr>
+            <p:cNvSpPr/>
+            <p:nvPr/>
+          </p:nvSpPr>
+          <p:spPr>
+            <a:xfrm rot="16200000">
+              <a:off x="3400919" y="1604878"/>
+              <a:ext cx="1033614" cy="1058385"/>
+            </a:xfrm>
+            <a:prstGeom prst="triangle">
+              <a:avLst/>
+            </a:prstGeom>
+            <a:solidFill>
+              <a:schemeClr val="bg1"/>
+            </a:solidFill>
+            <a:ln w="3175">
+              <a:solidFill>
+                <a:schemeClr val="bg1">
+                  <a:lumMod val="50000"/>
+                </a:schemeClr>
+              </a:solidFill>
+            </a:ln>
+          </p:spPr>
+          <p:style>
+            <a:lnRef idx="2">
+              <a:schemeClr val="accent1">
+                <a:shade val="50000"/>
+              </a:schemeClr>
+            </a:lnRef>
+            <a:fillRef idx="1">
+              <a:schemeClr val="accent1"/>
+            </a:fillRef>
+            <a:effectRef idx="0">
+              <a:schemeClr val="accent1"/>
+            </a:effectRef>
+            <a:fontRef idx="minor">
+              <a:schemeClr val="lt1"/>
+            </a:fontRef>
+          </p:style>
+          <p:txBody>
+            <a:bodyPr rtlCol="0" anchor="ctr"/>
+            <a:lstStyle/>
+            <a:p>
+              <a:pPr algn="ctr"/>
+              <a:endParaRPr lang="ru-RU"/>
+            </a:p>
+          </p:txBody>
+        </p:sp>
+        <p:sp>
+          <p:nvSpPr>
+            <p:cNvPr id="537" name="Равнобедренный треугольник 536">
+              <a:extLst>
+                <a:ext uri="{FF2B5EF4-FFF2-40B4-BE49-F238E27FC236}">
+                  <a16:creationId xmlns:a16="http://schemas.microsoft.com/office/drawing/2014/main" id="{5116D98E-507A-4135-AD4E-4E6903CB0E2A}"/>
+                </a:ext>
+              </a:extLst>
+            </p:cNvPr>
+            <p:cNvSpPr/>
+            <p:nvPr/>
+          </p:nvSpPr>
+          <p:spPr>
+            <a:xfrm rot="5400000">
+              <a:off x="2555058" y="1604878"/>
+              <a:ext cx="1033614" cy="1058385"/>
+            </a:xfrm>
+            <a:prstGeom prst="triangle">
+              <a:avLst/>
+            </a:prstGeom>
+            <a:solidFill>
+              <a:schemeClr val="bg1"/>
+            </a:solidFill>
+            <a:ln w="3175">
+              <a:solidFill>
+                <a:schemeClr val="bg1">
+                  <a:lumMod val="50000"/>
+                </a:schemeClr>
+              </a:solidFill>
+            </a:ln>
+          </p:spPr>
+          <p:style>
+            <a:lnRef idx="2">
+              <a:schemeClr val="accent1">
+                <a:shade val="50000"/>
+              </a:schemeClr>
+            </a:lnRef>
+            <a:fillRef idx="1">
+              <a:schemeClr val="accent1"/>
+            </a:fillRef>
+            <a:effectRef idx="0">
+              <a:schemeClr val="accent1"/>
+            </a:effectRef>
+            <a:fontRef idx="minor">
+              <a:schemeClr val="lt1"/>
+            </a:fontRef>
+          </p:style>
+          <p:txBody>
+            <a:bodyPr rtlCol="0" anchor="ctr"/>
+            <a:lstStyle/>
+            <a:p>
+              <a:pPr algn="ctr"/>
+              <a:endParaRPr lang="ru-RU"/>
+            </a:p>
+          </p:txBody>
+        </p:sp>
+        <p:sp>
+          <p:nvSpPr>
+            <p:cNvPr id="538" name="Прямоугольник 537">
+              <a:extLst>
+                <a:ext uri="{FF2B5EF4-FFF2-40B4-BE49-F238E27FC236}">
+                  <a16:creationId xmlns:a16="http://schemas.microsoft.com/office/drawing/2014/main" id="{B687964D-7806-4E58-A963-D851B716D1C5}"/>
+                </a:ext>
+              </a:extLst>
+            </p:cNvPr>
+            <p:cNvSpPr/>
+            <p:nvPr/>
+          </p:nvSpPr>
+          <p:spPr>
+            <a:xfrm>
+              <a:off x="3238500" y="1958641"/>
+              <a:ext cx="511969" cy="357207"/>
+            </a:xfrm>
+            <a:prstGeom prst="rect">
+              <a:avLst/>
+            </a:prstGeom>
+            <a:solidFill>
+              <a:schemeClr val="bg1"/>
+            </a:solidFill>
+            <a:ln>
+              <a:solidFill>
+                <a:schemeClr val="bg1">
+                  <a:lumMod val="50000"/>
+                </a:schemeClr>
+              </a:solidFill>
+            </a:ln>
+          </p:spPr>
+          <p:style>
+            <a:lnRef idx="2">
+              <a:schemeClr val="accent1">
+                <a:shade val="50000"/>
+              </a:schemeClr>
+            </a:lnRef>
+            <a:fillRef idx="1">
+              <a:schemeClr val="accent1"/>
+            </a:fillRef>
+            <a:effectRef idx="0">
+              <a:schemeClr val="accent1"/>
+            </a:effectRef>
+            <a:fontRef idx="minor">
+              <a:schemeClr val="lt1"/>
+            </a:fontRef>
+          </p:style>
+          <p:txBody>
+            <a:bodyPr rtlCol="0" anchor="ctr"/>
+            <a:lstStyle/>
+            <a:p>
+              <a:pPr algn="ctr"/>
+              <a:endParaRPr lang="ru-RU"/>
+            </a:p>
+          </p:txBody>
+        </p:sp>
+      </p:grpSp>
+      <p:grpSp>
+        <p:nvGrpSpPr>
+          <p:cNvPr id="539" name="Группа 538">
+            <a:extLst>
+              <a:ext uri="{FF2B5EF4-FFF2-40B4-BE49-F238E27FC236}">
+                <a16:creationId xmlns:a16="http://schemas.microsoft.com/office/drawing/2014/main" id="{0221E8A4-08F7-4200-85A9-8BA996CCF2FF}"/>
+              </a:ext>
+            </a:extLst>
+          </p:cNvPr>
+          <p:cNvGrpSpPr/>
+          <p:nvPr/>
+        </p:nvGrpSpPr>
+        <p:grpSpPr>
+          <a:xfrm>
+            <a:off x="-2271736" y="-607846"/>
+            <a:ext cx="1119845" cy="607845"/>
+            <a:chOff x="2542672" y="1617264"/>
+            <a:chExt cx="1904246" cy="1033614"/>
+          </a:xfrm>
+        </p:grpSpPr>
+        <p:sp>
+          <p:nvSpPr>
+            <p:cNvPr id="540" name="Равнобедренный треугольник 539">
+              <a:extLst>
+                <a:ext uri="{FF2B5EF4-FFF2-40B4-BE49-F238E27FC236}">
+                  <a16:creationId xmlns:a16="http://schemas.microsoft.com/office/drawing/2014/main" id="{0E3D1C0B-5CF2-4579-8C32-901D91046C59}"/>
+                </a:ext>
+              </a:extLst>
+            </p:cNvPr>
+            <p:cNvSpPr/>
+            <p:nvPr/>
+          </p:nvSpPr>
+          <p:spPr>
+            <a:xfrm rot="16200000">
+              <a:off x="3400919" y="1604878"/>
+              <a:ext cx="1033614" cy="1058385"/>
+            </a:xfrm>
+            <a:prstGeom prst="triangle">
+              <a:avLst/>
+            </a:prstGeom>
+            <a:solidFill>
+              <a:schemeClr val="bg1"/>
+            </a:solidFill>
+            <a:ln w="3175">
+              <a:solidFill>
+                <a:schemeClr val="bg1">
+                  <a:lumMod val="50000"/>
+                </a:schemeClr>
+              </a:solidFill>
+            </a:ln>
+          </p:spPr>
+          <p:style>
+            <a:lnRef idx="2">
+              <a:schemeClr val="accent1">
+                <a:shade val="50000"/>
+              </a:schemeClr>
+            </a:lnRef>
+            <a:fillRef idx="1">
+              <a:schemeClr val="accent1"/>
+            </a:fillRef>
+            <a:effectRef idx="0">
+              <a:schemeClr val="accent1"/>
+            </a:effectRef>
+            <a:fontRef idx="minor">
+              <a:schemeClr val="lt1"/>
+            </a:fontRef>
+          </p:style>
+          <p:txBody>
+            <a:bodyPr rtlCol="0" anchor="ctr"/>
+            <a:lstStyle/>
+            <a:p>
+              <a:pPr algn="ctr"/>
+              <a:endParaRPr lang="ru-RU"/>
+            </a:p>
+          </p:txBody>
+        </p:sp>
+        <p:sp>
+          <p:nvSpPr>
+            <p:cNvPr id="541" name="Равнобедренный треугольник 540">
+              <a:extLst>
+                <a:ext uri="{FF2B5EF4-FFF2-40B4-BE49-F238E27FC236}">
+                  <a16:creationId xmlns:a16="http://schemas.microsoft.com/office/drawing/2014/main" id="{7B4BD9E5-2835-43F6-8940-BFC12A72EC3A}"/>
+                </a:ext>
+              </a:extLst>
+            </p:cNvPr>
+            <p:cNvSpPr/>
+            <p:nvPr/>
+          </p:nvSpPr>
+          <p:spPr>
+            <a:xfrm rot="5400000">
+              <a:off x="2555058" y="1604878"/>
+              <a:ext cx="1033614" cy="1058385"/>
+            </a:xfrm>
+            <a:prstGeom prst="triangle">
+              <a:avLst/>
+            </a:prstGeom>
+            <a:solidFill>
+              <a:schemeClr val="bg1"/>
+            </a:solidFill>
+            <a:ln w="3175">
+              <a:solidFill>
+                <a:schemeClr val="bg1">
+                  <a:lumMod val="50000"/>
+                </a:schemeClr>
+              </a:solidFill>
+            </a:ln>
+          </p:spPr>
+          <p:style>
+            <a:lnRef idx="2">
+              <a:schemeClr val="accent1">
+                <a:shade val="50000"/>
+              </a:schemeClr>
+            </a:lnRef>
+            <a:fillRef idx="1">
+              <a:schemeClr val="accent1"/>
+            </a:fillRef>
+            <a:effectRef idx="0">
+              <a:schemeClr val="accent1"/>
+            </a:effectRef>
+            <a:fontRef idx="minor">
+              <a:schemeClr val="lt1"/>
+            </a:fontRef>
+          </p:style>
+          <p:txBody>
+            <a:bodyPr rtlCol="0" anchor="ctr"/>
+            <a:lstStyle/>
+            <a:p>
+              <a:pPr algn="ctr"/>
+              <a:endParaRPr lang="ru-RU"/>
+            </a:p>
+          </p:txBody>
+        </p:sp>
+        <p:sp>
+          <p:nvSpPr>
+            <p:cNvPr id="542" name="Прямоугольник 541">
+              <a:extLst>
+                <a:ext uri="{FF2B5EF4-FFF2-40B4-BE49-F238E27FC236}">
+                  <a16:creationId xmlns:a16="http://schemas.microsoft.com/office/drawing/2014/main" id="{911F21D0-DF58-454F-966E-26FDB06AB1C8}"/>
+                </a:ext>
+              </a:extLst>
+            </p:cNvPr>
+            <p:cNvSpPr/>
+            <p:nvPr/>
+          </p:nvSpPr>
+          <p:spPr>
+            <a:xfrm>
+              <a:off x="3238500" y="1958641"/>
+              <a:ext cx="511969" cy="357207"/>
+            </a:xfrm>
+            <a:prstGeom prst="rect">
+              <a:avLst/>
+            </a:prstGeom>
+            <a:solidFill>
+              <a:schemeClr val="bg1"/>
+            </a:solidFill>
+            <a:ln>
+              <a:solidFill>
+                <a:schemeClr val="bg1">
+                  <a:lumMod val="50000"/>
+                </a:schemeClr>
+              </a:solidFill>
+            </a:ln>
+          </p:spPr>
+          <p:style>
+            <a:lnRef idx="2">
+              <a:schemeClr val="accent1">
+                <a:shade val="50000"/>
+              </a:schemeClr>
+            </a:lnRef>
+            <a:fillRef idx="1">
+              <a:schemeClr val="accent1"/>
+            </a:fillRef>
+            <a:effectRef idx="0">
+              <a:schemeClr val="accent1"/>
+            </a:effectRef>
+            <a:fontRef idx="minor">
+              <a:schemeClr val="lt1"/>
+            </a:fontRef>
+          </p:style>
+          <p:txBody>
+            <a:bodyPr rtlCol="0" anchor="ctr"/>
+            <a:lstStyle/>
+            <a:p>
+              <a:pPr algn="ctr"/>
+              <a:endParaRPr lang="ru-RU"/>
+            </a:p>
+          </p:txBody>
+        </p:sp>
+      </p:grpSp>
+      <p:grpSp>
+        <p:nvGrpSpPr>
+          <p:cNvPr id="543" name="Группа 542">
+            <a:extLst>
+              <a:ext uri="{FF2B5EF4-FFF2-40B4-BE49-F238E27FC236}">
+                <a16:creationId xmlns:a16="http://schemas.microsoft.com/office/drawing/2014/main" id="{EF3BDCAF-09AB-4202-A7BE-547A4515D204}"/>
+              </a:ext>
+            </a:extLst>
+          </p:cNvPr>
+          <p:cNvGrpSpPr/>
+          <p:nvPr/>
+        </p:nvGrpSpPr>
+        <p:grpSpPr>
+          <a:xfrm>
+            <a:off x="-2271736" y="-2593799"/>
+            <a:ext cx="1119845" cy="607845"/>
+            <a:chOff x="2542672" y="1617264"/>
+            <a:chExt cx="1904246" cy="1033614"/>
+          </a:xfrm>
+        </p:grpSpPr>
+        <p:sp>
+          <p:nvSpPr>
+            <p:cNvPr id="544" name="Равнобедренный треугольник 543">
+              <a:extLst>
+                <a:ext uri="{FF2B5EF4-FFF2-40B4-BE49-F238E27FC236}">
+                  <a16:creationId xmlns:a16="http://schemas.microsoft.com/office/drawing/2014/main" id="{FDDC368E-C29F-470B-A9F8-29B2337C12B5}"/>
+                </a:ext>
+              </a:extLst>
+            </p:cNvPr>
+            <p:cNvSpPr/>
+            <p:nvPr/>
+          </p:nvSpPr>
+          <p:spPr>
+            <a:xfrm rot="16200000">
+              <a:off x="3400919" y="1604878"/>
+              <a:ext cx="1033614" cy="1058385"/>
+            </a:xfrm>
+            <a:prstGeom prst="triangle">
+              <a:avLst/>
+            </a:prstGeom>
+            <a:solidFill>
+              <a:schemeClr val="bg1"/>
+            </a:solidFill>
+            <a:ln w="3175">
+              <a:solidFill>
+                <a:schemeClr val="bg1">
+                  <a:lumMod val="50000"/>
+                </a:schemeClr>
+              </a:solidFill>
+            </a:ln>
+          </p:spPr>
+          <p:style>
+            <a:lnRef idx="2">
+              <a:schemeClr val="accent1">
+                <a:shade val="50000"/>
+              </a:schemeClr>
+            </a:lnRef>
+            <a:fillRef idx="1">
+              <a:schemeClr val="accent1"/>
+            </a:fillRef>
+            <a:effectRef idx="0">
+              <a:schemeClr val="accent1"/>
+            </a:effectRef>
+            <a:fontRef idx="minor">
+              <a:schemeClr val="lt1"/>
+            </a:fontRef>
+          </p:style>
+          <p:txBody>
+            <a:bodyPr rtlCol="0" anchor="ctr"/>
+            <a:lstStyle/>
+            <a:p>
+              <a:pPr algn="ctr"/>
+              <a:endParaRPr lang="ru-RU"/>
+            </a:p>
+          </p:txBody>
+        </p:sp>
+        <p:sp>
+          <p:nvSpPr>
+            <p:cNvPr id="545" name="Равнобедренный треугольник 544">
+              <a:extLst>
+                <a:ext uri="{FF2B5EF4-FFF2-40B4-BE49-F238E27FC236}">
+                  <a16:creationId xmlns:a16="http://schemas.microsoft.com/office/drawing/2014/main" id="{CF0BCD58-CEA4-4EFC-8865-F76B34B6F753}"/>
+                </a:ext>
+              </a:extLst>
+            </p:cNvPr>
+            <p:cNvSpPr/>
+            <p:nvPr/>
+          </p:nvSpPr>
+          <p:spPr>
+            <a:xfrm rot="5400000">
+              <a:off x="2555058" y="1604878"/>
+              <a:ext cx="1033614" cy="1058385"/>
+            </a:xfrm>
+            <a:prstGeom prst="triangle">
+              <a:avLst/>
+            </a:prstGeom>
+            <a:solidFill>
+              <a:schemeClr val="bg1"/>
+            </a:solidFill>
+            <a:ln w="3175">
+              <a:solidFill>
+                <a:schemeClr val="bg1">
+                  <a:lumMod val="50000"/>
+                </a:schemeClr>
+              </a:solidFill>
+            </a:ln>
+          </p:spPr>
+          <p:style>
+            <a:lnRef idx="2">
+              <a:schemeClr val="accent1">
+                <a:shade val="50000"/>
+              </a:schemeClr>
+            </a:lnRef>
+            <a:fillRef idx="1">
+              <a:schemeClr val="accent1"/>
+            </a:fillRef>
+            <a:effectRef idx="0">
+              <a:schemeClr val="accent1"/>
+            </a:effectRef>
+            <a:fontRef idx="minor">
+              <a:schemeClr val="lt1"/>
+            </a:fontRef>
+          </p:style>
+          <p:txBody>
+            <a:bodyPr rtlCol="0" anchor="ctr"/>
+            <a:lstStyle/>
+            <a:p>
+              <a:pPr algn="ctr"/>
+              <a:endParaRPr lang="ru-RU"/>
+            </a:p>
+          </p:txBody>
+        </p:sp>
+        <p:sp>
+          <p:nvSpPr>
+            <p:cNvPr id="546" name="Прямоугольник 545">
+              <a:extLst>
+                <a:ext uri="{FF2B5EF4-FFF2-40B4-BE49-F238E27FC236}">
+                  <a16:creationId xmlns:a16="http://schemas.microsoft.com/office/drawing/2014/main" id="{3200834B-6875-4E2D-9DF5-37E20000F06F}"/>
+                </a:ext>
+              </a:extLst>
+            </p:cNvPr>
+            <p:cNvSpPr/>
+            <p:nvPr/>
+          </p:nvSpPr>
+          <p:spPr>
+            <a:xfrm>
+              <a:off x="3238500" y="1958641"/>
+              <a:ext cx="511969" cy="357207"/>
+            </a:xfrm>
+            <a:prstGeom prst="rect">
+              <a:avLst/>
+            </a:prstGeom>
+            <a:solidFill>
+              <a:schemeClr val="bg1"/>
+            </a:solidFill>
+            <a:ln>
+              <a:solidFill>
+                <a:schemeClr val="bg1">
+                  <a:lumMod val="50000"/>
+                </a:schemeClr>
+              </a:solidFill>
+            </a:ln>
+          </p:spPr>
+          <p:style>
+            <a:lnRef idx="2">
+              <a:schemeClr val="accent1">
+                <a:shade val="50000"/>
+              </a:schemeClr>
+            </a:lnRef>
+            <a:fillRef idx="1">
+              <a:schemeClr val="accent1"/>
+            </a:fillRef>
+            <a:effectRef idx="0">
+              <a:schemeClr val="accent1"/>
+            </a:effectRef>
+            <a:fontRef idx="minor">
+              <a:schemeClr val="lt1"/>
+            </a:fontRef>
+          </p:style>
+          <p:txBody>
+            <a:bodyPr rtlCol="0" anchor="ctr"/>
+            <a:lstStyle/>
+            <a:p>
+              <a:pPr algn="ctr"/>
+              <a:endParaRPr lang="ru-RU"/>
+            </a:p>
+          </p:txBody>
+        </p:sp>
+      </p:grpSp>
+      <p:grpSp>
+        <p:nvGrpSpPr>
+          <p:cNvPr id="547" name="Группа 546">
+            <a:extLst>
+              <a:ext uri="{FF2B5EF4-FFF2-40B4-BE49-F238E27FC236}">
+                <a16:creationId xmlns:a16="http://schemas.microsoft.com/office/drawing/2014/main" id="{E0EAA8C9-28E4-460C-8F06-3D10586B029F}"/>
+              </a:ext>
+            </a:extLst>
+          </p:cNvPr>
+          <p:cNvGrpSpPr/>
+          <p:nvPr/>
+        </p:nvGrpSpPr>
+        <p:grpSpPr>
+          <a:xfrm>
+            <a:off x="-827690" y="-2593799"/>
+            <a:ext cx="1119845" cy="607845"/>
+            <a:chOff x="2542672" y="1617264"/>
+            <a:chExt cx="1904246" cy="1033614"/>
+          </a:xfrm>
+        </p:grpSpPr>
+        <p:sp>
+          <p:nvSpPr>
+            <p:cNvPr id="548" name="Равнобедренный треугольник 547">
+              <a:extLst>
+                <a:ext uri="{FF2B5EF4-FFF2-40B4-BE49-F238E27FC236}">
+                  <a16:creationId xmlns:a16="http://schemas.microsoft.com/office/drawing/2014/main" id="{31A48546-2F92-4B91-BDB3-D362E2C3D3B9}"/>
+                </a:ext>
+              </a:extLst>
+            </p:cNvPr>
+            <p:cNvSpPr/>
+            <p:nvPr/>
+          </p:nvSpPr>
+          <p:spPr>
+            <a:xfrm rot="16200000">
+              <a:off x="3400919" y="1604878"/>
+              <a:ext cx="1033614" cy="1058385"/>
+            </a:xfrm>
+            <a:prstGeom prst="triangle">
+              <a:avLst/>
+            </a:prstGeom>
+            <a:solidFill>
+              <a:schemeClr val="bg1"/>
+            </a:solidFill>
+            <a:ln w="3175">
+              <a:solidFill>
+                <a:schemeClr val="bg1">
+                  <a:lumMod val="50000"/>
+                </a:schemeClr>
+              </a:solidFill>
+            </a:ln>
+          </p:spPr>
+          <p:style>
+            <a:lnRef idx="2">
+              <a:schemeClr val="accent1">
+                <a:shade val="50000"/>
+              </a:schemeClr>
+            </a:lnRef>
+            <a:fillRef idx="1">
+              <a:schemeClr val="accent1"/>
+            </a:fillRef>
+            <a:effectRef idx="0">
+              <a:schemeClr val="accent1"/>
+            </a:effectRef>
+            <a:fontRef idx="minor">
+              <a:schemeClr val="lt1"/>
+            </a:fontRef>
+          </p:style>
+          <p:txBody>
+            <a:bodyPr rtlCol="0" anchor="ctr"/>
+            <a:lstStyle/>
+            <a:p>
+              <a:pPr algn="ctr"/>
+              <a:endParaRPr lang="ru-RU"/>
+            </a:p>
+          </p:txBody>
+        </p:sp>
+        <p:sp>
+          <p:nvSpPr>
+            <p:cNvPr id="549" name="Равнобедренный треугольник 548">
+              <a:extLst>
+                <a:ext uri="{FF2B5EF4-FFF2-40B4-BE49-F238E27FC236}">
+                  <a16:creationId xmlns:a16="http://schemas.microsoft.com/office/drawing/2014/main" id="{8D40E55A-6C93-47A7-836C-03B1FD715003}"/>
+                </a:ext>
+              </a:extLst>
+            </p:cNvPr>
+            <p:cNvSpPr/>
+            <p:nvPr/>
+          </p:nvSpPr>
+          <p:spPr>
+            <a:xfrm rot="5400000">
+              <a:off x="2555058" y="1604878"/>
+              <a:ext cx="1033614" cy="1058385"/>
+            </a:xfrm>
+            <a:prstGeom prst="triangle">
+              <a:avLst/>
+            </a:prstGeom>
+            <a:solidFill>
+              <a:schemeClr val="bg1"/>
+            </a:solidFill>
+            <a:ln w="3175">
+              <a:solidFill>
+                <a:schemeClr val="bg1">
+                  <a:lumMod val="50000"/>
+                </a:schemeClr>
+              </a:solidFill>
+            </a:ln>
+          </p:spPr>
+          <p:style>
+            <a:lnRef idx="2">
+              <a:schemeClr val="accent1">
+                <a:shade val="50000"/>
+              </a:schemeClr>
+            </a:lnRef>
+            <a:fillRef idx="1">
+              <a:schemeClr val="accent1"/>
+            </a:fillRef>
+            <a:effectRef idx="0">
+              <a:schemeClr val="accent1"/>
+            </a:effectRef>
+            <a:fontRef idx="minor">
+              <a:schemeClr val="lt1"/>
+            </a:fontRef>
+          </p:style>
+          <p:txBody>
+            <a:bodyPr rtlCol="0" anchor="ctr"/>
+            <a:lstStyle/>
+            <a:p>
+              <a:pPr algn="ctr"/>
+              <a:endParaRPr lang="ru-RU"/>
+            </a:p>
+          </p:txBody>
+        </p:sp>
+        <p:sp>
+          <p:nvSpPr>
+            <p:cNvPr id="550" name="Прямоугольник 549">
+              <a:extLst>
+                <a:ext uri="{FF2B5EF4-FFF2-40B4-BE49-F238E27FC236}">
+                  <a16:creationId xmlns:a16="http://schemas.microsoft.com/office/drawing/2014/main" id="{7D67E00D-98D5-4131-B18A-DF6C4B60B4E6}"/>
+                </a:ext>
+              </a:extLst>
+            </p:cNvPr>
+            <p:cNvSpPr/>
+            <p:nvPr/>
+          </p:nvSpPr>
+          <p:spPr>
+            <a:xfrm>
+              <a:off x="3238500" y="1958641"/>
+              <a:ext cx="511969" cy="357207"/>
+            </a:xfrm>
+            <a:prstGeom prst="rect">
+              <a:avLst/>
+            </a:prstGeom>
+            <a:solidFill>
+              <a:schemeClr val="bg1"/>
+            </a:solidFill>
+            <a:ln>
+              <a:solidFill>
+                <a:schemeClr val="bg1">
+                  <a:lumMod val="50000"/>
+                </a:schemeClr>
+              </a:solidFill>
+            </a:ln>
+          </p:spPr>
+          <p:style>
+            <a:lnRef idx="2">
+              <a:schemeClr val="accent1">
+                <a:shade val="50000"/>
+              </a:schemeClr>
+            </a:lnRef>
+            <a:fillRef idx="1">
+              <a:schemeClr val="accent1"/>
+            </a:fillRef>
+            <a:effectRef idx="0">
+              <a:schemeClr val="accent1"/>
+            </a:effectRef>
+            <a:fontRef idx="minor">
+              <a:schemeClr val="lt1"/>
+            </a:fontRef>
+          </p:style>
+          <p:txBody>
+            <a:bodyPr rtlCol="0" anchor="ctr"/>
+            <a:lstStyle/>
+            <a:p>
+              <a:pPr algn="ctr"/>
+              <a:endParaRPr lang="ru-RU"/>
+            </a:p>
+          </p:txBody>
+        </p:sp>
+      </p:grpSp>
+      <p:grpSp>
+        <p:nvGrpSpPr>
+          <p:cNvPr id="551" name="Группа 550">
+            <a:extLst>
+              <a:ext uri="{FF2B5EF4-FFF2-40B4-BE49-F238E27FC236}">
+                <a16:creationId xmlns:a16="http://schemas.microsoft.com/office/drawing/2014/main" id="{DA741096-B338-49B9-A411-C850E94289D9}"/>
+              </a:ext>
+            </a:extLst>
+          </p:cNvPr>
+          <p:cNvGrpSpPr/>
+          <p:nvPr/>
+        </p:nvGrpSpPr>
+        <p:grpSpPr>
+          <a:xfrm>
+            <a:off x="-827873" y="-1581654"/>
+            <a:ext cx="1119845" cy="607845"/>
+            <a:chOff x="2542672" y="1617264"/>
+            <a:chExt cx="1904246" cy="1033614"/>
+          </a:xfrm>
+        </p:grpSpPr>
+        <p:sp>
+          <p:nvSpPr>
+            <p:cNvPr id="552" name="Равнобедренный треугольник 551">
+              <a:extLst>
+                <a:ext uri="{FF2B5EF4-FFF2-40B4-BE49-F238E27FC236}">
+                  <a16:creationId xmlns:a16="http://schemas.microsoft.com/office/drawing/2014/main" id="{FAB333FE-418C-42B6-894A-E0AC76001FA5}"/>
+                </a:ext>
+              </a:extLst>
+            </p:cNvPr>
+            <p:cNvSpPr/>
+            <p:nvPr/>
+          </p:nvSpPr>
+          <p:spPr>
+            <a:xfrm rot="16200000">
+              <a:off x="3400919" y="1604878"/>
+              <a:ext cx="1033614" cy="1058385"/>
+            </a:xfrm>
+            <a:prstGeom prst="triangle">
+              <a:avLst/>
+            </a:prstGeom>
+            <a:solidFill>
+              <a:schemeClr val="bg1"/>
+            </a:solidFill>
+            <a:ln w="3175">
+              <a:solidFill>
+                <a:schemeClr val="bg1">
+                  <a:lumMod val="50000"/>
+                </a:schemeClr>
+              </a:solidFill>
+            </a:ln>
+          </p:spPr>
+          <p:style>
+            <a:lnRef idx="2">
+              <a:schemeClr val="accent1">
+                <a:shade val="50000"/>
+              </a:schemeClr>
+            </a:lnRef>
+            <a:fillRef idx="1">
+              <a:schemeClr val="accent1"/>
+            </a:fillRef>
+            <a:effectRef idx="0">
+              <a:schemeClr val="accent1"/>
+            </a:effectRef>
+            <a:fontRef idx="minor">
+              <a:schemeClr val="lt1"/>
+            </a:fontRef>
+          </p:style>
+          <p:txBody>
+            <a:bodyPr rtlCol="0" anchor="ctr"/>
+            <a:lstStyle/>
+            <a:p>
+              <a:pPr algn="ctr"/>
+              <a:endParaRPr lang="ru-RU"/>
+            </a:p>
+          </p:txBody>
+        </p:sp>
+        <p:sp>
+          <p:nvSpPr>
+            <p:cNvPr id="553" name="Равнобедренный треугольник 552">
+              <a:extLst>
+                <a:ext uri="{FF2B5EF4-FFF2-40B4-BE49-F238E27FC236}">
+                  <a16:creationId xmlns:a16="http://schemas.microsoft.com/office/drawing/2014/main" id="{BD2CFC0F-A7B2-488A-B3B4-DF85B810D030}"/>
+                </a:ext>
+              </a:extLst>
+            </p:cNvPr>
+            <p:cNvSpPr/>
+            <p:nvPr/>
+          </p:nvSpPr>
+          <p:spPr>
+            <a:xfrm rot="5400000">
+              <a:off x="2555058" y="1604878"/>
+              <a:ext cx="1033614" cy="1058385"/>
+            </a:xfrm>
+            <a:prstGeom prst="triangle">
+              <a:avLst/>
+            </a:prstGeom>
+            <a:solidFill>
+              <a:schemeClr val="bg1"/>
+            </a:solidFill>
+            <a:ln w="3175">
+              <a:solidFill>
+                <a:schemeClr val="bg1">
+                  <a:lumMod val="50000"/>
+                </a:schemeClr>
+              </a:solidFill>
+            </a:ln>
+          </p:spPr>
+          <p:style>
+            <a:lnRef idx="2">
+              <a:schemeClr val="accent1">
+                <a:shade val="50000"/>
+              </a:schemeClr>
+            </a:lnRef>
+            <a:fillRef idx="1">
+              <a:schemeClr val="accent1"/>
+            </a:fillRef>
+            <a:effectRef idx="0">
+              <a:schemeClr val="accent1"/>
+            </a:effectRef>
+            <a:fontRef idx="minor">
+              <a:schemeClr val="lt1"/>
+            </a:fontRef>
+          </p:style>
+          <p:txBody>
+            <a:bodyPr rtlCol="0" anchor="ctr"/>
+            <a:lstStyle/>
+            <a:p>
+              <a:pPr algn="ctr"/>
+              <a:endParaRPr lang="ru-RU"/>
+            </a:p>
+          </p:txBody>
+        </p:sp>
+        <p:sp>
+          <p:nvSpPr>
+            <p:cNvPr id="554" name="Прямоугольник 553">
+              <a:extLst>
+                <a:ext uri="{FF2B5EF4-FFF2-40B4-BE49-F238E27FC236}">
+                  <a16:creationId xmlns:a16="http://schemas.microsoft.com/office/drawing/2014/main" id="{C3870A9A-5C2F-4364-A5AB-5ACBFE2067F6}"/>
+                </a:ext>
+              </a:extLst>
+            </p:cNvPr>
+            <p:cNvSpPr/>
+            <p:nvPr/>
+          </p:nvSpPr>
+          <p:spPr>
+            <a:xfrm>
+              <a:off x="3238500" y="1958641"/>
+              <a:ext cx="511969" cy="357207"/>
+            </a:xfrm>
+            <a:prstGeom prst="rect">
+              <a:avLst/>
+            </a:prstGeom>
+            <a:solidFill>
+              <a:schemeClr val="bg1"/>
+            </a:solidFill>
+            <a:ln>
+              <a:solidFill>
+                <a:schemeClr val="bg1">
+                  <a:lumMod val="50000"/>
+                </a:schemeClr>
+              </a:solidFill>
+            </a:ln>
+          </p:spPr>
+          <p:style>
+            <a:lnRef idx="2">
+              <a:schemeClr val="accent1">
+                <a:shade val="50000"/>
+              </a:schemeClr>
+            </a:lnRef>
+            <a:fillRef idx="1">
+              <a:schemeClr val="accent1"/>
+            </a:fillRef>
+            <a:effectRef idx="0">
+              <a:schemeClr val="accent1"/>
+            </a:effectRef>
+            <a:fontRef idx="minor">
+              <a:schemeClr val="lt1"/>
+            </a:fontRef>
+          </p:style>
+          <p:txBody>
+            <a:bodyPr rtlCol="0" anchor="ctr"/>
+            <a:lstStyle/>
+            <a:p>
+              <a:pPr algn="ctr"/>
+              <a:endParaRPr lang="ru-RU"/>
+            </a:p>
+          </p:txBody>
+        </p:sp>
+      </p:grpSp>
+      <p:pic>
+        <p:nvPicPr>
+          <p:cNvPr id="3" name="Рисунок 2">
+            <a:extLst>
+              <a:ext uri="{FF2B5EF4-FFF2-40B4-BE49-F238E27FC236}">
+                <a16:creationId xmlns:a16="http://schemas.microsoft.com/office/drawing/2014/main" id="{AD57D02D-2CE9-4604-B72C-FD864AF2A3B7}"/>
+              </a:ext>
+            </a:extLst>
+          </p:cNvPr>
+          <p:cNvPicPr>
+            <a:picLocks noChangeAspect="1"/>
+          </p:cNvPicPr>
+          <p:nvPr/>
+        </p:nvPicPr>
+        <p:blipFill>
+          <a:blip r:embed="rId2">
+            <a:extLst>
+              <a:ext uri="{28A0092B-C50C-407E-A947-70E740481C1C}">
+                <a14:useLocalDpi xmlns:a14="http://schemas.microsoft.com/office/drawing/2010/main" val="0"/>
+              </a:ext>
+            </a:extLst>
+          </a:blip>
+          <a:stretch>
+            <a:fillRect/>
+          </a:stretch>
+        </p:blipFill>
+        <p:spPr>
+          <a:xfrm>
+            <a:off x="795866" y="257718"/>
+            <a:ext cx="1049867" cy="1049867"/>
+          </a:xfrm>
+          <a:prstGeom prst="rect">
+            <a:avLst/>
+          </a:prstGeom>
+        </p:spPr>
+      </p:pic>
       <p:sp>
         <p:nvSpPr>
-          <p:cNvPr id="2" name="Заголовок 1">
-            <a:extLst>
-              <a:ext uri="{FF2B5EF4-FFF2-40B4-BE49-F238E27FC236}">
-                <a16:creationId xmlns:a16="http://schemas.microsoft.com/office/drawing/2014/main" id="{DB254794-BD65-4F56-B1CF-8B8BD03C0A65}"/>
-              </a:ext>
-            </a:extLst>
-          </p:cNvPr>
-          <p:cNvSpPr>
-            <a:spLocks noGrp="1"/>
-          </p:cNvSpPr>
-          <p:nvPr>
-            <p:ph type="ctrTitle"/>
-          </p:nvPr>
+          <p:cNvPr id="4" name="TextBox 3">
+            <a:extLst>
+              <a:ext uri="{FF2B5EF4-FFF2-40B4-BE49-F238E27FC236}">
+                <a16:creationId xmlns:a16="http://schemas.microsoft.com/office/drawing/2014/main" id="{7D1FA222-3CBA-4C08-9AD1-994B379A0DEB}"/>
+              </a:ext>
+            </a:extLst>
+          </p:cNvPr>
+          <p:cNvSpPr txBox="1"/>
+          <p:nvPr/>
         </p:nvSpPr>
-        <p:spPr/>
+        <p:spPr>
+          <a:xfrm>
+            <a:off x="2108202" y="397930"/>
+            <a:ext cx="6824133" cy="769441"/>
+          </a:xfrm>
+          <a:prstGeom prst="rect">
+            <a:avLst/>
+          </a:prstGeom>
+          <a:noFill/>
+        </p:spPr>
         <p:txBody>
-          <a:bodyPr/>
+          <a:bodyPr wrap="square" rtlCol="0">
+            <a:spAutoFit/>
+          </a:bodyPr>
           <a:lstStyle/>
           <a:p>
             <a:r>
-              <a:rPr lang="en-US" dirty="0"/>
+              <a:rPr lang="en-US" sz="4400" dirty="0">
+                <a:latin typeface="Arial Rounded MT Bold" panose="020F0704030504030204" pitchFamily="34" charset="0"/>
+              </a:rPr>
               <a:t>Health Tracker</a:t>
             </a:r>
-            <a:endParaRPr lang="ru-RU" dirty="0"/>
+            <a:endParaRPr lang="ru-RU" sz="4400" dirty="0">
+              <a:latin typeface="Proxima Nova Rg" panose="02000506030000020004" pitchFamily="2" charset="0"/>
+            </a:endParaRPr>
           </a:p>
         </p:txBody>
       </p:sp>
+      <p:pic>
+        <p:nvPicPr>
+          <p:cNvPr id="82" name="Рисунок 81">
+            <a:extLst>
+              <a:ext uri="{FF2B5EF4-FFF2-40B4-BE49-F238E27FC236}">
+                <a16:creationId xmlns:a16="http://schemas.microsoft.com/office/drawing/2014/main" id="{E1859BDE-3FA6-4DCD-8264-BC1021A47E32}"/>
+              </a:ext>
+            </a:extLst>
+          </p:cNvPr>
+          <p:cNvPicPr>
+            <a:picLocks noChangeAspect="1"/>
+          </p:cNvPicPr>
+          <p:nvPr/>
+        </p:nvPicPr>
+        <p:blipFill>
+          <a:blip r:embed="rId3">
+            <a:duotone>
+              <a:prstClr val="black"/>
+              <a:schemeClr val="tx1">
+                <a:tint val="45000"/>
+                <a:satMod val="400000"/>
+              </a:schemeClr>
+            </a:duotone>
+            <a:extLst>
+              <a:ext uri="{28A0092B-C50C-407E-A947-70E740481C1C}">
+                <a14:useLocalDpi xmlns:a14="http://schemas.microsoft.com/office/drawing/2010/main" val="0"/>
+              </a:ext>
+            </a:extLst>
+          </a:blip>
+          <a:stretch>
+            <a:fillRect/>
+          </a:stretch>
+        </p:blipFill>
+        <p:spPr>
+          <a:xfrm>
+            <a:off x="7797800" y="4011402"/>
+            <a:ext cx="2270287" cy="797668"/>
+          </a:xfrm>
+          <a:prstGeom prst="rect">
+            <a:avLst/>
+          </a:prstGeom>
+        </p:spPr>
+      </p:pic>
       <p:sp>
         <p:nvSpPr>
-          <p:cNvPr id="3" name="Подзаголовок 2">
-            <a:extLst>
-              <a:ext uri="{FF2B5EF4-FFF2-40B4-BE49-F238E27FC236}">
-                <a16:creationId xmlns:a16="http://schemas.microsoft.com/office/drawing/2014/main" id="{E9443AA2-D878-4F71-ABB8-F94C2F006219}"/>
-              </a:ext>
-            </a:extLst>
-          </p:cNvPr>
-          <p:cNvSpPr>
-            <a:spLocks noGrp="1"/>
-          </p:cNvSpPr>
-          <p:nvPr>
-            <p:ph type="subTitle" idx="1"/>
-          </p:nvPr>
+          <p:cNvPr id="83" name="TextBox 82">
+            <a:extLst>
+              <a:ext uri="{FF2B5EF4-FFF2-40B4-BE49-F238E27FC236}">
+                <a16:creationId xmlns:a16="http://schemas.microsoft.com/office/drawing/2014/main" id="{A48A6E1B-1F43-48FC-A3E9-98BAC7C11966}"/>
+              </a:ext>
+            </a:extLst>
+          </p:cNvPr>
+          <p:cNvSpPr txBox="1"/>
+          <p:nvPr/>
         </p:nvSpPr>
-        <p:spPr/>
+        <p:spPr>
+          <a:xfrm>
+            <a:off x="6714065" y="4732663"/>
+            <a:ext cx="5477935" cy="1323439"/>
+          </a:xfrm>
+          <a:prstGeom prst="rect">
+            <a:avLst/>
+          </a:prstGeom>
+          <a:noFill/>
+        </p:spPr>
         <p:txBody>
-          <a:bodyPr/>
+          <a:bodyPr wrap="square" rtlCol="0">
+            <a:spAutoFit/>
+          </a:bodyPr>
           <a:lstStyle/>
           <a:p>
             <a:r>
-              <a:rPr lang="ru-RU" dirty="0"/>
+              <a:rPr lang="ru-RU" sz="2000" b="1" dirty="0">
+                <a:latin typeface="Proxima Nova Semibold" panose="02000506030000020004" pitchFamily="2" charset="0"/>
+              </a:rPr>
+              <a:t>Город</a:t>
+            </a:r>
+            <a:r>
+              <a:rPr lang="en-US" sz="2000" b="1" dirty="0">
+                <a:latin typeface="Proxima Nova Semibold" panose="02000506030000020004" pitchFamily="2" charset="0"/>
+              </a:rPr>
+              <a:t>:</a:t>
+            </a:r>
+            <a:r>
+              <a:rPr lang="en-US" sz="2000" dirty="0">
+                <a:latin typeface="Arial Rounded MT Bold" panose="020F0704030504030204" pitchFamily="34" charset="0"/>
+              </a:rPr>
+              <a:t> </a:t>
+            </a:r>
+            <a:r>
+              <a:rPr lang="ru-RU" sz="2000" dirty="0">
+                <a:latin typeface="Proxima Nova Rg" panose="02000506030000020004" pitchFamily="2" charset="0"/>
+              </a:rPr>
+              <a:t>Новосибирск</a:t>
+            </a:r>
+          </a:p>
+          <a:p>
+            <a:r>
+              <a:rPr lang="ru-RU" sz="2000" b="1" dirty="0">
+                <a:latin typeface="Proxima Nova Semibold" panose="02000506030000020004" pitchFamily="2" charset="0"/>
+              </a:rPr>
+              <a:t>Площадка</a:t>
+            </a:r>
+            <a:r>
+              <a:rPr lang="en-US" sz="2000" b="1" dirty="0">
+                <a:latin typeface="Proxima Nova Semibold" panose="02000506030000020004" pitchFamily="2" charset="0"/>
+              </a:rPr>
+              <a:t>:</a:t>
+            </a:r>
+            <a:r>
+              <a:rPr lang="en-US" sz="2000" dirty="0">
+                <a:latin typeface="Arial Rounded MT Bold" panose="020F0704030504030204" pitchFamily="34" charset="0"/>
+              </a:rPr>
+              <a:t> </a:t>
+            </a:r>
+            <a:r>
+              <a:rPr lang="ru-RU" sz="2000" dirty="0">
+                <a:latin typeface="Proxima Nova Rg" panose="02000506030000020004" pitchFamily="2" charset="0"/>
+              </a:rPr>
+              <a:t>Инженерный лицей НГТУ</a:t>
+            </a:r>
+          </a:p>
+          <a:p>
+            <a:r>
+              <a:rPr lang="ru-RU" sz="2000" b="1" dirty="0">
+                <a:latin typeface="Proxima Nova Semibold" panose="02000506030000020004" pitchFamily="2" charset="0"/>
+              </a:rPr>
+              <a:t>Автор</a:t>
+            </a:r>
+            <a:r>
+              <a:rPr lang="en-US" sz="2000" b="1" dirty="0">
+                <a:latin typeface="Proxima Nova Semibold" panose="02000506030000020004" pitchFamily="2" charset="0"/>
+              </a:rPr>
+              <a:t>:</a:t>
+            </a:r>
+            <a:r>
+              <a:rPr lang="en-US" sz="2000" dirty="0">
+                <a:latin typeface="Proxima Nova Semibold" panose="02000506030000020004" pitchFamily="2" charset="0"/>
+              </a:rPr>
+              <a:t> </a:t>
+            </a:r>
+            <a:r>
+              <a:rPr lang="ru-RU" sz="2000" dirty="0">
+                <a:latin typeface="Proxima Nova Rg" panose="02000506030000020004" pitchFamily="2" charset="0"/>
+              </a:rPr>
               <a:t>Свирский Богдан</a:t>
             </a:r>
           </a:p>
           <a:p>
             <a:r>
-              <a:rPr lang="ru-RU" dirty="0" err="1"/>
+              <a:rPr lang="ru-RU" sz="2000" b="1" dirty="0">
+                <a:latin typeface="Proxima Nova Semibold" panose="02000506030000020004" pitchFamily="2" charset="0"/>
+              </a:rPr>
+              <a:t>Преподаватель</a:t>
+            </a:r>
+            <a:r>
+              <a:rPr lang="en-US" sz="2000" b="1" dirty="0">
+                <a:latin typeface="Proxima Nova Semibold" panose="02000506030000020004" pitchFamily="2" charset="0"/>
+              </a:rPr>
+              <a:t>: </a:t>
+            </a:r>
+            <a:r>
+              <a:rPr lang="ru-RU" sz="2000" dirty="0" err="1">
+                <a:latin typeface="Proxima Nova Rg" panose="02000506030000020004" pitchFamily="2" charset="0"/>
+              </a:rPr>
               <a:t>Шперлинг</a:t>
             </a:r>
             <a:r>
-              <a:rPr lang="ru-RU" dirty="0"/>
+              <a:rPr lang="ru-RU" sz="2000" dirty="0">
+                <a:latin typeface="Proxima Nova Rg" panose="02000506030000020004" pitchFamily="2" charset="0"/>
+              </a:rPr>
               <a:t> Владимир</a:t>
             </a:r>
           </a:p>
@@ -3407,6 +6041,14 @@
 <file path=ppt/slides/slide2.xml><?xml version="1.0" encoding="utf-8"?>
 <p:sld xmlns:a="http://schemas.openxmlformats.org/drawingml/2006/main" xmlns:r="http://schemas.openxmlformats.org/officeDocument/2006/relationships" xmlns:p="http://schemas.openxmlformats.org/presentationml/2006/main">
   <p:cSld>
+    <p:bg>
+      <p:bgPr>
+        <a:solidFill>
+          <a:schemeClr val="bg1"/>
+        </a:solidFill>
+        <a:effectLst/>
+      </p:bgPr>
+    </p:bg>
     <p:spTree>
       <p:nvGrpSpPr>
         <p:cNvPr id="1" name=""/>
@@ -3423,10 +6065,90 @@
       </p:grpSpPr>
       <p:sp>
         <p:nvSpPr>
-          <p:cNvPr id="2" name="Заголовок 1">
-            <a:extLst>
-              <a:ext uri="{FF2B5EF4-FFF2-40B4-BE49-F238E27FC236}">
-                <a16:creationId xmlns:a16="http://schemas.microsoft.com/office/drawing/2014/main" id="{D33784EB-9018-44D1-A3F8-AAA95440A2EA}"/>
+          <p:cNvPr id="51" name="TextBox 50">
+            <a:extLst>
+              <a:ext uri="{FF2B5EF4-FFF2-40B4-BE49-F238E27FC236}">
+                <a16:creationId xmlns:a16="http://schemas.microsoft.com/office/drawing/2014/main" id="{6F62766A-5DAE-40B9-969F-B4226158BD05}"/>
+              </a:ext>
+            </a:extLst>
+          </p:cNvPr>
+          <p:cNvSpPr txBox="1"/>
+          <p:nvPr/>
+        </p:nvSpPr>
+        <p:spPr>
+          <a:xfrm>
+            <a:off x="2108203" y="397930"/>
+            <a:ext cx="3759198" cy="769441"/>
+          </a:xfrm>
+          <a:prstGeom prst="rect">
+            <a:avLst/>
+          </a:prstGeom>
+          <a:noFill/>
+        </p:spPr>
+        <p:txBody>
+          <a:bodyPr wrap="square" rtlCol="0">
+            <a:spAutoFit/>
+          </a:bodyPr>
+          <a:lstStyle/>
+          <a:p>
+            <a:r>
+              <a:rPr lang="ru-RU" sz="4400" b="1" dirty="0">
+                <a:latin typeface="Proxima Nova Semibold" panose="02000506030000020004" pitchFamily="2" charset="0"/>
+              </a:rPr>
+              <a:t>Актуальность</a:t>
+            </a:r>
+          </a:p>
+        </p:txBody>
+      </p:sp>
+      <p:pic>
+        <p:nvPicPr>
+          <p:cNvPr id="4" name="Рисунок 3">
+            <a:extLst>
+              <a:ext uri="{FF2B5EF4-FFF2-40B4-BE49-F238E27FC236}">
+                <a16:creationId xmlns:a16="http://schemas.microsoft.com/office/drawing/2014/main" id="{3EEAB0F9-C35B-4A96-B504-407FE2B0E457}"/>
+              </a:ext>
+            </a:extLst>
+          </p:cNvPr>
+          <p:cNvPicPr>
+            <a:picLocks noChangeAspect="1"/>
+          </p:cNvPicPr>
+          <p:nvPr/>
+        </p:nvPicPr>
+        <p:blipFill>
+          <a:blip r:embed="rId2">
+            <a:duotone>
+              <a:prstClr val="black"/>
+              <a:schemeClr val="tx1">
+                <a:tint val="45000"/>
+                <a:satMod val="400000"/>
+              </a:schemeClr>
+            </a:duotone>
+            <a:extLst>
+              <a:ext uri="{28A0092B-C50C-407E-A947-70E740481C1C}">
+                <a14:useLocalDpi xmlns:a14="http://schemas.microsoft.com/office/drawing/2010/main" val="0"/>
+              </a:ext>
+            </a:extLst>
+          </a:blip>
+          <a:stretch>
+            <a:fillRect/>
+          </a:stretch>
+        </p:blipFill>
+        <p:spPr>
+          <a:xfrm>
+            <a:off x="9478317" y="383816"/>
+            <a:ext cx="2270287" cy="797668"/>
+          </a:xfrm>
+          <a:prstGeom prst="rect">
+            <a:avLst/>
+          </a:prstGeom>
+        </p:spPr>
+      </p:pic>
+      <p:sp>
+        <p:nvSpPr>
+          <p:cNvPr id="2" name="Номер слайда 1">
+            <a:extLst>
+              <a:ext uri="{FF2B5EF4-FFF2-40B4-BE49-F238E27FC236}">
+                <a16:creationId xmlns:a16="http://schemas.microsoft.com/office/drawing/2014/main" id="{C63A57DE-9045-4AA7-AADC-A57954293E30}"/>
               </a:ext>
             </a:extLst>
           </p:cNvPr>
@@ -3434,80 +6156,3520 @@
             <a:spLocks noGrp="1"/>
           </p:cNvSpPr>
           <p:nvPr>
-            <p:ph type="title"/>
+            <p:ph type="sldNum" sz="quarter" idx="12"/>
           </p:nvPr>
         </p:nvSpPr>
-        <p:spPr/>
+        <p:spPr>
+          <a:xfrm>
+            <a:off x="9005404" y="6205896"/>
+            <a:ext cx="2743200" cy="365125"/>
+          </a:xfrm>
+        </p:spPr>
         <p:txBody>
           <a:bodyPr/>
           <a:lstStyle/>
           <a:p>
-            <a:r>
-              <a:rPr lang="ru-RU" dirty="0"/>
-              <a:t>Актуальность</a:t>
-            </a:r>
+            <a:fld id="{6107D050-46E0-4881-B04B-F42EFC24E18C}" type="slidenum">
+              <a:rPr lang="ru-RU" sz="1600" smtClean="0">
+                <a:solidFill>
+                  <a:schemeClr val="tx1"/>
+                </a:solidFill>
+                <a:latin typeface="Proxima Nova Semibold" panose="02000506030000020004" pitchFamily="2" charset="0"/>
+              </a:rPr>
+              <a:t>2</a:t>
+            </a:fld>
+            <a:endParaRPr lang="ru-RU" sz="1600" dirty="0">
+              <a:solidFill>
+                <a:schemeClr val="tx1"/>
+              </a:solidFill>
+              <a:latin typeface="Proxima Nova Semibold" panose="02000506030000020004" pitchFamily="2" charset="0"/>
+            </a:endParaRPr>
+          </a:p>
+        </p:txBody>
+      </p:sp>
+      <p:pic>
+        <p:nvPicPr>
+          <p:cNvPr id="7" name="Рисунок 6">
+            <a:extLst>
+              <a:ext uri="{FF2B5EF4-FFF2-40B4-BE49-F238E27FC236}">
+                <a16:creationId xmlns:a16="http://schemas.microsoft.com/office/drawing/2014/main" id="{D15CBA3E-E5D1-4963-9C65-F2DEDB1590BC}"/>
+              </a:ext>
+            </a:extLst>
+          </p:cNvPr>
+          <p:cNvPicPr>
+            <a:picLocks noChangeAspect="1"/>
+          </p:cNvPicPr>
+          <p:nvPr/>
+        </p:nvPicPr>
+        <p:blipFill>
+          <a:blip r:embed="rId3"/>
+          <a:stretch>
+            <a:fillRect/>
+          </a:stretch>
+        </p:blipFill>
+        <p:spPr>
+          <a:xfrm>
+            <a:off x="6443403" y="1301243"/>
+            <a:ext cx="3871382" cy="3017918"/>
+          </a:xfrm>
+          <a:prstGeom prst="rect">
+            <a:avLst/>
+          </a:prstGeom>
+        </p:spPr>
+      </p:pic>
+      <p:sp>
+        <p:nvSpPr>
+          <p:cNvPr id="10" name="Прямоугольник 9">
+            <a:extLst>
+              <a:ext uri="{FF2B5EF4-FFF2-40B4-BE49-F238E27FC236}">
+                <a16:creationId xmlns:a16="http://schemas.microsoft.com/office/drawing/2014/main" id="{22CEF732-ED1A-4712-AF22-68C5918966F1}"/>
+              </a:ext>
+            </a:extLst>
+          </p:cNvPr>
+          <p:cNvSpPr/>
+          <p:nvPr/>
+        </p:nvSpPr>
+        <p:spPr>
+          <a:xfrm>
+            <a:off x="1332290" y="5427126"/>
+            <a:ext cx="9527420" cy="699897"/>
+          </a:xfrm>
+          <a:prstGeom prst="rect">
+            <a:avLst/>
+          </a:prstGeom>
+          <a:solidFill>
+            <a:schemeClr val="bg2"/>
+          </a:solidFill>
+          <a:ln>
+            <a:solidFill>
+              <a:schemeClr val="bg2">
+                <a:lumMod val="75000"/>
+              </a:schemeClr>
+            </a:solidFill>
+          </a:ln>
+        </p:spPr>
+        <p:style>
+          <a:lnRef idx="2">
+            <a:schemeClr val="accent1">
+              <a:shade val="50000"/>
+            </a:schemeClr>
+          </a:lnRef>
+          <a:fillRef idx="1">
+            <a:schemeClr val="accent1"/>
+          </a:fillRef>
+          <a:effectRef idx="0">
+            <a:schemeClr val="accent1"/>
+          </a:effectRef>
+          <a:fontRef idx="minor">
+            <a:schemeClr val="lt1"/>
+          </a:fontRef>
+        </p:style>
+        <p:txBody>
+          <a:bodyPr rtlCol="0" anchor="ctr"/>
+          <a:lstStyle/>
+          <a:p>
+            <a:pPr algn="ctr"/>
+            <a:endParaRPr lang="ru-RU" sz="1600"/>
           </a:p>
         </p:txBody>
       </p:sp>
       <p:sp>
         <p:nvSpPr>
-          <p:cNvPr id="3" name="Объект 2">
-            <a:extLst>
-              <a:ext uri="{FF2B5EF4-FFF2-40B4-BE49-F238E27FC236}">
-                <a16:creationId xmlns:a16="http://schemas.microsoft.com/office/drawing/2014/main" id="{E62F54CD-7C54-44DE-BBA8-948DAAB9351F}"/>
-              </a:ext>
-            </a:extLst>
-          </p:cNvPr>
-          <p:cNvSpPr>
-            <a:spLocks noGrp="1"/>
-          </p:cNvSpPr>
-          <p:nvPr>
-            <p:ph idx="1"/>
-          </p:nvPr>
+          <p:cNvPr id="3" name="TextBox 2">
+            <a:extLst>
+              <a:ext uri="{FF2B5EF4-FFF2-40B4-BE49-F238E27FC236}">
+                <a16:creationId xmlns:a16="http://schemas.microsoft.com/office/drawing/2014/main" id="{E5F4C31F-864F-42AB-ACC5-D52E367E8165}"/>
+              </a:ext>
+            </a:extLst>
+          </p:cNvPr>
+          <p:cNvSpPr txBox="1"/>
+          <p:nvPr/>
         </p:nvSpPr>
-        <p:spPr/>
+        <p:spPr>
+          <a:xfrm>
+            <a:off x="1332290" y="5498601"/>
+            <a:ext cx="9498776" cy="584775"/>
+          </a:xfrm>
+          <a:prstGeom prst="rect">
+            <a:avLst/>
+          </a:prstGeom>
+          <a:noFill/>
+        </p:spPr>
         <p:txBody>
-          <a:bodyPr/>
+          <a:bodyPr wrap="square" rtlCol="0">
+            <a:spAutoFit/>
+          </a:bodyPr>
           <a:lstStyle/>
           <a:p>
-            <a:r>
-              <a:rPr lang="ru-RU" dirty="0"/>
-              <a:t>Люди не </a:t>
-            </a:r>
-            <a:r>
-              <a:rPr lang="ru-RU" dirty="0" err="1"/>
-              <a:t>зодят</a:t>
-            </a:r>
-            <a:endParaRPr lang="ru-RU" dirty="0"/>
-          </a:p>
-          <a:p>
-            <a:r>
-              <a:rPr lang="ru-RU" dirty="0"/>
-              <a:t>Не уделяют внимание калория</a:t>
-            </a:r>
-          </a:p>
-          <a:p>
-            <a:r>
-              <a:rPr lang="ru-RU" dirty="0"/>
-              <a:t>Не уделяют внимание воде</a:t>
-            </a:r>
+            <a:pPr algn="ctr"/>
+            <a:r>
+              <a:rPr lang="ru-RU" sz="1600" dirty="0">
+                <a:latin typeface="Proxima Nova Rg" panose="02000506030000020004" pitchFamily="2" charset="0"/>
+              </a:rPr>
+              <a:t>Доступность еды для людей растёт, а расход энергии, которую мы из этой еды получаем, уменьшается</a:t>
+            </a:r>
+          </a:p>
+        </p:txBody>
+      </p:sp>
+      <p:sp>
+        <p:nvSpPr>
+          <p:cNvPr id="9" name="TextBox 8">
+            <a:extLst>
+              <a:ext uri="{FF2B5EF4-FFF2-40B4-BE49-F238E27FC236}">
+                <a16:creationId xmlns:a16="http://schemas.microsoft.com/office/drawing/2014/main" id="{E8FF4AD5-5A4F-41A6-8AA5-09DABAD8644F}"/>
+              </a:ext>
+            </a:extLst>
+          </p:cNvPr>
+          <p:cNvSpPr txBox="1"/>
+          <p:nvPr/>
+        </p:nvSpPr>
+        <p:spPr>
+          <a:xfrm>
+            <a:off x="6652685" y="4390636"/>
+            <a:ext cx="3775388" cy="584775"/>
+          </a:xfrm>
+          <a:prstGeom prst="rect">
+            <a:avLst/>
+          </a:prstGeom>
+          <a:noFill/>
+        </p:spPr>
+        <p:txBody>
+          <a:bodyPr wrap="square" rtlCol="0">
+            <a:spAutoFit/>
+          </a:bodyPr>
+          <a:lstStyle/>
+          <a:p>
+            <a:r>
+              <a:rPr lang="en-US" sz="1600" dirty="0">
+                <a:solidFill>
+                  <a:schemeClr val="bg2">
+                    <a:lumMod val="75000"/>
+                  </a:schemeClr>
+                </a:solidFill>
+                <a:latin typeface="Arial Rounded MT Bold" panose="020F0704030504030204" pitchFamily="34" charset="0"/>
+              </a:rPr>
+              <a:t>*Physical activity and risk of breast cancer, colon cancer,…</a:t>
+            </a:r>
+            <a:endParaRPr lang="ru-RU" sz="1600" dirty="0">
+              <a:solidFill>
+                <a:schemeClr val="bg2">
+                  <a:lumMod val="75000"/>
+                </a:schemeClr>
+              </a:solidFill>
+            </a:endParaRPr>
+          </a:p>
+        </p:txBody>
+      </p:sp>
+      <p:pic>
+        <p:nvPicPr>
+          <p:cNvPr id="14" name="Рисунок 13">
+            <a:extLst>
+              <a:ext uri="{FF2B5EF4-FFF2-40B4-BE49-F238E27FC236}">
+                <a16:creationId xmlns:a16="http://schemas.microsoft.com/office/drawing/2014/main" id="{AF741E6A-90AB-4E08-9BE6-DAABBB930619}"/>
+              </a:ext>
+            </a:extLst>
+          </p:cNvPr>
+          <p:cNvPicPr>
+            <a:picLocks noChangeAspect="1"/>
+          </p:cNvPicPr>
+          <p:nvPr/>
+        </p:nvPicPr>
+        <p:blipFill>
+          <a:blip r:embed="rId4"/>
+          <a:stretch>
+            <a:fillRect/>
+          </a:stretch>
+        </p:blipFill>
+        <p:spPr>
+          <a:xfrm>
+            <a:off x="1532201" y="1388370"/>
+            <a:ext cx="4911202" cy="2881975"/>
+          </a:xfrm>
+          <a:prstGeom prst="rect">
+            <a:avLst/>
+          </a:prstGeom>
+        </p:spPr>
+      </p:pic>
+      <p:sp>
+        <p:nvSpPr>
+          <p:cNvPr id="18" name="TextBox 17">
+            <a:extLst>
+              <a:ext uri="{FF2B5EF4-FFF2-40B4-BE49-F238E27FC236}">
+                <a16:creationId xmlns:a16="http://schemas.microsoft.com/office/drawing/2014/main" id="{9D01D7A3-E113-475E-B758-6505A3B3CB51}"/>
+              </a:ext>
+            </a:extLst>
+          </p:cNvPr>
+          <p:cNvSpPr txBox="1"/>
+          <p:nvPr/>
+        </p:nvSpPr>
+        <p:spPr>
+          <a:xfrm>
+            <a:off x="2198430" y="4390636"/>
+            <a:ext cx="3775388" cy="584775"/>
+          </a:xfrm>
+          <a:prstGeom prst="rect">
+            <a:avLst/>
+          </a:prstGeom>
+          <a:noFill/>
+        </p:spPr>
+        <p:txBody>
+          <a:bodyPr wrap="square" rtlCol="0">
+            <a:spAutoFit/>
+          </a:bodyPr>
+          <a:lstStyle/>
+          <a:p>
+            <a:r>
+              <a:rPr lang="en-US" sz="1600" dirty="0">
+                <a:solidFill>
+                  <a:schemeClr val="bg2">
+                    <a:lumMod val="75000"/>
+                  </a:schemeClr>
+                </a:solidFill>
+                <a:latin typeface="Arial Rounded MT Bold" panose="020F0704030504030204" pitchFamily="34" charset="0"/>
+              </a:rPr>
+              <a:t>*</a:t>
+            </a:r>
+            <a:r>
+              <a:rPr lang="en-US" sz="1600" dirty="0" err="1">
+                <a:solidFill>
+                  <a:schemeClr val="bg2">
+                    <a:lumMod val="75000"/>
+                  </a:schemeClr>
+                </a:solidFill>
+                <a:latin typeface="Arial Rounded MT Bold" panose="020F0704030504030204" pitchFamily="34" charset="0"/>
+              </a:rPr>
+              <a:t>NCDRisC</a:t>
+            </a:r>
+            <a:r>
+              <a:rPr lang="en-US" sz="1600" dirty="0">
+                <a:solidFill>
+                  <a:schemeClr val="bg2">
+                    <a:lumMod val="75000"/>
+                  </a:schemeClr>
+                </a:solidFill>
+                <a:latin typeface="Arial Rounded MT Bold" panose="020F0704030504030204" pitchFamily="34" charset="0"/>
+              </a:rPr>
+              <a:t> and Food and Agriculture Organization of the United Nations</a:t>
+            </a:r>
+            <a:endParaRPr lang="ru-RU" sz="1600" dirty="0">
+              <a:solidFill>
+                <a:schemeClr val="bg2">
+                  <a:lumMod val="75000"/>
+                </a:schemeClr>
+              </a:solidFill>
+            </a:endParaRPr>
           </a:p>
         </p:txBody>
       </p:sp>
     </p:spTree>
     <p:extLst>
       <p:ext uri="{BB962C8B-B14F-4D97-AF65-F5344CB8AC3E}">
-        <p14:creationId xmlns:p14="http://schemas.microsoft.com/office/powerpoint/2010/main" val="1855060352"/>
+        <p14:creationId xmlns:p14="http://schemas.microsoft.com/office/powerpoint/2010/main" val="1759863417"/>
       </p:ext>
     </p:extLst>
   </p:cSld>
   <p:clrMapOvr>
     <a:masterClrMapping/>
   </p:clrMapOvr>
+  <mc:AlternateContent xmlns:mc="http://schemas.openxmlformats.org/markup-compatibility/2006" xmlns:p159="http://schemas.microsoft.com/office/powerpoint/2015/09/main">
+    <mc:Choice Requires="p159">
+      <p:transition xmlns:p14="http://schemas.microsoft.com/office/powerpoint/2010/main" spd="slow" p14:dur="2000">
+        <p159:morph option="byObject"/>
+      </p:transition>
+    </mc:Choice>
+    <mc:Fallback xmlns="">
+      <p:transition spd="slow">
+        <p:fade/>
+      </p:transition>
+    </mc:Fallback>
+  </mc:AlternateContent>
 </p:sld>
 </file>
 
 <file path=ppt/slides/slide3.xml><?xml version="1.0" encoding="utf-8"?>
+<p:sld xmlns:a="http://schemas.openxmlformats.org/drawingml/2006/main" xmlns:r="http://schemas.openxmlformats.org/officeDocument/2006/relationships" xmlns:p="http://schemas.openxmlformats.org/presentationml/2006/main">
+  <p:cSld>
+    <p:bg>
+      <p:bgPr>
+        <a:solidFill>
+          <a:schemeClr val="bg1"/>
+        </a:solidFill>
+        <a:effectLst/>
+      </p:bgPr>
+    </p:bg>
+    <p:spTree>
+      <p:nvGrpSpPr>
+        <p:cNvPr id="1" name=""/>
+        <p:cNvGrpSpPr/>
+        <p:nvPr/>
+      </p:nvGrpSpPr>
+      <p:grpSpPr>
+        <a:xfrm>
+          <a:off x="0" y="0"/>
+          <a:ext cx="0" cy="0"/>
+          <a:chOff x="0" y="0"/>
+          <a:chExt cx="0" cy="0"/>
+        </a:xfrm>
+      </p:grpSpPr>
+      <p:sp>
+        <p:nvSpPr>
+          <p:cNvPr id="51" name="TextBox 50">
+            <a:extLst>
+              <a:ext uri="{FF2B5EF4-FFF2-40B4-BE49-F238E27FC236}">
+                <a16:creationId xmlns:a16="http://schemas.microsoft.com/office/drawing/2014/main" id="{6F62766A-5DAE-40B9-969F-B4226158BD05}"/>
+              </a:ext>
+            </a:extLst>
+          </p:cNvPr>
+          <p:cNvSpPr txBox="1"/>
+          <p:nvPr/>
+        </p:nvSpPr>
+        <p:spPr>
+          <a:xfrm>
+            <a:off x="2108202" y="397930"/>
+            <a:ext cx="6254747" cy="769441"/>
+          </a:xfrm>
+          <a:prstGeom prst="rect">
+            <a:avLst/>
+          </a:prstGeom>
+          <a:noFill/>
+        </p:spPr>
+        <p:txBody>
+          <a:bodyPr wrap="square" rtlCol="0">
+            <a:spAutoFit/>
+          </a:bodyPr>
+          <a:lstStyle/>
+          <a:p>
+            <a:r>
+              <a:rPr lang="ru-RU" sz="4400" b="1" dirty="0">
+                <a:latin typeface="Proxima Nova Semibold" panose="02000506030000020004" pitchFamily="2" charset="0"/>
+              </a:rPr>
+              <a:t>Приложение</a:t>
+            </a:r>
+          </a:p>
+        </p:txBody>
+      </p:sp>
+      <p:pic>
+        <p:nvPicPr>
+          <p:cNvPr id="4" name="Рисунок 3">
+            <a:extLst>
+              <a:ext uri="{FF2B5EF4-FFF2-40B4-BE49-F238E27FC236}">
+                <a16:creationId xmlns:a16="http://schemas.microsoft.com/office/drawing/2014/main" id="{3EEAB0F9-C35B-4A96-B504-407FE2B0E457}"/>
+              </a:ext>
+            </a:extLst>
+          </p:cNvPr>
+          <p:cNvPicPr>
+            <a:picLocks noChangeAspect="1"/>
+          </p:cNvPicPr>
+          <p:nvPr/>
+        </p:nvPicPr>
+        <p:blipFill>
+          <a:blip r:embed="rId2">
+            <a:duotone>
+              <a:prstClr val="black"/>
+              <a:schemeClr val="tx1">
+                <a:tint val="45000"/>
+                <a:satMod val="400000"/>
+              </a:schemeClr>
+            </a:duotone>
+            <a:extLst>
+              <a:ext uri="{28A0092B-C50C-407E-A947-70E740481C1C}">
+                <a14:useLocalDpi xmlns:a14="http://schemas.microsoft.com/office/drawing/2010/main" val="0"/>
+              </a:ext>
+            </a:extLst>
+          </a:blip>
+          <a:stretch>
+            <a:fillRect/>
+          </a:stretch>
+        </p:blipFill>
+        <p:spPr>
+          <a:xfrm>
+            <a:off x="9478317" y="383816"/>
+            <a:ext cx="2270287" cy="797668"/>
+          </a:xfrm>
+          <a:prstGeom prst="rect">
+            <a:avLst/>
+          </a:prstGeom>
+        </p:spPr>
+      </p:pic>
+      <p:sp>
+        <p:nvSpPr>
+          <p:cNvPr id="2" name="Номер слайда 1">
+            <a:extLst>
+              <a:ext uri="{FF2B5EF4-FFF2-40B4-BE49-F238E27FC236}">
+                <a16:creationId xmlns:a16="http://schemas.microsoft.com/office/drawing/2014/main" id="{C63A57DE-9045-4AA7-AADC-A57954293E30}"/>
+              </a:ext>
+            </a:extLst>
+          </p:cNvPr>
+          <p:cNvSpPr>
+            <a:spLocks noGrp="1"/>
+          </p:cNvSpPr>
+          <p:nvPr>
+            <p:ph type="sldNum" sz="quarter" idx="12"/>
+          </p:nvPr>
+        </p:nvSpPr>
+        <p:spPr>
+          <a:xfrm>
+            <a:off x="9005404" y="6205896"/>
+            <a:ext cx="2743200" cy="365125"/>
+          </a:xfrm>
+        </p:spPr>
+        <p:txBody>
+          <a:bodyPr/>
+          <a:lstStyle/>
+          <a:p>
+            <a:fld id="{6107D050-46E0-4881-B04B-F42EFC24E18C}" type="slidenum">
+              <a:rPr lang="ru-RU" sz="1600" smtClean="0">
+                <a:solidFill>
+                  <a:schemeClr val="tx1"/>
+                </a:solidFill>
+                <a:latin typeface="Proxima Nova Semibold" panose="02000506030000020004" pitchFamily="2" charset="0"/>
+              </a:rPr>
+              <a:t>3</a:t>
+            </a:fld>
+            <a:endParaRPr lang="ru-RU" sz="1600" dirty="0">
+              <a:solidFill>
+                <a:schemeClr val="tx1"/>
+              </a:solidFill>
+              <a:latin typeface="Proxima Nova Semibold" panose="02000506030000020004" pitchFamily="2" charset="0"/>
+            </a:endParaRPr>
+          </a:p>
+        </p:txBody>
+      </p:sp>
+      <p:sp>
+        <p:nvSpPr>
+          <p:cNvPr id="12" name="Прямоугольник 11">
+            <a:extLst>
+              <a:ext uri="{FF2B5EF4-FFF2-40B4-BE49-F238E27FC236}">
+                <a16:creationId xmlns:a16="http://schemas.microsoft.com/office/drawing/2014/main" id="{896073A0-6E39-4AE4-ABE5-95554BDBD6B4}"/>
+              </a:ext>
+            </a:extLst>
+          </p:cNvPr>
+          <p:cNvSpPr/>
+          <p:nvPr/>
+        </p:nvSpPr>
+        <p:spPr>
+          <a:xfrm>
+            <a:off x="945453" y="2238768"/>
+            <a:ext cx="4495800" cy="2909879"/>
+          </a:xfrm>
+          <a:prstGeom prst="rect">
+            <a:avLst/>
+          </a:prstGeom>
+          <a:solidFill>
+            <a:schemeClr val="bg2"/>
+          </a:solidFill>
+          <a:ln>
+            <a:solidFill>
+              <a:schemeClr val="bg2">
+                <a:lumMod val="75000"/>
+              </a:schemeClr>
+            </a:solidFill>
+          </a:ln>
+        </p:spPr>
+        <p:style>
+          <a:lnRef idx="2">
+            <a:schemeClr val="accent1">
+              <a:shade val="50000"/>
+            </a:schemeClr>
+          </a:lnRef>
+          <a:fillRef idx="1">
+            <a:schemeClr val="accent1"/>
+          </a:fillRef>
+          <a:effectRef idx="0">
+            <a:schemeClr val="accent1"/>
+          </a:effectRef>
+          <a:fontRef idx="minor">
+            <a:schemeClr val="lt1"/>
+          </a:fontRef>
+        </p:style>
+        <p:txBody>
+          <a:bodyPr rtlCol="0" anchor="ctr"/>
+          <a:lstStyle/>
+          <a:p>
+            <a:pPr algn="ctr"/>
+            <a:endParaRPr lang="ru-RU" sz="1600"/>
+          </a:p>
+        </p:txBody>
+      </p:sp>
+      <p:sp>
+        <p:nvSpPr>
+          <p:cNvPr id="5" name="TextBox 4">
+            <a:extLst>
+              <a:ext uri="{FF2B5EF4-FFF2-40B4-BE49-F238E27FC236}">
+                <a16:creationId xmlns:a16="http://schemas.microsoft.com/office/drawing/2014/main" id="{46322B85-F9D4-44FD-9A42-BF92A7ADC0A5}"/>
+              </a:ext>
+            </a:extLst>
+          </p:cNvPr>
+          <p:cNvSpPr txBox="1"/>
+          <p:nvPr/>
+        </p:nvSpPr>
+        <p:spPr>
+          <a:xfrm>
+            <a:off x="1140715" y="2416434"/>
+            <a:ext cx="4105275" cy="2554545"/>
+          </a:xfrm>
+          <a:prstGeom prst="rect">
+            <a:avLst/>
+          </a:prstGeom>
+          <a:noFill/>
+        </p:spPr>
+        <p:txBody>
+          <a:bodyPr wrap="square" rtlCol="0">
+            <a:spAutoFit/>
+          </a:bodyPr>
+          <a:lstStyle/>
+          <a:p>
+            <a:r>
+              <a:rPr lang="ru-RU" sz="2000" dirty="0">
+                <a:latin typeface="Proxima Nova Semibold" panose="02000506030000020004" pitchFamily="2" charset="0"/>
+              </a:rPr>
+              <a:t>Моё решение этой проблемы</a:t>
+            </a:r>
+            <a:r>
+              <a:rPr lang="en-US" sz="2000" dirty="0">
+                <a:latin typeface="Proxima Nova Semibold" panose="02000506030000020004" pitchFamily="2" charset="0"/>
+              </a:rPr>
+              <a:t>:</a:t>
+            </a:r>
+          </a:p>
+          <a:p>
+            <a:r>
+              <a:rPr lang="ru-RU" sz="2000" dirty="0">
+                <a:latin typeface="Proxima Nova Rg" panose="02000506030000020004" pitchFamily="2" charset="0"/>
+              </a:rPr>
+              <a:t>Создание </a:t>
+            </a:r>
+            <a:r>
+              <a:rPr lang="en-US" sz="2000" dirty="0">
+                <a:latin typeface="Proxima Nova Rg" panose="02000506030000020004" pitchFamily="2" charset="0"/>
+              </a:rPr>
+              <a:t>android-</a:t>
+            </a:r>
+            <a:r>
+              <a:rPr lang="ru-RU" sz="2000" dirty="0">
+                <a:latin typeface="Proxima Nova Rg" panose="02000506030000020004" pitchFamily="2" charset="0"/>
+              </a:rPr>
+              <a:t>приложения для отслеживания своей ежедневной активности</a:t>
+            </a:r>
+            <a:r>
+              <a:rPr lang="en-US" sz="2000" dirty="0">
+                <a:latin typeface="Proxima Nova Rg" panose="02000506030000020004" pitchFamily="2" charset="0"/>
+              </a:rPr>
+              <a:t>:</a:t>
+            </a:r>
+          </a:p>
+          <a:p>
+            <a:pPr marL="342900" indent="-342900">
+              <a:buFont typeface="Arial" panose="020B0604020202020204" pitchFamily="34" charset="0"/>
+              <a:buChar char="•"/>
+            </a:pPr>
+            <a:r>
+              <a:rPr lang="ru-RU" sz="2000" dirty="0">
+                <a:latin typeface="Proxima Nova Rg" panose="02000506030000020004" pitchFamily="2" charset="0"/>
+              </a:rPr>
+              <a:t>количество шагов</a:t>
+            </a:r>
+          </a:p>
+          <a:p>
+            <a:pPr marL="342900" indent="-342900">
+              <a:buFont typeface="Arial" panose="020B0604020202020204" pitchFamily="34" charset="0"/>
+              <a:buChar char="•"/>
+            </a:pPr>
+            <a:r>
+              <a:rPr lang="ru-RU" sz="2000" dirty="0">
+                <a:latin typeface="Proxima Nova Rg" panose="02000506030000020004" pitchFamily="2" charset="0"/>
+              </a:rPr>
+              <a:t>количество выпитой воды</a:t>
+            </a:r>
+          </a:p>
+          <a:p>
+            <a:pPr marL="342900" indent="-342900">
+              <a:buFont typeface="Arial" panose="020B0604020202020204" pitchFamily="34" charset="0"/>
+              <a:buChar char="•"/>
+            </a:pPr>
+            <a:r>
+              <a:rPr lang="ru-RU" sz="2000" dirty="0">
+                <a:latin typeface="Proxima Nova Rg" panose="02000506030000020004" pitchFamily="2" charset="0"/>
+              </a:rPr>
+              <a:t>количество употреблённых калорий </a:t>
+            </a:r>
+          </a:p>
+        </p:txBody>
+      </p:sp>
+      <p:pic>
+        <p:nvPicPr>
+          <p:cNvPr id="8" name="Рисунок 7">
+            <a:extLst>
+              <a:ext uri="{FF2B5EF4-FFF2-40B4-BE49-F238E27FC236}">
+                <a16:creationId xmlns:a16="http://schemas.microsoft.com/office/drawing/2014/main" id="{643677F5-D397-4E2A-9C17-48DCEE299E06}"/>
+              </a:ext>
+            </a:extLst>
+          </p:cNvPr>
+          <p:cNvPicPr>
+            <a:picLocks noChangeAspect="1"/>
+          </p:cNvPicPr>
+          <p:nvPr/>
+        </p:nvPicPr>
+        <p:blipFill rotWithShape="1">
+          <a:blip r:embed="rId3">
+            <a:extLst>
+              <a:ext uri="{28A0092B-C50C-407E-A947-70E740481C1C}">
+                <a14:useLocalDpi xmlns:a14="http://schemas.microsoft.com/office/drawing/2010/main" val="0"/>
+              </a:ext>
+            </a:extLst>
+          </a:blip>
+          <a:srcRect t="4722" b="11112"/>
+          <a:stretch/>
+        </p:blipFill>
+        <p:spPr>
+          <a:xfrm>
+            <a:off x="8620124" y="1266365"/>
+            <a:ext cx="2640937" cy="4939531"/>
+          </a:xfrm>
+          <a:prstGeom prst="rect">
+            <a:avLst/>
+          </a:prstGeom>
+          <a:effectLst>
+            <a:outerShdw blurRad="50800" dist="38100" dir="5400000" algn="t" rotWithShape="0">
+              <a:prstClr val="black">
+                <a:alpha val="40000"/>
+              </a:prstClr>
+            </a:outerShdw>
+          </a:effectLst>
+        </p:spPr>
+      </p:pic>
+      <p:pic>
+        <p:nvPicPr>
+          <p:cNvPr id="13" name="Рисунок 12">
+            <a:extLst>
+              <a:ext uri="{FF2B5EF4-FFF2-40B4-BE49-F238E27FC236}">
+                <a16:creationId xmlns:a16="http://schemas.microsoft.com/office/drawing/2014/main" id="{58C0E405-4D22-4CC3-A613-A9C093E3909B}"/>
+              </a:ext>
+            </a:extLst>
+          </p:cNvPr>
+          <p:cNvPicPr>
+            <a:picLocks noChangeAspect="1"/>
+          </p:cNvPicPr>
+          <p:nvPr/>
+        </p:nvPicPr>
+        <p:blipFill>
+          <a:blip r:embed="rId4">
+            <a:extLst>
+              <a:ext uri="{28A0092B-C50C-407E-A947-70E740481C1C}">
+                <a14:useLocalDpi xmlns:a14="http://schemas.microsoft.com/office/drawing/2010/main" val="0"/>
+              </a:ext>
+            </a:extLst>
+          </a:blip>
+          <a:stretch>
+            <a:fillRect/>
+          </a:stretch>
+        </p:blipFill>
+        <p:spPr>
+          <a:xfrm>
+            <a:off x="5919294" y="1254049"/>
+            <a:ext cx="2222789" cy="4939531"/>
+          </a:xfrm>
+          <a:prstGeom prst="rect">
+            <a:avLst/>
+          </a:prstGeom>
+          <a:effectLst>
+            <a:outerShdw blurRad="50800" dist="38100" dir="5400000" algn="t" rotWithShape="0">
+              <a:prstClr val="black">
+                <a:alpha val="40000"/>
+              </a:prstClr>
+            </a:outerShdw>
+          </a:effectLst>
+        </p:spPr>
+      </p:pic>
+    </p:spTree>
+    <p:extLst>
+      <p:ext uri="{BB962C8B-B14F-4D97-AF65-F5344CB8AC3E}">
+        <p14:creationId xmlns:p14="http://schemas.microsoft.com/office/powerpoint/2010/main" val="3420640398"/>
+      </p:ext>
+    </p:extLst>
+  </p:cSld>
+  <p:clrMapOvr>
+    <a:masterClrMapping/>
+  </p:clrMapOvr>
+  <mc:AlternateContent xmlns:mc="http://schemas.openxmlformats.org/markup-compatibility/2006" xmlns:p159="http://schemas.microsoft.com/office/powerpoint/2015/09/main">
+    <mc:Choice Requires="p159">
+      <p:transition xmlns:p14="http://schemas.microsoft.com/office/powerpoint/2010/main" spd="slow" p14:dur="2000">
+        <p159:morph option="byObject"/>
+      </p:transition>
+    </mc:Choice>
+    <mc:Fallback xmlns="">
+      <p:transition spd="slow">
+        <p:fade/>
+      </p:transition>
+    </mc:Fallback>
+  </mc:AlternateContent>
+</p:sld>
+</file>
+
+<file path=ppt/slides/slide4.xml><?xml version="1.0" encoding="utf-8"?>
+<p:sld xmlns:a="http://schemas.openxmlformats.org/drawingml/2006/main" xmlns:r="http://schemas.openxmlformats.org/officeDocument/2006/relationships" xmlns:p="http://schemas.openxmlformats.org/presentationml/2006/main">
+  <p:cSld>
+    <p:bg>
+      <p:bgPr>
+        <a:solidFill>
+          <a:schemeClr val="bg1"/>
+        </a:solidFill>
+        <a:effectLst/>
+      </p:bgPr>
+    </p:bg>
+    <p:spTree>
+      <p:nvGrpSpPr>
+        <p:cNvPr id="1" name=""/>
+        <p:cNvGrpSpPr/>
+        <p:nvPr/>
+      </p:nvGrpSpPr>
+      <p:grpSpPr>
+        <a:xfrm>
+          <a:off x="0" y="0"/>
+          <a:ext cx="0" cy="0"/>
+          <a:chOff x="0" y="0"/>
+          <a:chExt cx="0" cy="0"/>
+        </a:xfrm>
+      </p:grpSpPr>
+      <p:sp>
+        <p:nvSpPr>
+          <p:cNvPr id="51" name="TextBox 50">
+            <a:extLst>
+              <a:ext uri="{FF2B5EF4-FFF2-40B4-BE49-F238E27FC236}">
+                <a16:creationId xmlns:a16="http://schemas.microsoft.com/office/drawing/2014/main" id="{6F62766A-5DAE-40B9-969F-B4226158BD05}"/>
+              </a:ext>
+            </a:extLst>
+          </p:cNvPr>
+          <p:cNvSpPr txBox="1"/>
+          <p:nvPr/>
+        </p:nvSpPr>
+        <p:spPr>
+          <a:xfrm>
+            <a:off x="2108202" y="397930"/>
+            <a:ext cx="6254747" cy="769441"/>
+          </a:xfrm>
+          <a:prstGeom prst="rect">
+            <a:avLst/>
+          </a:prstGeom>
+          <a:noFill/>
+        </p:spPr>
+        <p:txBody>
+          <a:bodyPr wrap="square" rtlCol="0">
+            <a:spAutoFit/>
+          </a:bodyPr>
+          <a:lstStyle/>
+          <a:p>
+            <a:r>
+              <a:rPr lang="ru-RU" sz="4400" b="1" dirty="0">
+                <a:latin typeface="Proxima Nova Semibold" panose="02000506030000020004" pitchFamily="2" charset="0"/>
+              </a:rPr>
+              <a:t>Структура</a:t>
+            </a:r>
+          </a:p>
+        </p:txBody>
+      </p:sp>
+      <p:pic>
+        <p:nvPicPr>
+          <p:cNvPr id="4" name="Рисунок 3">
+            <a:extLst>
+              <a:ext uri="{FF2B5EF4-FFF2-40B4-BE49-F238E27FC236}">
+                <a16:creationId xmlns:a16="http://schemas.microsoft.com/office/drawing/2014/main" id="{3EEAB0F9-C35B-4A96-B504-407FE2B0E457}"/>
+              </a:ext>
+            </a:extLst>
+          </p:cNvPr>
+          <p:cNvPicPr>
+            <a:picLocks noChangeAspect="1"/>
+          </p:cNvPicPr>
+          <p:nvPr/>
+        </p:nvPicPr>
+        <p:blipFill>
+          <a:blip r:embed="rId2">
+            <a:duotone>
+              <a:prstClr val="black"/>
+              <a:schemeClr val="tx1">
+                <a:tint val="45000"/>
+                <a:satMod val="400000"/>
+              </a:schemeClr>
+            </a:duotone>
+            <a:extLst>
+              <a:ext uri="{28A0092B-C50C-407E-A947-70E740481C1C}">
+                <a14:useLocalDpi xmlns:a14="http://schemas.microsoft.com/office/drawing/2010/main" val="0"/>
+              </a:ext>
+            </a:extLst>
+          </a:blip>
+          <a:stretch>
+            <a:fillRect/>
+          </a:stretch>
+        </p:blipFill>
+        <p:spPr>
+          <a:xfrm>
+            <a:off x="9478317" y="383816"/>
+            <a:ext cx="2270287" cy="797668"/>
+          </a:xfrm>
+          <a:prstGeom prst="rect">
+            <a:avLst/>
+          </a:prstGeom>
+        </p:spPr>
+      </p:pic>
+      <p:sp>
+        <p:nvSpPr>
+          <p:cNvPr id="2" name="Номер слайда 1">
+            <a:extLst>
+              <a:ext uri="{FF2B5EF4-FFF2-40B4-BE49-F238E27FC236}">
+                <a16:creationId xmlns:a16="http://schemas.microsoft.com/office/drawing/2014/main" id="{C63A57DE-9045-4AA7-AADC-A57954293E30}"/>
+              </a:ext>
+            </a:extLst>
+          </p:cNvPr>
+          <p:cNvSpPr>
+            <a:spLocks noGrp="1"/>
+          </p:cNvSpPr>
+          <p:nvPr>
+            <p:ph type="sldNum" sz="quarter" idx="12"/>
+          </p:nvPr>
+        </p:nvSpPr>
+        <p:spPr>
+          <a:xfrm>
+            <a:off x="9005404" y="6205896"/>
+            <a:ext cx="2743200" cy="365125"/>
+          </a:xfrm>
+        </p:spPr>
+        <p:txBody>
+          <a:bodyPr/>
+          <a:lstStyle/>
+          <a:p>
+            <a:fld id="{6107D050-46E0-4881-B04B-F42EFC24E18C}" type="slidenum">
+              <a:rPr lang="ru-RU" sz="1600" smtClean="0">
+                <a:solidFill>
+                  <a:schemeClr val="tx1"/>
+                </a:solidFill>
+                <a:latin typeface="Proxima Nova Semibold" panose="02000506030000020004" pitchFamily="2" charset="0"/>
+              </a:rPr>
+              <a:t>4</a:t>
+            </a:fld>
+            <a:endParaRPr lang="ru-RU" sz="1600" dirty="0">
+              <a:solidFill>
+                <a:schemeClr val="tx1"/>
+              </a:solidFill>
+              <a:latin typeface="Proxima Nova Semibold" panose="02000506030000020004" pitchFamily="2" charset="0"/>
+            </a:endParaRPr>
+          </a:p>
+        </p:txBody>
+      </p:sp>
+      <p:sp>
+        <p:nvSpPr>
+          <p:cNvPr id="3" name="TextBox 2">
+            <a:extLst>
+              <a:ext uri="{FF2B5EF4-FFF2-40B4-BE49-F238E27FC236}">
+                <a16:creationId xmlns:a16="http://schemas.microsoft.com/office/drawing/2014/main" id="{EE52103F-BE25-48DA-8E4F-B566ADB60164}"/>
+              </a:ext>
+            </a:extLst>
+          </p:cNvPr>
+          <p:cNvSpPr txBox="1"/>
+          <p:nvPr/>
+        </p:nvSpPr>
+        <p:spPr>
+          <a:xfrm>
+            <a:off x="2581695" y="1457094"/>
+            <a:ext cx="2047355" cy="400110"/>
+          </a:xfrm>
+          <a:prstGeom prst="rect">
+            <a:avLst/>
+          </a:prstGeom>
+          <a:noFill/>
+        </p:spPr>
+        <p:txBody>
+          <a:bodyPr wrap="none" rtlCol="0">
+            <a:spAutoFit/>
+          </a:bodyPr>
+          <a:lstStyle/>
+          <a:p>
+            <a:r>
+              <a:rPr lang="en-US" sz="2000" dirty="0">
+                <a:latin typeface="Proxima Nova Rg" panose="02000506030000020004" pitchFamily="2" charset="0"/>
+              </a:rPr>
+              <a:t>MainActivity.java</a:t>
+            </a:r>
+            <a:endParaRPr lang="ru-RU" sz="2000" dirty="0">
+              <a:latin typeface="Proxima Nova Rg" panose="02000506030000020004" pitchFamily="2" charset="0"/>
+            </a:endParaRPr>
+          </a:p>
+        </p:txBody>
+      </p:sp>
+      <p:sp>
+        <p:nvSpPr>
+          <p:cNvPr id="14" name="TextBox 13">
+            <a:extLst>
+              <a:ext uri="{FF2B5EF4-FFF2-40B4-BE49-F238E27FC236}">
+                <a16:creationId xmlns:a16="http://schemas.microsoft.com/office/drawing/2014/main" id="{9C8E0D95-1A26-4265-9DB4-CDDDF06C809E}"/>
+              </a:ext>
+            </a:extLst>
+          </p:cNvPr>
+          <p:cNvSpPr txBox="1"/>
+          <p:nvPr/>
+        </p:nvSpPr>
+        <p:spPr>
+          <a:xfrm>
+            <a:off x="1273127" y="2437540"/>
+            <a:ext cx="2132315" cy="400110"/>
+          </a:xfrm>
+          <a:prstGeom prst="rect">
+            <a:avLst/>
+          </a:prstGeom>
+          <a:noFill/>
+        </p:spPr>
+        <p:txBody>
+          <a:bodyPr wrap="none" rtlCol="0">
+            <a:spAutoFit/>
+          </a:bodyPr>
+          <a:lstStyle/>
+          <a:p>
+            <a:r>
+              <a:rPr lang="en-US" sz="2000" dirty="0">
+                <a:latin typeface="Proxima Nova Rg" panose="02000506030000020004" pitchFamily="2" charset="0"/>
+              </a:rPr>
+              <a:t>LoginActivity.java</a:t>
+            </a:r>
+            <a:endParaRPr lang="ru-RU" sz="2000" dirty="0">
+              <a:latin typeface="Proxima Nova Rg" panose="02000506030000020004" pitchFamily="2" charset="0"/>
+            </a:endParaRPr>
+          </a:p>
+        </p:txBody>
+      </p:sp>
+      <p:sp>
+        <p:nvSpPr>
+          <p:cNvPr id="15" name="TextBox 14">
+            <a:extLst>
+              <a:ext uri="{FF2B5EF4-FFF2-40B4-BE49-F238E27FC236}">
+                <a16:creationId xmlns:a16="http://schemas.microsoft.com/office/drawing/2014/main" id="{213D66B4-FCD6-4F4C-81F6-8241C55D6B02}"/>
+              </a:ext>
+            </a:extLst>
+          </p:cNvPr>
+          <p:cNvSpPr txBox="1"/>
+          <p:nvPr/>
+        </p:nvSpPr>
+        <p:spPr>
+          <a:xfrm>
+            <a:off x="3638986" y="2434424"/>
+            <a:ext cx="2424062" cy="400110"/>
+          </a:xfrm>
+          <a:prstGeom prst="rect">
+            <a:avLst/>
+          </a:prstGeom>
+          <a:noFill/>
+        </p:spPr>
+        <p:txBody>
+          <a:bodyPr wrap="none" rtlCol="0">
+            <a:spAutoFit/>
+          </a:bodyPr>
+          <a:lstStyle/>
+          <a:p>
+            <a:r>
+              <a:rPr lang="en-US" sz="2000" dirty="0">
+                <a:latin typeface="Proxima Nova Rg" panose="02000506030000020004" pitchFamily="2" charset="0"/>
+              </a:rPr>
+              <a:t>WidgetsActivity.java</a:t>
+            </a:r>
+            <a:endParaRPr lang="ru-RU" sz="2000" dirty="0">
+              <a:latin typeface="Proxima Nova Rg" panose="02000506030000020004" pitchFamily="2" charset="0"/>
+            </a:endParaRPr>
+          </a:p>
+        </p:txBody>
+      </p:sp>
+      <p:cxnSp>
+        <p:nvCxnSpPr>
+          <p:cNvPr id="6" name="Прямая со стрелкой 5">
+            <a:extLst>
+              <a:ext uri="{FF2B5EF4-FFF2-40B4-BE49-F238E27FC236}">
+                <a16:creationId xmlns:a16="http://schemas.microsoft.com/office/drawing/2014/main" id="{CA95126B-4A35-4447-8DDC-3A9D91C0C0CE}"/>
+              </a:ext>
+            </a:extLst>
+          </p:cNvPr>
+          <p:cNvCxnSpPr>
+            <a:cxnSpLocks/>
+            <a:stCxn id="3" idx="2"/>
+            <a:endCxn id="14" idx="0"/>
+          </p:cNvCxnSpPr>
+          <p:nvPr/>
+        </p:nvCxnSpPr>
+        <p:spPr>
+          <a:xfrm flipH="1">
+            <a:off x="2339285" y="1857204"/>
+            <a:ext cx="1266088" cy="580336"/>
+          </a:xfrm>
+          <a:prstGeom prst="straightConnector1">
+            <a:avLst/>
+          </a:prstGeom>
+          <a:ln w="19050">
+            <a:solidFill>
+              <a:schemeClr val="tx1"/>
+            </a:solidFill>
+            <a:tailEnd type="triangle"/>
+          </a:ln>
+        </p:spPr>
+        <p:style>
+          <a:lnRef idx="1">
+            <a:schemeClr val="accent1"/>
+          </a:lnRef>
+          <a:fillRef idx="0">
+            <a:schemeClr val="accent1"/>
+          </a:fillRef>
+          <a:effectRef idx="0">
+            <a:schemeClr val="accent1"/>
+          </a:effectRef>
+          <a:fontRef idx="minor">
+            <a:schemeClr val="tx1"/>
+          </a:fontRef>
+        </p:style>
+      </p:cxnSp>
+      <p:cxnSp>
+        <p:nvCxnSpPr>
+          <p:cNvPr id="16" name="Прямая со стрелкой 15">
+            <a:extLst>
+              <a:ext uri="{FF2B5EF4-FFF2-40B4-BE49-F238E27FC236}">
+                <a16:creationId xmlns:a16="http://schemas.microsoft.com/office/drawing/2014/main" id="{09BEC6E6-25D7-40C9-9DE8-49721038B19B}"/>
+              </a:ext>
+            </a:extLst>
+          </p:cNvPr>
+          <p:cNvCxnSpPr>
+            <a:cxnSpLocks/>
+            <a:stCxn id="3" idx="2"/>
+            <a:endCxn id="15" idx="0"/>
+          </p:cNvCxnSpPr>
+          <p:nvPr/>
+        </p:nvCxnSpPr>
+        <p:spPr>
+          <a:xfrm>
+            <a:off x="3605373" y="1857204"/>
+            <a:ext cx="1245644" cy="577220"/>
+          </a:xfrm>
+          <a:prstGeom prst="straightConnector1">
+            <a:avLst/>
+          </a:prstGeom>
+          <a:ln w="19050">
+            <a:solidFill>
+              <a:schemeClr val="tx1"/>
+            </a:solidFill>
+            <a:tailEnd type="triangle"/>
+          </a:ln>
+        </p:spPr>
+        <p:style>
+          <a:lnRef idx="1">
+            <a:schemeClr val="accent1"/>
+          </a:lnRef>
+          <a:fillRef idx="0">
+            <a:schemeClr val="accent1"/>
+          </a:fillRef>
+          <a:effectRef idx="0">
+            <a:schemeClr val="accent1"/>
+          </a:effectRef>
+          <a:fontRef idx="minor">
+            <a:schemeClr val="tx1"/>
+          </a:fontRef>
+        </p:style>
+      </p:cxnSp>
+      <p:pic>
+        <p:nvPicPr>
+          <p:cNvPr id="18" name="Рисунок 17">
+            <a:extLst>
+              <a:ext uri="{FF2B5EF4-FFF2-40B4-BE49-F238E27FC236}">
+                <a16:creationId xmlns:a16="http://schemas.microsoft.com/office/drawing/2014/main" id="{E940A218-2FC2-42B2-91F1-A2D47B1329D7}"/>
+              </a:ext>
+            </a:extLst>
+          </p:cNvPr>
+          <p:cNvPicPr>
+            <a:picLocks noChangeAspect="1"/>
+          </p:cNvPicPr>
+          <p:nvPr/>
+        </p:nvPicPr>
+        <p:blipFill>
+          <a:blip r:embed="rId3">
+            <a:extLst>
+              <a:ext uri="{28A0092B-C50C-407E-A947-70E740481C1C}">
+                <a14:useLocalDpi xmlns:a14="http://schemas.microsoft.com/office/drawing/2010/main" val="0"/>
+              </a:ext>
+            </a:extLst>
+          </a:blip>
+          <a:stretch>
+            <a:fillRect/>
+          </a:stretch>
+        </p:blipFill>
+        <p:spPr>
+          <a:xfrm>
+            <a:off x="1551248" y="2837650"/>
+            <a:ext cx="1510168" cy="3355929"/>
+          </a:xfrm>
+          <a:prstGeom prst="rect">
+            <a:avLst/>
+          </a:prstGeom>
+          <a:effectLst>
+            <a:outerShdw blurRad="50800" dist="38100" dir="5400000" algn="t" rotWithShape="0">
+              <a:prstClr val="black">
+                <a:alpha val="40000"/>
+              </a:prstClr>
+            </a:outerShdw>
+          </a:effectLst>
+        </p:spPr>
+      </p:pic>
+      <p:pic>
+        <p:nvPicPr>
+          <p:cNvPr id="19" name="Рисунок 18">
+            <a:extLst>
+              <a:ext uri="{FF2B5EF4-FFF2-40B4-BE49-F238E27FC236}">
+                <a16:creationId xmlns:a16="http://schemas.microsoft.com/office/drawing/2014/main" id="{711ABA79-2F31-4F08-8A0D-EBFA31EE05B2}"/>
+              </a:ext>
+            </a:extLst>
+          </p:cNvPr>
+          <p:cNvPicPr>
+            <a:picLocks noChangeAspect="1"/>
+          </p:cNvPicPr>
+          <p:nvPr/>
+        </p:nvPicPr>
+        <p:blipFill rotWithShape="1">
+          <a:blip r:embed="rId4">
+            <a:extLst>
+              <a:ext uri="{28A0092B-C50C-407E-A947-70E740481C1C}">
+                <a14:useLocalDpi xmlns:a14="http://schemas.microsoft.com/office/drawing/2010/main" val="0"/>
+              </a:ext>
+            </a:extLst>
+          </a:blip>
+          <a:srcRect t="4722" b="11112"/>
+          <a:stretch/>
+        </p:blipFill>
+        <p:spPr>
+          <a:xfrm>
+            <a:off x="3953887" y="2834533"/>
+            <a:ext cx="1794259" cy="3355929"/>
+          </a:xfrm>
+          <a:prstGeom prst="rect">
+            <a:avLst/>
+          </a:prstGeom>
+          <a:effectLst>
+            <a:outerShdw blurRad="50800" dist="38100" dir="5400000" algn="t" rotWithShape="0">
+              <a:prstClr val="black">
+                <a:alpha val="40000"/>
+              </a:prstClr>
+            </a:outerShdw>
+          </a:effectLst>
+        </p:spPr>
+      </p:pic>
+      <p:sp>
+        <p:nvSpPr>
+          <p:cNvPr id="22" name="TextBox 21">
+            <a:extLst>
+              <a:ext uri="{FF2B5EF4-FFF2-40B4-BE49-F238E27FC236}">
+                <a16:creationId xmlns:a16="http://schemas.microsoft.com/office/drawing/2014/main" id="{6B78497D-926C-4C3C-97E7-BEDAFF95C1CF}"/>
+              </a:ext>
+            </a:extLst>
+          </p:cNvPr>
+          <p:cNvSpPr txBox="1"/>
+          <p:nvPr/>
+        </p:nvSpPr>
+        <p:spPr>
+          <a:xfrm>
+            <a:off x="7842422" y="1414900"/>
+            <a:ext cx="2614818" cy="400110"/>
+          </a:xfrm>
+          <a:prstGeom prst="rect">
+            <a:avLst/>
+          </a:prstGeom>
+          <a:noFill/>
+        </p:spPr>
+        <p:txBody>
+          <a:bodyPr wrap="none" rtlCol="0">
+            <a:spAutoFit/>
+          </a:bodyPr>
+          <a:lstStyle/>
+          <a:p>
+            <a:r>
+              <a:rPr lang="en-US" sz="2000" dirty="0">
+                <a:latin typeface="Proxima Nova Rg" panose="02000506030000020004" pitchFamily="2" charset="0"/>
+              </a:rPr>
+              <a:t>App.java (Application)</a:t>
+            </a:r>
+            <a:endParaRPr lang="ru-RU" sz="2000" dirty="0">
+              <a:latin typeface="Proxima Nova Rg" panose="02000506030000020004" pitchFamily="2" charset="0"/>
+            </a:endParaRPr>
+          </a:p>
+        </p:txBody>
+      </p:sp>
+      <p:cxnSp>
+        <p:nvCxnSpPr>
+          <p:cNvPr id="25" name="Прямая со стрелкой 24">
+            <a:extLst>
+              <a:ext uri="{FF2B5EF4-FFF2-40B4-BE49-F238E27FC236}">
+                <a16:creationId xmlns:a16="http://schemas.microsoft.com/office/drawing/2014/main" id="{E1419599-6A1C-451B-B260-F1A97A7DE054}"/>
+              </a:ext>
+            </a:extLst>
+          </p:cNvPr>
+          <p:cNvCxnSpPr>
+            <a:cxnSpLocks/>
+            <a:stCxn id="22" idx="2"/>
+            <a:endCxn id="29" idx="0"/>
+          </p:cNvCxnSpPr>
+          <p:nvPr/>
+        </p:nvCxnSpPr>
+        <p:spPr>
+          <a:xfrm flipH="1">
+            <a:off x="7879428" y="1815010"/>
+            <a:ext cx="1270403" cy="1396689"/>
+          </a:xfrm>
+          <a:prstGeom prst="straightConnector1">
+            <a:avLst/>
+          </a:prstGeom>
+          <a:ln w="19050">
+            <a:solidFill>
+              <a:schemeClr val="tx1"/>
+            </a:solidFill>
+            <a:tailEnd type="triangle"/>
+          </a:ln>
+        </p:spPr>
+        <p:style>
+          <a:lnRef idx="1">
+            <a:schemeClr val="accent1"/>
+          </a:lnRef>
+          <a:fillRef idx="0">
+            <a:schemeClr val="accent1"/>
+          </a:fillRef>
+          <a:effectRef idx="0">
+            <a:schemeClr val="accent1"/>
+          </a:effectRef>
+          <a:fontRef idx="minor">
+            <a:schemeClr val="tx1"/>
+          </a:fontRef>
+        </p:style>
+      </p:cxnSp>
+      <p:cxnSp>
+        <p:nvCxnSpPr>
+          <p:cNvPr id="26" name="Прямая со стрелкой 25">
+            <a:extLst>
+              <a:ext uri="{FF2B5EF4-FFF2-40B4-BE49-F238E27FC236}">
+                <a16:creationId xmlns:a16="http://schemas.microsoft.com/office/drawing/2014/main" id="{13D3BB9B-7B7C-4731-B7FA-86E420DD174B}"/>
+              </a:ext>
+            </a:extLst>
+          </p:cNvPr>
+          <p:cNvCxnSpPr>
+            <a:cxnSpLocks/>
+            <a:stCxn id="22" idx="2"/>
+            <a:endCxn id="30" idx="0"/>
+          </p:cNvCxnSpPr>
+          <p:nvPr/>
+        </p:nvCxnSpPr>
+        <p:spPr>
+          <a:xfrm>
+            <a:off x="9149831" y="1815010"/>
+            <a:ext cx="1227173" cy="1849409"/>
+          </a:xfrm>
+          <a:prstGeom prst="straightConnector1">
+            <a:avLst/>
+          </a:prstGeom>
+          <a:ln w="19050">
+            <a:solidFill>
+              <a:schemeClr val="tx1"/>
+            </a:solidFill>
+            <a:tailEnd type="triangle"/>
+          </a:ln>
+        </p:spPr>
+        <p:style>
+          <a:lnRef idx="1">
+            <a:schemeClr val="accent1"/>
+          </a:lnRef>
+          <a:fillRef idx="0">
+            <a:schemeClr val="accent1"/>
+          </a:fillRef>
+          <a:effectRef idx="0">
+            <a:schemeClr val="accent1"/>
+          </a:effectRef>
+          <a:fontRef idx="minor">
+            <a:schemeClr val="tx1"/>
+          </a:fontRef>
+        </p:style>
+      </p:cxnSp>
+      <p:sp>
+        <p:nvSpPr>
+          <p:cNvPr id="29" name="TextBox 28">
+            <a:extLst>
+              <a:ext uri="{FF2B5EF4-FFF2-40B4-BE49-F238E27FC236}">
+                <a16:creationId xmlns:a16="http://schemas.microsoft.com/office/drawing/2014/main" id="{EEB97F63-C539-4760-A805-8846EC799681}"/>
+              </a:ext>
+            </a:extLst>
+          </p:cNvPr>
+          <p:cNvSpPr txBox="1"/>
+          <p:nvPr/>
+        </p:nvSpPr>
+        <p:spPr>
+          <a:xfrm>
+            <a:off x="6029402" y="3211699"/>
+            <a:ext cx="3700052" cy="400110"/>
+          </a:xfrm>
+          <a:prstGeom prst="rect">
+            <a:avLst/>
+          </a:prstGeom>
+          <a:noFill/>
+        </p:spPr>
+        <p:txBody>
+          <a:bodyPr wrap="none" rtlCol="0">
+            <a:spAutoFit/>
+          </a:bodyPr>
+          <a:lstStyle/>
+          <a:p>
+            <a:r>
+              <a:rPr lang="en-US" sz="2000" dirty="0">
+                <a:latin typeface="Proxima Nova Rg" panose="02000506030000020004" pitchFamily="2" charset="0"/>
+              </a:rPr>
+              <a:t>SharedPreferencesModule.java</a:t>
+            </a:r>
+            <a:endParaRPr lang="ru-RU" sz="2000" dirty="0">
+              <a:latin typeface="Proxima Nova Rg" panose="02000506030000020004" pitchFamily="2" charset="0"/>
+            </a:endParaRPr>
+          </a:p>
+        </p:txBody>
+      </p:sp>
+      <p:sp>
+        <p:nvSpPr>
+          <p:cNvPr id="30" name="TextBox 29">
+            <a:extLst>
+              <a:ext uri="{FF2B5EF4-FFF2-40B4-BE49-F238E27FC236}">
+                <a16:creationId xmlns:a16="http://schemas.microsoft.com/office/drawing/2014/main" id="{7779A28A-4F9D-4F6C-8D54-D39BC94C4EA0}"/>
+              </a:ext>
+            </a:extLst>
+          </p:cNvPr>
+          <p:cNvSpPr txBox="1"/>
+          <p:nvPr/>
+        </p:nvSpPr>
+        <p:spPr>
+          <a:xfrm>
+            <a:off x="8716132" y="3664419"/>
+            <a:ext cx="3321743" cy="400110"/>
+          </a:xfrm>
+          <a:prstGeom prst="rect">
+            <a:avLst/>
+          </a:prstGeom>
+          <a:noFill/>
+        </p:spPr>
+        <p:txBody>
+          <a:bodyPr wrap="none" rtlCol="0">
+            <a:spAutoFit/>
+          </a:bodyPr>
+          <a:lstStyle/>
+          <a:p>
+            <a:r>
+              <a:rPr lang="en-US" sz="2000" dirty="0">
+                <a:latin typeface="Proxima Nova Rg" panose="02000506030000020004" pitchFamily="2" charset="0"/>
+              </a:rPr>
+              <a:t>SensorManagerModule.java</a:t>
+            </a:r>
+            <a:endParaRPr lang="ru-RU" sz="2000" dirty="0">
+              <a:latin typeface="Proxima Nova Rg" panose="02000506030000020004" pitchFamily="2" charset="0"/>
+            </a:endParaRPr>
+          </a:p>
+        </p:txBody>
+      </p:sp>
+      <p:sp>
+        <p:nvSpPr>
+          <p:cNvPr id="53" name="TextBox 52">
+            <a:extLst>
+              <a:ext uri="{FF2B5EF4-FFF2-40B4-BE49-F238E27FC236}">
+                <a16:creationId xmlns:a16="http://schemas.microsoft.com/office/drawing/2014/main" id="{C75D5760-E6F4-49B5-8F25-F4DFA6A7AD1C}"/>
+              </a:ext>
+            </a:extLst>
+          </p:cNvPr>
+          <p:cNvSpPr txBox="1"/>
+          <p:nvPr/>
+        </p:nvSpPr>
+        <p:spPr>
+          <a:xfrm>
+            <a:off x="9909421" y="2339604"/>
+            <a:ext cx="704039" cy="400110"/>
+          </a:xfrm>
+          <a:prstGeom prst="rect">
+            <a:avLst/>
+          </a:prstGeom>
+          <a:noFill/>
+        </p:spPr>
+        <p:txBody>
+          <a:bodyPr wrap="none" rtlCol="0">
+            <a:spAutoFit/>
+          </a:bodyPr>
+          <a:lstStyle/>
+          <a:p>
+            <a:r>
+              <a:rPr lang="en-US" sz="2000" dirty="0">
+                <a:latin typeface="Proxima Nova Rg" panose="02000506030000020004" pitchFamily="2" charset="0"/>
+              </a:rPr>
+              <a:t>.</a:t>
+            </a:r>
+            <a:r>
+              <a:rPr lang="en-US" sz="2000" dirty="0" err="1">
+                <a:latin typeface="Proxima Nova Rg" panose="02000506030000020004" pitchFamily="2" charset="0"/>
+              </a:rPr>
+              <a:t>init</a:t>
+            </a:r>
+            <a:r>
+              <a:rPr lang="en-US" sz="2000" dirty="0">
+                <a:latin typeface="Proxima Nova Rg" panose="02000506030000020004" pitchFamily="2" charset="0"/>
+              </a:rPr>
+              <a:t>()</a:t>
+            </a:r>
+            <a:endParaRPr lang="ru-RU" sz="2000" dirty="0">
+              <a:latin typeface="Proxima Nova Rg" panose="02000506030000020004" pitchFamily="2" charset="0"/>
+            </a:endParaRPr>
+          </a:p>
+        </p:txBody>
+      </p:sp>
+      <p:sp>
+        <p:nvSpPr>
+          <p:cNvPr id="54" name="TextBox 53">
+            <a:extLst>
+              <a:ext uri="{FF2B5EF4-FFF2-40B4-BE49-F238E27FC236}">
+                <a16:creationId xmlns:a16="http://schemas.microsoft.com/office/drawing/2014/main" id="{BB3865A0-3B7B-4B66-821A-CF501D98390F}"/>
+              </a:ext>
+            </a:extLst>
+          </p:cNvPr>
+          <p:cNvSpPr txBox="1"/>
+          <p:nvPr/>
+        </p:nvSpPr>
+        <p:spPr>
+          <a:xfrm>
+            <a:off x="7346442" y="2337975"/>
+            <a:ext cx="704039" cy="400110"/>
+          </a:xfrm>
+          <a:prstGeom prst="rect">
+            <a:avLst/>
+          </a:prstGeom>
+          <a:noFill/>
+        </p:spPr>
+        <p:txBody>
+          <a:bodyPr wrap="none" rtlCol="0">
+            <a:spAutoFit/>
+          </a:bodyPr>
+          <a:lstStyle/>
+          <a:p>
+            <a:r>
+              <a:rPr lang="en-US" sz="2000" dirty="0">
+                <a:latin typeface="Proxima Nova Rg" panose="02000506030000020004" pitchFamily="2" charset="0"/>
+              </a:rPr>
+              <a:t>.</a:t>
+            </a:r>
+            <a:r>
+              <a:rPr lang="en-US" sz="2000" dirty="0" err="1">
+                <a:latin typeface="Proxima Nova Rg" panose="02000506030000020004" pitchFamily="2" charset="0"/>
+              </a:rPr>
+              <a:t>init</a:t>
+            </a:r>
+            <a:r>
+              <a:rPr lang="en-US" sz="2000" dirty="0">
+                <a:latin typeface="Proxima Nova Rg" panose="02000506030000020004" pitchFamily="2" charset="0"/>
+              </a:rPr>
+              <a:t>()</a:t>
+            </a:r>
+            <a:endParaRPr lang="ru-RU" sz="2000" dirty="0">
+              <a:latin typeface="Proxima Nova Rg" panose="02000506030000020004" pitchFamily="2" charset="0"/>
+            </a:endParaRPr>
+          </a:p>
+        </p:txBody>
+      </p:sp>
+      <p:pic>
+        <p:nvPicPr>
+          <p:cNvPr id="56" name="Рисунок 55">
+            <a:extLst>
+              <a:ext uri="{FF2B5EF4-FFF2-40B4-BE49-F238E27FC236}">
+                <a16:creationId xmlns:a16="http://schemas.microsoft.com/office/drawing/2014/main" id="{86FB2EC4-DDC7-4078-8E2B-81CC0F02A50E}"/>
+              </a:ext>
+            </a:extLst>
+          </p:cNvPr>
+          <p:cNvPicPr>
+            <a:picLocks noChangeAspect="1"/>
+          </p:cNvPicPr>
+          <p:nvPr/>
+        </p:nvPicPr>
+        <p:blipFill rotWithShape="1">
+          <a:blip r:embed="rId5"/>
+          <a:srcRect l="4332" t="604" r="7160" b="62385"/>
+          <a:stretch/>
+        </p:blipFill>
+        <p:spPr>
+          <a:xfrm>
+            <a:off x="5858916" y="4192992"/>
+            <a:ext cx="2537900" cy="2267078"/>
+          </a:xfrm>
+          <a:prstGeom prst="rect">
+            <a:avLst/>
+          </a:prstGeom>
+        </p:spPr>
+      </p:pic>
+      <p:pic>
+        <p:nvPicPr>
+          <p:cNvPr id="58" name="Рисунок 57">
+            <a:extLst>
+              <a:ext uri="{FF2B5EF4-FFF2-40B4-BE49-F238E27FC236}">
+                <a16:creationId xmlns:a16="http://schemas.microsoft.com/office/drawing/2014/main" id="{3C9F5932-2441-4D2B-A731-EEDB19221572}"/>
+              </a:ext>
+            </a:extLst>
+          </p:cNvPr>
+          <p:cNvPicPr>
+            <a:picLocks noChangeAspect="1"/>
+          </p:cNvPicPr>
+          <p:nvPr/>
+        </p:nvPicPr>
+        <p:blipFill rotWithShape="1">
+          <a:blip r:embed="rId5"/>
+          <a:srcRect l="22707" t="37527" b="31071"/>
+          <a:stretch/>
+        </p:blipFill>
+        <p:spPr>
+          <a:xfrm>
+            <a:off x="8160696" y="4189013"/>
+            <a:ext cx="2216307" cy="1923469"/>
+          </a:xfrm>
+          <a:prstGeom prst="rect">
+            <a:avLst/>
+          </a:prstGeom>
+        </p:spPr>
+      </p:pic>
+      <p:pic>
+        <p:nvPicPr>
+          <p:cNvPr id="60" name="Рисунок 59">
+            <a:extLst>
+              <a:ext uri="{FF2B5EF4-FFF2-40B4-BE49-F238E27FC236}">
+                <a16:creationId xmlns:a16="http://schemas.microsoft.com/office/drawing/2014/main" id="{5EA02892-AB27-4D87-AF7E-D829E5FA3E5F}"/>
+              </a:ext>
+            </a:extLst>
+          </p:cNvPr>
+          <p:cNvPicPr>
+            <a:picLocks noChangeAspect="1"/>
+          </p:cNvPicPr>
+          <p:nvPr/>
+        </p:nvPicPr>
+        <p:blipFill rotWithShape="1">
+          <a:blip r:embed="rId5"/>
+          <a:srcRect l="20507" t="68599" r="16918"/>
+          <a:stretch/>
+        </p:blipFill>
+        <p:spPr>
+          <a:xfrm>
+            <a:off x="10151133" y="4241623"/>
+            <a:ext cx="1794259" cy="1923470"/>
+          </a:xfrm>
+          <a:prstGeom prst="rect">
+            <a:avLst/>
+          </a:prstGeom>
+        </p:spPr>
+      </p:pic>
+    </p:spTree>
+    <p:extLst>
+      <p:ext uri="{BB962C8B-B14F-4D97-AF65-F5344CB8AC3E}">
+        <p14:creationId xmlns:p14="http://schemas.microsoft.com/office/powerpoint/2010/main" val="830119012"/>
+      </p:ext>
+    </p:extLst>
+  </p:cSld>
+  <p:clrMapOvr>
+    <a:masterClrMapping/>
+  </p:clrMapOvr>
+  <mc:AlternateContent xmlns:mc="http://schemas.openxmlformats.org/markup-compatibility/2006" xmlns:p159="http://schemas.microsoft.com/office/powerpoint/2015/09/main">
+    <mc:Choice Requires="p159">
+      <p:transition xmlns:p14="http://schemas.microsoft.com/office/powerpoint/2010/main" spd="slow" p14:dur="2000">
+        <p159:morph option="byObject"/>
+      </p:transition>
+    </mc:Choice>
+    <mc:Fallback xmlns="">
+      <p:transition spd="slow">
+        <p:fade/>
+      </p:transition>
+    </mc:Fallback>
+  </mc:AlternateContent>
+</p:sld>
+</file>
+
+<file path=ppt/slides/slide5.xml><?xml version="1.0" encoding="utf-8"?>
+<p:sld xmlns:a="http://schemas.openxmlformats.org/drawingml/2006/main" xmlns:r="http://schemas.openxmlformats.org/officeDocument/2006/relationships" xmlns:p="http://schemas.openxmlformats.org/presentationml/2006/main">
+  <p:cSld>
+    <p:bg>
+      <p:bgPr>
+        <a:solidFill>
+          <a:schemeClr val="bg1"/>
+        </a:solidFill>
+        <a:effectLst/>
+      </p:bgPr>
+    </p:bg>
+    <p:spTree>
+      <p:nvGrpSpPr>
+        <p:cNvPr id="1" name=""/>
+        <p:cNvGrpSpPr/>
+        <p:nvPr/>
+      </p:nvGrpSpPr>
+      <p:grpSpPr>
+        <a:xfrm>
+          <a:off x="0" y="0"/>
+          <a:ext cx="0" cy="0"/>
+          <a:chOff x="0" y="0"/>
+          <a:chExt cx="0" cy="0"/>
+        </a:xfrm>
+      </p:grpSpPr>
+      <p:sp>
+        <p:nvSpPr>
+          <p:cNvPr id="51" name="TextBox 50">
+            <a:extLst>
+              <a:ext uri="{FF2B5EF4-FFF2-40B4-BE49-F238E27FC236}">
+                <a16:creationId xmlns:a16="http://schemas.microsoft.com/office/drawing/2014/main" id="{6F62766A-5DAE-40B9-969F-B4226158BD05}"/>
+              </a:ext>
+            </a:extLst>
+          </p:cNvPr>
+          <p:cNvSpPr txBox="1"/>
+          <p:nvPr/>
+        </p:nvSpPr>
+        <p:spPr>
+          <a:xfrm>
+            <a:off x="2108202" y="397930"/>
+            <a:ext cx="6254747" cy="769441"/>
+          </a:xfrm>
+          <a:prstGeom prst="rect">
+            <a:avLst/>
+          </a:prstGeom>
+          <a:noFill/>
+        </p:spPr>
+        <p:txBody>
+          <a:bodyPr wrap="square" rtlCol="0">
+            <a:spAutoFit/>
+          </a:bodyPr>
+          <a:lstStyle/>
+          <a:p>
+            <a:r>
+              <a:rPr lang="ru-RU" sz="4400" b="1" dirty="0">
+                <a:latin typeface="Proxima Nova Semibold" panose="02000506030000020004" pitchFamily="2" charset="0"/>
+              </a:rPr>
+              <a:t>Виджеты</a:t>
+            </a:r>
+          </a:p>
+        </p:txBody>
+      </p:sp>
+      <p:pic>
+        <p:nvPicPr>
+          <p:cNvPr id="4" name="Рисунок 3">
+            <a:extLst>
+              <a:ext uri="{FF2B5EF4-FFF2-40B4-BE49-F238E27FC236}">
+                <a16:creationId xmlns:a16="http://schemas.microsoft.com/office/drawing/2014/main" id="{3EEAB0F9-C35B-4A96-B504-407FE2B0E457}"/>
+              </a:ext>
+            </a:extLst>
+          </p:cNvPr>
+          <p:cNvPicPr>
+            <a:picLocks noChangeAspect="1"/>
+          </p:cNvPicPr>
+          <p:nvPr/>
+        </p:nvPicPr>
+        <p:blipFill>
+          <a:blip r:embed="rId2">
+            <a:duotone>
+              <a:prstClr val="black"/>
+              <a:schemeClr val="tx1">
+                <a:tint val="45000"/>
+                <a:satMod val="400000"/>
+              </a:schemeClr>
+            </a:duotone>
+            <a:extLst>
+              <a:ext uri="{28A0092B-C50C-407E-A947-70E740481C1C}">
+                <a14:useLocalDpi xmlns:a14="http://schemas.microsoft.com/office/drawing/2010/main" val="0"/>
+              </a:ext>
+            </a:extLst>
+          </a:blip>
+          <a:stretch>
+            <a:fillRect/>
+          </a:stretch>
+        </p:blipFill>
+        <p:spPr>
+          <a:xfrm>
+            <a:off x="9478317" y="383816"/>
+            <a:ext cx="2270287" cy="797668"/>
+          </a:xfrm>
+          <a:prstGeom prst="rect">
+            <a:avLst/>
+          </a:prstGeom>
+        </p:spPr>
+      </p:pic>
+      <p:sp>
+        <p:nvSpPr>
+          <p:cNvPr id="2" name="Номер слайда 1">
+            <a:extLst>
+              <a:ext uri="{FF2B5EF4-FFF2-40B4-BE49-F238E27FC236}">
+                <a16:creationId xmlns:a16="http://schemas.microsoft.com/office/drawing/2014/main" id="{C63A57DE-9045-4AA7-AADC-A57954293E30}"/>
+              </a:ext>
+            </a:extLst>
+          </p:cNvPr>
+          <p:cNvSpPr>
+            <a:spLocks noGrp="1"/>
+          </p:cNvSpPr>
+          <p:nvPr>
+            <p:ph type="sldNum" sz="quarter" idx="12"/>
+          </p:nvPr>
+        </p:nvSpPr>
+        <p:spPr>
+          <a:xfrm>
+            <a:off x="9005404" y="6205896"/>
+            <a:ext cx="2743200" cy="365125"/>
+          </a:xfrm>
+        </p:spPr>
+        <p:txBody>
+          <a:bodyPr/>
+          <a:lstStyle/>
+          <a:p>
+            <a:fld id="{6107D050-46E0-4881-B04B-F42EFC24E18C}" type="slidenum">
+              <a:rPr lang="ru-RU" sz="1600" smtClean="0">
+                <a:solidFill>
+                  <a:schemeClr val="tx1"/>
+                </a:solidFill>
+                <a:latin typeface="Proxima Nova Semibold" panose="02000506030000020004" pitchFamily="2" charset="0"/>
+              </a:rPr>
+              <a:t>5</a:t>
+            </a:fld>
+            <a:endParaRPr lang="ru-RU" sz="1600" dirty="0">
+              <a:solidFill>
+                <a:schemeClr val="tx1"/>
+              </a:solidFill>
+              <a:latin typeface="Proxima Nova Semibold" panose="02000506030000020004" pitchFamily="2" charset="0"/>
+            </a:endParaRPr>
+          </a:p>
+        </p:txBody>
+      </p:sp>
+      <p:sp>
+        <p:nvSpPr>
+          <p:cNvPr id="3" name="TextBox 2">
+            <a:extLst>
+              <a:ext uri="{FF2B5EF4-FFF2-40B4-BE49-F238E27FC236}">
+                <a16:creationId xmlns:a16="http://schemas.microsoft.com/office/drawing/2014/main" id="{EE52103F-BE25-48DA-8E4F-B566ADB60164}"/>
+              </a:ext>
+            </a:extLst>
+          </p:cNvPr>
+          <p:cNvSpPr txBox="1"/>
+          <p:nvPr/>
+        </p:nvSpPr>
+        <p:spPr>
+          <a:xfrm>
+            <a:off x="612852" y="2445635"/>
+            <a:ext cx="2053767" cy="400110"/>
+          </a:xfrm>
+          <a:prstGeom prst="rect">
+            <a:avLst/>
+          </a:prstGeom>
+          <a:noFill/>
+        </p:spPr>
+        <p:txBody>
+          <a:bodyPr wrap="none" rtlCol="0">
+            <a:spAutoFit/>
+          </a:bodyPr>
+          <a:lstStyle/>
+          <a:p>
+            <a:r>
+              <a:rPr lang="en-US" sz="2000" dirty="0">
+                <a:latin typeface="Proxima Nova Rg" panose="02000506030000020004" pitchFamily="2" charset="0"/>
+              </a:rPr>
+              <a:t>BaseWidget.java</a:t>
+            </a:r>
+            <a:endParaRPr lang="ru-RU" sz="2000" dirty="0">
+              <a:latin typeface="Proxima Nova Rg" panose="02000506030000020004" pitchFamily="2" charset="0"/>
+            </a:endParaRPr>
+          </a:p>
+        </p:txBody>
+      </p:sp>
+      <p:pic>
+        <p:nvPicPr>
+          <p:cNvPr id="9" name="Рисунок 8">
+            <a:extLst>
+              <a:ext uri="{FF2B5EF4-FFF2-40B4-BE49-F238E27FC236}">
+                <a16:creationId xmlns:a16="http://schemas.microsoft.com/office/drawing/2014/main" id="{FE69AF1C-C38E-45D8-A081-0ED67E5DBF52}"/>
+              </a:ext>
+            </a:extLst>
+          </p:cNvPr>
+          <p:cNvPicPr>
+            <a:picLocks noChangeAspect="1"/>
+          </p:cNvPicPr>
+          <p:nvPr/>
+        </p:nvPicPr>
+        <p:blipFill>
+          <a:blip r:embed="rId3"/>
+          <a:stretch>
+            <a:fillRect/>
+          </a:stretch>
+        </p:blipFill>
+        <p:spPr>
+          <a:xfrm>
+            <a:off x="612852" y="2845745"/>
+            <a:ext cx="3886742" cy="1867161"/>
+          </a:xfrm>
+          <a:prstGeom prst="rect">
+            <a:avLst/>
+          </a:prstGeom>
+        </p:spPr>
+      </p:pic>
+      <p:cxnSp>
+        <p:nvCxnSpPr>
+          <p:cNvPr id="21" name="Прямая со стрелкой 20">
+            <a:extLst>
+              <a:ext uri="{FF2B5EF4-FFF2-40B4-BE49-F238E27FC236}">
+                <a16:creationId xmlns:a16="http://schemas.microsoft.com/office/drawing/2014/main" id="{DFBAFCD3-2903-4BE6-AB81-55FA18ADBE58}"/>
+              </a:ext>
+            </a:extLst>
+          </p:cNvPr>
+          <p:cNvCxnSpPr>
+            <a:cxnSpLocks/>
+            <a:stCxn id="9" idx="3"/>
+          </p:cNvCxnSpPr>
+          <p:nvPr/>
+        </p:nvCxnSpPr>
+        <p:spPr>
+          <a:xfrm flipV="1">
+            <a:off x="4499594" y="2453874"/>
+            <a:ext cx="2016536" cy="1325452"/>
+          </a:xfrm>
+          <a:prstGeom prst="straightConnector1">
+            <a:avLst/>
+          </a:prstGeom>
+          <a:ln w="19050">
+            <a:solidFill>
+              <a:schemeClr val="tx1"/>
+            </a:solidFill>
+            <a:tailEnd type="triangle"/>
+          </a:ln>
+        </p:spPr>
+        <p:style>
+          <a:lnRef idx="1">
+            <a:schemeClr val="accent1"/>
+          </a:lnRef>
+          <a:fillRef idx="0">
+            <a:schemeClr val="accent1"/>
+          </a:fillRef>
+          <a:effectRef idx="0">
+            <a:schemeClr val="accent1"/>
+          </a:effectRef>
+          <a:fontRef idx="minor">
+            <a:schemeClr val="tx1"/>
+          </a:fontRef>
+        </p:style>
+      </p:cxnSp>
+      <p:pic>
+        <p:nvPicPr>
+          <p:cNvPr id="24" name="Рисунок 23">
+            <a:extLst>
+              <a:ext uri="{FF2B5EF4-FFF2-40B4-BE49-F238E27FC236}">
+                <a16:creationId xmlns:a16="http://schemas.microsoft.com/office/drawing/2014/main" id="{C43A4AEF-1259-492B-A807-5C6AF052A1EF}"/>
+              </a:ext>
+            </a:extLst>
+          </p:cNvPr>
+          <p:cNvPicPr>
+            <a:picLocks noChangeAspect="1"/>
+          </p:cNvPicPr>
+          <p:nvPr/>
+        </p:nvPicPr>
+        <p:blipFill rotWithShape="1">
+          <a:blip r:embed="rId4">
+            <a:extLst>
+              <a:ext uri="{28A0092B-C50C-407E-A947-70E740481C1C}">
+                <a14:useLocalDpi xmlns:a14="http://schemas.microsoft.com/office/drawing/2010/main" val="0"/>
+              </a:ext>
+            </a:extLst>
+          </a:blip>
+          <a:srcRect t="4722" b="11112"/>
+          <a:stretch/>
+        </p:blipFill>
+        <p:spPr>
+          <a:xfrm>
+            <a:off x="9107667" y="1223924"/>
+            <a:ext cx="2640937" cy="4939531"/>
+          </a:xfrm>
+          <a:prstGeom prst="rect">
+            <a:avLst/>
+          </a:prstGeom>
+          <a:effectLst>
+            <a:outerShdw blurRad="50800" dist="38100" dir="5400000" algn="t" rotWithShape="0">
+              <a:prstClr val="black">
+                <a:alpha val="40000"/>
+              </a:prstClr>
+            </a:outerShdw>
+          </a:effectLst>
+        </p:spPr>
+      </p:pic>
+      <p:sp>
+        <p:nvSpPr>
+          <p:cNvPr id="27" name="TextBox 26">
+            <a:extLst>
+              <a:ext uri="{FF2B5EF4-FFF2-40B4-BE49-F238E27FC236}">
+                <a16:creationId xmlns:a16="http://schemas.microsoft.com/office/drawing/2014/main" id="{2A434647-1D7F-4BEC-A4E1-D8AE650B9879}"/>
+              </a:ext>
+            </a:extLst>
+          </p:cNvPr>
+          <p:cNvSpPr txBox="1"/>
+          <p:nvPr/>
+        </p:nvSpPr>
+        <p:spPr>
+          <a:xfrm>
+            <a:off x="6516130" y="2245580"/>
+            <a:ext cx="2130711" cy="400110"/>
+          </a:xfrm>
+          <a:prstGeom prst="rect">
+            <a:avLst/>
+          </a:prstGeom>
+          <a:noFill/>
+        </p:spPr>
+        <p:txBody>
+          <a:bodyPr wrap="none" rtlCol="0">
+            <a:spAutoFit/>
+          </a:bodyPr>
+          <a:lstStyle/>
+          <a:p>
+            <a:r>
+              <a:rPr lang="en-US" sz="2000" dirty="0">
+                <a:latin typeface="Proxima Nova Rg" panose="02000506030000020004" pitchFamily="2" charset="0"/>
+              </a:rPr>
+              <a:t>StepsWidget.java</a:t>
+            </a:r>
+            <a:endParaRPr lang="ru-RU" sz="2000" dirty="0">
+              <a:latin typeface="Proxima Nova Rg" panose="02000506030000020004" pitchFamily="2" charset="0"/>
+            </a:endParaRPr>
+          </a:p>
+        </p:txBody>
+      </p:sp>
+      <p:cxnSp>
+        <p:nvCxnSpPr>
+          <p:cNvPr id="28" name="Прямая со стрелкой 27">
+            <a:extLst>
+              <a:ext uri="{FF2B5EF4-FFF2-40B4-BE49-F238E27FC236}">
+                <a16:creationId xmlns:a16="http://schemas.microsoft.com/office/drawing/2014/main" id="{5E13E373-CC68-439A-8B80-AEEC733FEF2E}"/>
+              </a:ext>
+            </a:extLst>
+          </p:cNvPr>
+          <p:cNvCxnSpPr>
+            <a:cxnSpLocks/>
+            <a:stCxn id="9" idx="3"/>
+            <a:endCxn id="31" idx="1"/>
+          </p:cNvCxnSpPr>
+          <p:nvPr/>
+        </p:nvCxnSpPr>
+        <p:spPr>
+          <a:xfrm>
+            <a:off x="4499594" y="3779326"/>
+            <a:ext cx="2016536" cy="66680"/>
+          </a:xfrm>
+          <a:prstGeom prst="straightConnector1">
+            <a:avLst/>
+          </a:prstGeom>
+          <a:ln w="19050">
+            <a:solidFill>
+              <a:schemeClr val="tx1"/>
+            </a:solidFill>
+            <a:tailEnd type="triangle"/>
+          </a:ln>
+        </p:spPr>
+        <p:style>
+          <a:lnRef idx="1">
+            <a:schemeClr val="accent1"/>
+          </a:lnRef>
+          <a:fillRef idx="0">
+            <a:schemeClr val="accent1"/>
+          </a:fillRef>
+          <a:effectRef idx="0">
+            <a:schemeClr val="accent1"/>
+          </a:effectRef>
+          <a:fontRef idx="minor">
+            <a:schemeClr val="tx1"/>
+          </a:fontRef>
+        </p:style>
+      </p:cxnSp>
+      <p:sp>
+        <p:nvSpPr>
+          <p:cNvPr id="31" name="TextBox 30">
+            <a:extLst>
+              <a:ext uri="{FF2B5EF4-FFF2-40B4-BE49-F238E27FC236}">
+                <a16:creationId xmlns:a16="http://schemas.microsoft.com/office/drawing/2014/main" id="{24288841-864B-458F-9D67-15EEE9AE2A85}"/>
+              </a:ext>
+            </a:extLst>
+          </p:cNvPr>
+          <p:cNvSpPr txBox="1"/>
+          <p:nvPr/>
+        </p:nvSpPr>
+        <p:spPr>
+          <a:xfrm>
+            <a:off x="6516130" y="3645951"/>
+            <a:ext cx="2272836" cy="400110"/>
+          </a:xfrm>
+          <a:prstGeom prst="rect">
+            <a:avLst/>
+          </a:prstGeom>
+          <a:noFill/>
+        </p:spPr>
+        <p:txBody>
+          <a:bodyPr wrap="square" rtlCol="0">
+            <a:spAutoFit/>
+          </a:bodyPr>
+          <a:lstStyle/>
+          <a:p>
+            <a:r>
+              <a:rPr lang="en-US" sz="2000" dirty="0">
+                <a:latin typeface="Proxima Nova Rg" panose="02000506030000020004" pitchFamily="2" charset="0"/>
+              </a:rPr>
+              <a:t>WaterWidget.java</a:t>
+            </a:r>
+            <a:endParaRPr lang="ru-RU" sz="2000" dirty="0">
+              <a:latin typeface="Proxima Nova Rg" panose="02000506030000020004" pitchFamily="2" charset="0"/>
+            </a:endParaRPr>
+          </a:p>
+        </p:txBody>
+      </p:sp>
+      <p:cxnSp>
+        <p:nvCxnSpPr>
+          <p:cNvPr id="32" name="Прямая со стрелкой 31">
+            <a:extLst>
+              <a:ext uri="{FF2B5EF4-FFF2-40B4-BE49-F238E27FC236}">
+                <a16:creationId xmlns:a16="http://schemas.microsoft.com/office/drawing/2014/main" id="{90352E4F-42AE-4753-82F2-FD501B41206A}"/>
+              </a:ext>
+            </a:extLst>
+          </p:cNvPr>
+          <p:cNvCxnSpPr>
+            <a:cxnSpLocks/>
+            <a:stCxn id="9" idx="3"/>
+            <a:endCxn id="33" idx="1"/>
+          </p:cNvCxnSpPr>
+          <p:nvPr/>
+        </p:nvCxnSpPr>
+        <p:spPr>
+          <a:xfrm>
+            <a:off x="4499594" y="3779326"/>
+            <a:ext cx="2016536" cy="1392132"/>
+          </a:xfrm>
+          <a:prstGeom prst="straightConnector1">
+            <a:avLst/>
+          </a:prstGeom>
+          <a:ln w="19050">
+            <a:solidFill>
+              <a:schemeClr val="tx1"/>
+            </a:solidFill>
+            <a:tailEnd type="triangle"/>
+          </a:ln>
+        </p:spPr>
+        <p:style>
+          <a:lnRef idx="1">
+            <a:schemeClr val="accent1"/>
+          </a:lnRef>
+          <a:fillRef idx="0">
+            <a:schemeClr val="accent1"/>
+          </a:fillRef>
+          <a:effectRef idx="0">
+            <a:schemeClr val="accent1"/>
+          </a:effectRef>
+          <a:fontRef idx="minor">
+            <a:schemeClr val="tx1"/>
+          </a:fontRef>
+        </p:style>
+      </p:cxnSp>
+      <p:sp>
+        <p:nvSpPr>
+          <p:cNvPr id="33" name="TextBox 32">
+            <a:extLst>
+              <a:ext uri="{FF2B5EF4-FFF2-40B4-BE49-F238E27FC236}">
+                <a16:creationId xmlns:a16="http://schemas.microsoft.com/office/drawing/2014/main" id="{AB6EEE52-5B29-478C-8804-4D9AB0814C5C}"/>
+              </a:ext>
+            </a:extLst>
+          </p:cNvPr>
+          <p:cNvSpPr txBox="1"/>
+          <p:nvPr/>
+        </p:nvSpPr>
+        <p:spPr>
+          <a:xfrm>
+            <a:off x="6516130" y="4971403"/>
+            <a:ext cx="2489274" cy="400110"/>
+          </a:xfrm>
+          <a:prstGeom prst="rect">
+            <a:avLst/>
+          </a:prstGeom>
+          <a:noFill/>
+        </p:spPr>
+        <p:txBody>
+          <a:bodyPr wrap="square" rtlCol="0">
+            <a:spAutoFit/>
+          </a:bodyPr>
+          <a:lstStyle/>
+          <a:p>
+            <a:r>
+              <a:rPr lang="en-US" sz="2000" dirty="0">
+                <a:latin typeface="Proxima Nova Rg" panose="02000506030000020004" pitchFamily="2" charset="0"/>
+              </a:rPr>
+              <a:t>CaloriesWidget.java</a:t>
+            </a:r>
+            <a:endParaRPr lang="ru-RU" sz="2000" dirty="0">
+              <a:latin typeface="Proxima Nova Rg" panose="02000506030000020004" pitchFamily="2" charset="0"/>
+            </a:endParaRPr>
+          </a:p>
+        </p:txBody>
+      </p:sp>
+    </p:spTree>
+    <p:extLst>
+      <p:ext uri="{BB962C8B-B14F-4D97-AF65-F5344CB8AC3E}">
+        <p14:creationId xmlns:p14="http://schemas.microsoft.com/office/powerpoint/2010/main" val="2906104382"/>
+      </p:ext>
+    </p:extLst>
+  </p:cSld>
+  <p:clrMapOvr>
+    <a:masterClrMapping/>
+  </p:clrMapOvr>
+  <mc:AlternateContent xmlns:mc="http://schemas.openxmlformats.org/markup-compatibility/2006" xmlns:p159="http://schemas.microsoft.com/office/powerpoint/2015/09/main">
+    <mc:Choice Requires="p159">
+      <p:transition xmlns:p14="http://schemas.microsoft.com/office/powerpoint/2010/main" spd="slow" p14:dur="2000">
+        <p159:morph option="byObject"/>
+      </p:transition>
+    </mc:Choice>
+    <mc:Fallback xmlns="">
+      <p:transition spd="slow">
+        <p:fade/>
+      </p:transition>
+    </mc:Fallback>
+  </mc:AlternateContent>
+</p:sld>
+</file>
+
+<file path=ppt/slides/slide6.xml><?xml version="1.0" encoding="utf-8"?>
+<p:sld xmlns:a="http://schemas.openxmlformats.org/drawingml/2006/main" xmlns:r="http://schemas.openxmlformats.org/officeDocument/2006/relationships" xmlns:p="http://schemas.openxmlformats.org/presentationml/2006/main">
+  <p:cSld>
+    <p:bg>
+      <p:bgPr>
+        <a:solidFill>
+          <a:schemeClr val="bg1"/>
+        </a:solidFill>
+        <a:effectLst/>
+      </p:bgPr>
+    </p:bg>
+    <p:spTree>
+      <p:nvGrpSpPr>
+        <p:cNvPr id="1" name=""/>
+        <p:cNvGrpSpPr/>
+        <p:nvPr/>
+      </p:nvGrpSpPr>
+      <p:grpSpPr>
+        <a:xfrm>
+          <a:off x="0" y="0"/>
+          <a:ext cx="0" cy="0"/>
+          <a:chOff x="0" y="0"/>
+          <a:chExt cx="0" cy="0"/>
+        </a:xfrm>
+      </p:grpSpPr>
+      <p:sp>
+        <p:nvSpPr>
+          <p:cNvPr id="51" name="TextBox 50">
+            <a:extLst>
+              <a:ext uri="{FF2B5EF4-FFF2-40B4-BE49-F238E27FC236}">
+                <a16:creationId xmlns:a16="http://schemas.microsoft.com/office/drawing/2014/main" id="{6F62766A-5DAE-40B9-969F-B4226158BD05}"/>
+              </a:ext>
+            </a:extLst>
+          </p:cNvPr>
+          <p:cNvSpPr txBox="1"/>
+          <p:nvPr/>
+        </p:nvSpPr>
+        <p:spPr>
+          <a:xfrm>
+            <a:off x="2108202" y="397930"/>
+            <a:ext cx="6254747" cy="769441"/>
+          </a:xfrm>
+          <a:prstGeom prst="rect">
+            <a:avLst/>
+          </a:prstGeom>
+          <a:noFill/>
+        </p:spPr>
+        <p:txBody>
+          <a:bodyPr wrap="square" rtlCol="0">
+            <a:spAutoFit/>
+          </a:bodyPr>
+          <a:lstStyle/>
+          <a:p>
+            <a:r>
+              <a:rPr lang="ru-RU" sz="4400" b="1" dirty="0">
+                <a:latin typeface="Proxima Nova Semibold" panose="02000506030000020004" pitchFamily="2" charset="0"/>
+              </a:rPr>
+              <a:t>Контейнер записей</a:t>
+            </a:r>
+          </a:p>
+        </p:txBody>
+      </p:sp>
+      <p:pic>
+        <p:nvPicPr>
+          <p:cNvPr id="4" name="Рисунок 3">
+            <a:extLst>
+              <a:ext uri="{FF2B5EF4-FFF2-40B4-BE49-F238E27FC236}">
+                <a16:creationId xmlns:a16="http://schemas.microsoft.com/office/drawing/2014/main" id="{3EEAB0F9-C35B-4A96-B504-407FE2B0E457}"/>
+              </a:ext>
+            </a:extLst>
+          </p:cNvPr>
+          <p:cNvPicPr>
+            <a:picLocks noChangeAspect="1"/>
+          </p:cNvPicPr>
+          <p:nvPr/>
+        </p:nvPicPr>
+        <p:blipFill>
+          <a:blip r:embed="rId2">
+            <a:duotone>
+              <a:prstClr val="black"/>
+              <a:schemeClr val="tx1">
+                <a:tint val="45000"/>
+                <a:satMod val="400000"/>
+              </a:schemeClr>
+            </a:duotone>
+            <a:extLst>
+              <a:ext uri="{28A0092B-C50C-407E-A947-70E740481C1C}">
+                <a14:useLocalDpi xmlns:a14="http://schemas.microsoft.com/office/drawing/2010/main" val="0"/>
+              </a:ext>
+            </a:extLst>
+          </a:blip>
+          <a:stretch>
+            <a:fillRect/>
+          </a:stretch>
+        </p:blipFill>
+        <p:spPr>
+          <a:xfrm>
+            <a:off x="9478317" y="383816"/>
+            <a:ext cx="2270287" cy="797668"/>
+          </a:xfrm>
+          <a:prstGeom prst="rect">
+            <a:avLst/>
+          </a:prstGeom>
+        </p:spPr>
+      </p:pic>
+      <p:sp>
+        <p:nvSpPr>
+          <p:cNvPr id="2" name="Номер слайда 1">
+            <a:extLst>
+              <a:ext uri="{FF2B5EF4-FFF2-40B4-BE49-F238E27FC236}">
+                <a16:creationId xmlns:a16="http://schemas.microsoft.com/office/drawing/2014/main" id="{C63A57DE-9045-4AA7-AADC-A57954293E30}"/>
+              </a:ext>
+            </a:extLst>
+          </p:cNvPr>
+          <p:cNvSpPr>
+            <a:spLocks noGrp="1"/>
+          </p:cNvSpPr>
+          <p:nvPr>
+            <p:ph type="sldNum" sz="quarter" idx="12"/>
+          </p:nvPr>
+        </p:nvSpPr>
+        <p:spPr>
+          <a:xfrm>
+            <a:off x="9005404" y="6205896"/>
+            <a:ext cx="2743200" cy="365125"/>
+          </a:xfrm>
+        </p:spPr>
+        <p:txBody>
+          <a:bodyPr/>
+          <a:lstStyle/>
+          <a:p>
+            <a:fld id="{6107D050-46E0-4881-B04B-F42EFC24E18C}" type="slidenum">
+              <a:rPr lang="ru-RU" sz="1600" smtClean="0">
+                <a:solidFill>
+                  <a:schemeClr val="tx1"/>
+                </a:solidFill>
+                <a:latin typeface="Proxima Nova Semibold" panose="02000506030000020004" pitchFamily="2" charset="0"/>
+              </a:rPr>
+              <a:t>6</a:t>
+            </a:fld>
+            <a:endParaRPr lang="ru-RU" sz="1600" dirty="0">
+              <a:solidFill>
+                <a:schemeClr val="tx1"/>
+              </a:solidFill>
+              <a:latin typeface="Proxima Nova Semibold" panose="02000506030000020004" pitchFamily="2" charset="0"/>
+            </a:endParaRPr>
+          </a:p>
+        </p:txBody>
+      </p:sp>
+      <p:pic>
+        <p:nvPicPr>
+          <p:cNvPr id="24" name="Рисунок 23">
+            <a:extLst>
+              <a:ext uri="{FF2B5EF4-FFF2-40B4-BE49-F238E27FC236}">
+                <a16:creationId xmlns:a16="http://schemas.microsoft.com/office/drawing/2014/main" id="{C43A4AEF-1259-492B-A807-5C6AF052A1EF}"/>
+              </a:ext>
+            </a:extLst>
+          </p:cNvPr>
+          <p:cNvPicPr>
+            <a:picLocks noChangeAspect="1"/>
+          </p:cNvPicPr>
+          <p:nvPr/>
+        </p:nvPicPr>
+        <p:blipFill rotWithShape="1">
+          <a:blip r:embed="rId3">
+            <a:extLst>
+              <a:ext uri="{28A0092B-C50C-407E-A947-70E740481C1C}">
+                <a14:useLocalDpi xmlns:a14="http://schemas.microsoft.com/office/drawing/2010/main" val="0"/>
+              </a:ext>
+            </a:extLst>
+          </a:blip>
+          <a:srcRect t="37188" b="11112"/>
+          <a:stretch/>
+        </p:blipFill>
+        <p:spPr>
+          <a:xfrm>
+            <a:off x="1143931" y="2263745"/>
+            <a:ext cx="2640937" cy="3034188"/>
+          </a:xfrm>
+          <a:prstGeom prst="rect">
+            <a:avLst/>
+          </a:prstGeom>
+          <a:effectLst>
+            <a:outerShdw blurRad="50800" dist="38100" dir="5400000" algn="t" rotWithShape="0">
+              <a:prstClr val="black">
+                <a:alpha val="40000"/>
+              </a:prstClr>
+            </a:outerShdw>
+          </a:effectLst>
+        </p:spPr>
+      </p:pic>
+      <p:sp>
+        <p:nvSpPr>
+          <p:cNvPr id="14" name="TextBox 13">
+            <a:extLst>
+              <a:ext uri="{FF2B5EF4-FFF2-40B4-BE49-F238E27FC236}">
+                <a16:creationId xmlns:a16="http://schemas.microsoft.com/office/drawing/2014/main" id="{8B0F9834-5508-4D99-B2C2-705B28DA3EC7}"/>
+              </a:ext>
+            </a:extLst>
+          </p:cNvPr>
+          <p:cNvSpPr txBox="1"/>
+          <p:nvPr/>
+        </p:nvSpPr>
+        <p:spPr>
+          <a:xfrm>
+            <a:off x="6956202" y="3836993"/>
+            <a:ext cx="2720617" cy="400110"/>
+          </a:xfrm>
+          <a:prstGeom prst="rect">
+            <a:avLst/>
+          </a:prstGeom>
+          <a:noFill/>
+        </p:spPr>
+        <p:txBody>
+          <a:bodyPr wrap="none" rtlCol="0">
+            <a:spAutoFit/>
+          </a:bodyPr>
+          <a:lstStyle/>
+          <a:p>
+            <a:r>
+              <a:rPr lang="en-US" sz="2000" dirty="0">
+                <a:latin typeface="Proxima Nova Rg" panose="02000506030000020004" pitchFamily="2" charset="0"/>
+              </a:rPr>
+              <a:t>RecordsContainer.java</a:t>
+            </a:r>
+            <a:endParaRPr lang="ru-RU" sz="2000" dirty="0">
+              <a:latin typeface="Proxima Nova Rg" panose="02000506030000020004" pitchFamily="2" charset="0"/>
+            </a:endParaRPr>
+          </a:p>
+        </p:txBody>
+      </p:sp>
+      <p:sp>
+        <p:nvSpPr>
+          <p:cNvPr id="15" name="TextBox 14">
+            <a:extLst>
+              <a:ext uri="{FF2B5EF4-FFF2-40B4-BE49-F238E27FC236}">
+                <a16:creationId xmlns:a16="http://schemas.microsoft.com/office/drawing/2014/main" id="{DE2B1E8C-41BF-4308-B854-B87D9818ECA2}"/>
+              </a:ext>
+            </a:extLst>
+          </p:cNvPr>
+          <p:cNvSpPr txBox="1"/>
+          <p:nvPr/>
+        </p:nvSpPr>
+        <p:spPr>
+          <a:xfrm>
+            <a:off x="5095699" y="4814323"/>
+            <a:ext cx="2638864" cy="400110"/>
+          </a:xfrm>
+          <a:prstGeom prst="rect">
+            <a:avLst/>
+          </a:prstGeom>
+          <a:noFill/>
+        </p:spPr>
+        <p:txBody>
+          <a:bodyPr wrap="none" rtlCol="0">
+            <a:spAutoFit/>
+          </a:bodyPr>
+          <a:lstStyle/>
+          <a:p>
+            <a:r>
+              <a:rPr lang="en-US" sz="2000" dirty="0">
+                <a:latin typeface="Proxima Nova Rg" panose="02000506030000020004" pitchFamily="2" charset="0"/>
+              </a:rPr>
+              <a:t>LastRecordsView.java</a:t>
+            </a:r>
+            <a:endParaRPr lang="ru-RU" sz="2000" dirty="0">
+              <a:latin typeface="Proxima Nova Rg" panose="02000506030000020004" pitchFamily="2" charset="0"/>
+            </a:endParaRPr>
+          </a:p>
+        </p:txBody>
+      </p:sp>
+      <p:sp>
+        <p:nvSpPr>
+          <p:cNvPr id="16" name="TextBox 15">
+            <a:extLst>
+              <a:ext uri="{FF2B5EF4-FFF2-40B4-BE49-F238E27FC236}">
+                <a16:creationId xmlns:a16="http://schemas.microsoft.com/office/drawing/2014/main" id="{2FD785C7-ED02-4D57-8B6C-679E7A36D3A4}"/>
+              </a:ext>
+            </a:extLst>
+          </p:cNvPr>
+          <p:cNvSpPr txBox="1"/>
+          <p:nvPr/>
+        </p:nvSpPr>
+        <p:spPr>
+          <a:xfrm>
+            <a:off x="8939800" y="4785061"/>
+            <a:ext cx="2108269" cy="400110"/>
+          </a:xfrm>
+          <a:prstGeom prst="rect">
+            <a:avLst/>
+          </a:prstGeom>
+          <a:noFill/>
+        </p:spPr>
+        <p:txBody>
+          <a:bodyPr wrap="none" rtlCol="0">
+            <a:spAutoFit/>
+          </a:bodyPr>
+          <a:lstStyle/>
+          <a:p>
+            <a:r>
+              <a:rPr lang="en-US" sz="2000" dirty="0">
+                <a:latin typeface="Proxima Nova Rg" panose="02000506030000020004" pitchFamily="2" charset="0"/>
+              </a:rPr>
+              <a:t>RecordsItem.java</a:t>
+            </a:r>
+            <a:endParaRPr lang="ru-RU" sz="2000" dirty="0">
+              <a:latin typeface="Proxima Nova Rg" panose="02000506030000020004" pitchFamily="2" charset="0"/>
+            </a:endParaRPr>
+          </a:p>
+        </p:txBody>
+      </p:sp>
+      <p:cxnSp>
+        <p:nvCxnSpPr>
+          <p:cNvPr id="17" name="Прямая со стрелкой 16">
+            <a:extLst>
+              <a:ext uri="{FF2B5EF4-FFF2-40B4-BE49-F238E27FC236}">
+                <a16:creationId xmlns:a16="http://schemas.microsoft.com/office/drawing/2014/main" id="{70A50B7B-B1ED-4300-907E-1B74B5A2145A}"/>
+              </a:ext>
+            </a:extLst>
+          </p:cNvPr>
+          <p:cNvCxnSpPr>
+            <a:cxnSpLocks/>
+            <a:stCxn id="14" idx="2"/>
+            <a:endCxn id="15" idx="0"/>
+          </p:cNvCxnSpPr>
+          <p:nvPr/>
+        </p:nvCxnSpPr>
+        <p:spPr>
+          <a:xfrm flipH="1">
+            <a:off x="6415131" y="4237103"/>
+            <a:ext cx="1901380" cy="577220"/>
+          </a:xfrm>
+          <a:prstGeom prst="straightConnector1">
+            <a:avLst/>
+          </a:prstGeom>
+          <a:ln w="19050">
+            <a:solidFill>
+              <a:schemeClr val="tx1"/>
+            </a:solidFill>
+            <a:tailEnd type="triangle"/>
+          </a:ln>
+        </p:spPr>
+        <p:style>
+          <a:lnRef idx="1">
+            <a:schemeClr val="accent1"/>
+          </a:lnRef>
+          <a:fillRef idx="0">
+            <a:schemeClr val="accent1"/>
+          </a:fillRef>
+          <a:effectRef idx="0">
+            <a:schemeClr val="accent1"/>
+          </a:effectRef>
+          <a:fontRef idx="minor">
+            <a:schemeClr val="tx1"/>
+          </a:fontRef>
+        </p:style>
+      </p:cxnSp>
+      <p:cxnSp>
+        <p:nvCxnSpPr>
+          <p:cNvPr id="18" name="Прямая со стрелкой 17">
+            <a:extLst>
+              <a:ext uri="{FF2B5EF4-FFF2-40B4-BE49-F238E27FC236}">
+                <a16:creationId xmlns:a16="http://schemas.microsoft.com/office/drawing/2014/main" id="{E01657C0-9F34-4A89-88BF-FC5E34508C19}"/>
+              </a:ext>
+            </a:extLst>
+          </p:cNvPr>
+          <p:cNvCxnSpPr>
+            <a:cxnSpLocks/>
+            <a:stCxn id="14" idx="2"/>
+            <a:endCxn id="16" idx="0"/>
+          </p:cNvCxnSpPr>
+          <p:nvPr/>
+        </p:nvCxnSpPr>
+        <p:spPr>
+          <a:xfrm>
+            <a:off x="8316511" y="4237103"/>
+            <a:ext cx="1677424" cy="547958"/>
+          </a:xfrm>
+          <a:prstGeom prst="straightConnector1">
+            <a:avLst/>
+          </a:prstGeom>
+          <a:ln w="19050">
+            <a:solidFill>
+              <a:schemeClr val="tx1"/>
+            </a:solidFill>
+            <a:tailEnd type="triangle"/>
+          </a:ln>
+        </p:spPr>
+        <p:style>
+          <a:lnRef idx="1">
+            <a:schemeClr val="accent1"/>
+          </a:lnRef>
+          <a:fillRef idx="0">
+            <a:schemeClr val="accent1"/>
+          </a:fillRef>
+          <a:effectRef idx="0">
+            <a:schemeClr val="accent1"/>
+          </a:effectRef>
+          <a:fontRef idx="minor">
+            <a:schemeClr val="tx1"/>
+          </a:fontRef>
+        </p:style>
+      </p:cxnSp>
+      <p:sp>
+        <p:nvSpPr>
+          <p:cNvPr id="22" name="TextBox 21">
+            <a:extLst>
+              <a:ext uri="{FF2B5EF4-FFF2-40B4-BE49-F238E27FC236}">
+                <a16:creationId xmlns:a16="http://schemas.microsoft.com/office/drawing/2014/main" id="{D810112C-5685-440C-A390-4E28F1B9644D}"/>
+              </a:ext>
+            </a:extLst>
+          </p:cNvPr>
+          <p:cNvSpPr txBox="1"/>
+          <p:nvPr/>
+        </p:nvSpPr>
+        <p:spPr>
+          <a:xfrm>
+            <a:off x="6448083" y="2339716"/>
+            <a:ext cx="3736920" cy="400110"/>
+          </a:xfrm>
+          <a:prstGeom prst="rect">
+            <a:avLst/>
+          </a:prstGeom>
+          <a:noFill/>
+        </p:spPr>
+        <p:txBody>
+          <a:bodyPr wrap="none" rtlCol="0">
+            <a:spAutoFit/>
+          </a:bodyPr>
+          <a:lstStyle/>
+          <a:p>
+            <a:r>
+              <a:rPr lang="en-US" sz="2000" dirty="0">
+                <a:latin typeface="Proxima Nova Rg" panose="02000506030000020004" pitchFamily="2" charset="0"/>
+              </a:rPr>
+              <a:t>OnRecordsChangeListener.java</a:t>
+            </a:r>
+            <a:endParaRPr lang="ru-RU" sz="2000" dirty="0">
+              <a:latin typeface="Proxima Nova Rg" panose="02000506030000020004" pitchFamily="2" charset="0"/>
+            </a:endParaRPr>
+          </a:p>
+        </p:txBody>
+      </p:sp>
+      <p:cxnSp>
+        <p:nvCxnSpPr>
+          <p:cNvPr id="25" name="Прямая со стрелкой 24">
+            <a:extLst>
+              <a:ext uri="{FF2B5EF4-FFF2-40B4-BE49-F238E27FC236}">
+                <a16:creationId xmlns:a16="http://schemas.microsoft.com/office/drawing/2014/main" id="{6EF69173-AE5E-42BD-803D-8CACCD698377}"/>
+              </a:ext>
+            </a:extLst>
+          </p:cNvPr>
+          <p:cNvCxnSpPr>
+            <a:cxnSpLocks/>
+            <a:stCxn id="22" idx="2"/>
+            <a:endCxn id="14" idx="0"/>
+          </p:cNvCxnSpPr>
+          <p:nvPr/>
+        </p:nvCxnSpPr>
+        <p:spPr>
+          <a:xfrm flipH="1">
+            <a:off x="8316511" y="2739826"/>
+            <a:ext cx="32" cy="1097167"/>
+          </a:xfrm>
+          <a:prstGeom prst="straightConnector1">
+            <a:avLst/>
+          </a:prstGeom>
+          <a:ln w="19050">
+            <a:solidFill>
+              <a:schemeClr val="tx1"/>
+            </a:solidFill>
+            <a:tailEnd type="triangle"/>
+          </a:ln>
+        </p:spPr>
+        <p:style>
+          <a:lnRef idx="1">
+            <a:schemeClr val="accent1"/>
+          </a:lnRef>
+          <a:fillRef idx="0">
+            <a:schemeClr val="accent1"/>
+          </a:fillRef>
+          <a:effectRef idx="0">
+            <a:schemeClr val="accent1"/>
+          </a:effectRef>
+          <a:fontRef idx="minor">
+            <a:schemeClr val="tx1"/>
+          </a:fontRef>
+        </p:style>
+      </p:cxnSp>
+      <p:sp>
+        <p:nvSpPr>
+          <p:cNvPr id="29" name="TextBox 28">
+            <a:extLst>
+              <a:ext uri="{FF2B5EF4-FFF2-40B4-BE49-F238E27FC236}">
+                <a16:creationId xmlns:a16="http://schemas.microsoft.com/office/drawing/2014/main" id="{4D4F7A17-2656-4974-827F-DD0F0386AC15}"/>
+              </a:ext>
+            </a:extLst>
+          </p:cNvPr>
+          <p:cNvSpPr txBox="1"/>
+          <p:nvPr/>
+        </p:nvSpPr>
+        <p:spPr>
+          <a:xfrm>
+            <a:off x="8530475" y="3050878"/>
+            <a:ext cx="1162498" cy="400110"/>
+          </a:xfrm>
+          <a:prstGeom prst="rect">
+            <a:avLst/>
+          </a:prstGeom>
+          <a:noFill/>
+        </p:spPr>
+        <p:txBody>
+          <a:bodyPr wrap="none" rtlCol="0">
+            <a:spAutoFit/>
+          </a:bodyPr>
+          <a:lstStyle/>
+          <a:p>
+            <a:r>
+              <a:rPr lang="en-US" sz="2000" dirty="0">
+                <a:latin typeface="Proxima Nova Rg" panose="02000506030000020004" pitchFamily="2" charset="0"/>
+              </a:rPr>
+              <a:t>.update()</a:t>
+            </a:r>
+            <a:endParaRPr lang="ru-RU" sz="2000" dirty="0">
+              <a:latin typeface="Proxima Nova Rg" panose="02000506030000020004" pitchFamily="2" charset="0"/>
+            </a:endParaRPr>
+          </a:p>
+        </p:txBody>
+      </p:sp>
+      <p:cxnSp>
+        <p:nvCxnSpPr>
+          <p:cNvPr id="30" name="Прямая со стрелкой 29">
+            <a:extLst>
+              <a:ext uri="{FF2B5EF4-FFF2-40B4-BE49-F238E27FC236}">
+                <a16:creationId xmlns:a16="http://schemas.microsoft.com/office/drawing/2014/main" id="{21FC2195-5FDB-4265-AEFA-4784FC00E650}"/>
+              </a:ext>
+            </a:extLst>
+          </p:cNvPr>
+          <p:cNvCxnSpPr>
+            <a:cxnSpLocks/>
+          </p:cNvCxnSpPr>
+          <p:nvPr/>
+        </p:nvCxnSpPr>
+        <p:spPr>
+          <a:xfrm flipV="1">
+            <a:off x="8202271" y="2731588"/>
+            <a:ext cx="0" cy="1090440"/>
+          </a:xfrm>
+          <a:prstGeom prst="straightConnector1">
+            <a:avLst/>
+          </a:prstGeom>
+          <a:ln w="19050">
+            <a:solidFill>
+              <a:schemeClr val="tx1"/>
+            </a:solidFill>
+            <a:tailEnd type="triangle"/>
+          </a:ln>
+        </p:spPr>
+        <p:style>
+          <a:lnRef idx="1">
+            <a:schemeClr val="accent1"/>
+          </a:lnRef>
+          <a:fillRef idx="0">
+            <a:schemeClr val="accent1"/>
+          </a:fillRef>
+          <a:effectRef idx="0">
+            <a:schemeClr val="accent1"/>
+          </a:effectRef>
+          <a:fontRef idx="minor">
+            <a:schemeClr val="tx1"/>
+          </a:fontRef>
+        </p:style>
+      </p:cxnSp>
+    </p:spTree>
+    <p:extLst>
+      <p:ext uri="{BB962C8B-B14F-4D97-AF65-F5344CB8AC3E}">
+        <p14:creationId xmlns:p14="http://schemas.microsoft.com/office/powerpoint/2010/main" val="3273550268"/>
+      </p:ext>
+    </p:extLst>
+  </p:cSld>
+  <p:clrMapOvr>
+    <a:masterClrMapping/>
+  </p:clrMapOvr>
+  <mc:AlternateContent xmlns:mc="http://schemas.openxmlformats.org/markup-compatibility/2006" xmlns:p159="http://schemas.microsoft.com/office/powerpoint/2015/09/main">
+    <mc:Choice Requires="p159">
+      <p:transition xmlns:p14="http://schemas.microsoft.com/office/powerpoint/2010/main" spd="slow" p14:dur="2000">
+        <p159:morph option="byObject"/>
+      </p:transition>
+    </mc:Choice>
+    <mc:Fallback xmlns="">
+      <p:transition spd="slow">
+        <p:fade/>
+      </p:transition>
+    </mc:Fallback>
+  </mc:AlternateContent>
+</p:sld>
+</file>
+
+<file path=ppt/slides/slide7.xml><?xml version="1.0" encoding="utf-8"?>
+<p:sld xmlns:a="http://schemas.openxmlformats.org/drawingml/2006/main" xmlns:r="http://schemas.openxmlformats.org/officeDocument/2006/relationships" xmlns:p="http://schemas.openxmlformats.org/presentationml/2006/main">
+  <p:cSld>
+    <p:bg>
+      <p:bgPr>
+        <a:solidFill>
+          <a:schemeClr val="bg1"/>
+        </a:solidFill>
+        <a:effectLst/>
+      </p:bgPr>
+    </p:bg>
+    <p:spTree>
+      <p:nvGrpSpPr>
+        <p:cNvPr id="1" name=""/>
+        <p:cNvGrpSpPr/>
+        <p:nvPr/>
+      </p:nvGrpSpPr>
+      <p:grpSpPr>
+        <a:xfrm>
+          <a:off x="0" y="0"/>
+          <a:ext cx="0" cy="0"/>
+          <a:chOff x="0" y="0"/>
+          <a:chExt cx="0" cy="0"/>
+        </a:xfrm>
+      </p:grpSpPr>
+      <p:sp>
+        <p:nvSpPr>
+          <p:cNvPr id="51" name="TextBox 50">
+            <a:extLst>
+              <a:ext uri="{FF2B5EF4-FFF2-40B4-BE49-F238E27FC236}">
+                <a16:creationId xmlns:a16="http://schemas.microsoft.com/office/drawing/2014/main" id="{6F62766A-5DAE-40B9-969F-B4226158BD05}"/>
+              </a:ext>
+            </a:extLst>
+          </p:cNvPr>
+          <p:cNvSpPr txBox="1"/>
+          <p:nvPr/>
+        </p:nvSpPr>
+        <p:spPr>
+          <a:xfrm>
+            <a:off x="2108202" y="397930"/>
+            <a:ext cx="6254747" cy="769441"/>
+          </a:xfrm>
+          <a:prstGeom prst="rect">
+            <a:avLst/>
+          </a:prstGeom>
+          <a:noFill/>
+        </p:spPr>
+        <p:txBody>
+          <a:bodyPr wrap="square" rtlCol="0">
+            <a:spAutoFit/>
+          </a:bodyPr>
+          <a:lstStyle/>
+          <a:p>
+            <a:r>
+              <a:rPr lang="ru-RU" sz="4400" b="1" dirty="0">
+                <a:latin typeface="Proxima Nova Semibold" panose="02000506030000020004" pitchFamily="2" charset="0"/>
+              </a:rPr>
+              <a:t>Сервер</a:t>
+            </a:r>
+          </a:p>
+        </p:txBody>
+      </p:sp>
+      <p:pic>
+        <p:nvPicPr>
+          <p:cNvPr id="4" name="Рисунок 3">
+            <a:extLst>
+              <a:ext uri="{FF2B5EF4-FFF2-40B4-BE49-F238E27FC236}">
+                <a16:creationId xmlns:a16="http://schemas.microsoft.com/office/drawing/2014/main" id="{3EEAB0F9-C35B-4A96-B504-407FE2B0E457}"/>
+              </a:ext>
+            </a:extLst>
+          </p:cNvPr>
+          <p:cNvPicPr>
+            <a:picLocks noChangeAspect="1"/>
+          </p:cNvPicPr>
+          <p:nvPr/>
+        </p:nvPicPr>
+        <p:blipFill>
+          <a:blip r:embed="rId2">
+            <a:duotone>
+              <a:prstClr val="black"/>
+              <a:schemeClr val="tx1">
+                <a:tint val="45000"/>
+                <a:satMod val="400000"/>
+              </a:schemeClr>
+            </a:duotone>
+            <a:extLst>
+              <a:ext uri="{28A0092B-C50C-407E-A947-70E740481C1C}">
+                <a14:useLocalDpi xmlns:a14="http://schemas.microsoft.com/office/drawing/2010/main" val="0"/>
+              </a:ext>
+            </a:extLst>
+          </a:blip>
+          <a:stretch>
+            <a:fillRect/>
+          </a:stretch>
+        </p:blipFill>
+        <p:spPr>
+          <a:xfrm>
+            <a:off x="9478317" y="383816"/>
+            <a:ext cx="2270287" cy="797668"/>
+          </a:xfrm>
+          <a:prstGeom prst="rect">
+            <a:avLst/>
+          </a:prstGeom>
+        </p:spPr>
+      </p:pic>
+      <p:sp>
+        <p:nvSpPr>
+          <p:cNvPr id="2" name="Номер слайда 1">
+            <a:extLst>
+              <a:ext uri="{FF2B5EF4-FFF2-40B4-BE49-F238E27FC236}">
+                <a16:creationId xmlns:a16="http://schemas.microsoft.com/office/drawing/2014/main" id="{C63A57DE-9045-4AA7-AADC-A57954293E30}"/>
+              </a:ext>
+            </a:extLst>
+          </p:cNvPr>
+          <p:cNvSpPr>
+            <a:spLocks noGrp="1"/>
+          </p:cNvSpPr>
+          <p:nvPr>
+            <p:ph type="sldNum" sz="quarter" idx="12"/>
+          </p:nvPr>
+        </p:nvSpPr>
+        <p:spPr>
+          <a:xfrm>
+            <a:off x="9005404" y="6205896"/>
+            <a:ext cx="2743200" cy="365125"/>
+          </a:xfrm>
+        </p:spPr>
+        <p:txBody>
+          <a:bodyPr/>
+          <a:lstStyle/>
+          <a:p>
+            <a:fld id="{6107D050-46E0-4881-B04B-F42EFC24E18C}" type="slidenum">
+              <a:rPr lang="ru-RU" sz="1600" smtClean="0">
+                <a:solidFill>
+                  <a:schemeClr val="tx1"/>
+                </a:solidFill>
+                <a:latin typeface="Proxima Nova Semibold" panose="02000506030000020004" pitchFamily="2" charset="0"/>
+              </a:rPr>
+              <a:t>7</a:t>
+            </a:fld>
+            <a:endParaRPr lang="ru-RU" sz="1600" dirty="0">
+              <a:solidFill>
+                <a:schemeClr val="tx1"/>
+              </a:solidFill>
+              <a:latin typeface="Proxima Nova Semibold" panose="02000506030000020004" pitchFamily="2" charset="0"/>
+            </a:endParaRPr>
+          </a:p>
+        </p:txBody>
+      </p:sp>
+      <p:sp>
+        <p:nvSpPr>
+          <p:cNvPr id="19" name="TextBox 18">
+            <a:extLst>
+              <a:ext uri="{FF2B5EF4-FFF2-40B4-BE49-F238E27FC236}">
+                <a16:creationId xmlns:a16="http://schemas.microsoft.com/office/drawing/2014/main" id="{901FBF26-DA3E-4388-A71C-425B89970B4D}"/>
+              </a:ext>
+            </a:extLst>
+          </p:cNvPr>
+          <p:cNvSpPr txBox="1"/>
+          <p:nvPr/>
+        </p:nvSpPr>
+        <p:spPr>
+          <a:xfrm>
+            <a:off x="858719" y="1598310"/>
+            <a:ext cx="9018816" cy="400110"/>
+          </a:xfrm>
+          <a:prstGeom prst="rect">
+            <a:avLst/>
+          </a:prstGeom>
+          <a:noFill/>
+        </p:spPr>
+        <p:txBody>
+          <a:bodyPr wrap="none" rtlCol="0">
+            <a:spAutoFit/>
+          </a:bodyPr>
+          <a:lstStyle/>
+          <a:p>
+            <a:r>
+              <a:rPr lang="ru-RU" sz="2000" dirty="0">
+                <a:latin typeface="Proxima Nova Rg" panose="02000506030000020004" pitchFamily="2" charset="0"/>
+              </a:rPr>
+              <a:t>Написан на </a:t>
+            </a:r>
+            <a:r>
+              <a:rPr lang="en-US" sz="2000" dirty="0">
+                <a:latin typeface="Proxima Nova Rg" panose="02000506030000020004" pitchFamily="2" charset="0"/>
+              </a:rPr>
+              <a:t>Spring Framework </a:t>
+            </a:r>
+            <a:r>
+              <a:rPr lang="ru-RU" sz="2000" dirty="0">
+                <a:latin typeface="Proxima Nova Rg" panose="02000506030000020004" pitchFamily="2" charset="0"/>
+              </a:rPr>
+              <a:t>с использованием </a:t>
+            </a:r>
+            <a:r>
+              <a:rPr lang="en-US" sz="2000" dirty="0">
+                <a:latin typeface="Proxima Nova Rg" panose="02000506030000020004" pitchFamily="2" charset="0"/>
+              </a:rPr>
+              <a:t>Spring JPA </a:t>
+            </a:r>
+            <a:r>
+              <a:rPr lang="ru-RU" sz="2000" dirty="0">
+                <a:latin typeface="Proxima Nova Rg" panose="02000506030000020004" pitchFamily="2" charset="0"/>
+              </a:rPr>
+              <a:t>и </a:t>
+            </a:r>
+            <a:r>
+              <a:rPr lang="en-US" sz="2000" dirty="0">
+                <a:latin typeface="Proxima Nova Rg" panose="02000506030000020004" pitchFamily="2" charset="0"/>
+              </a:rPr>
+              <a:t>H2 databases</a:t>
+            </a:r>
+            <a:endParaRPr lang="ru-RU" sz="2000" dirty="0">
+              <a:latin typeface="Proxima Nova Rg" panose="02000506030000020004" pitchFamily="2" charset="0"/>
+            </a:endParaRPr>
+          </a:p>
+        </p:txBody>
+      </p:sp>
+      <p:sp>
+        <p:nvSpPr>
+          <p:cNvPr id="20" name="TextBox 19">
+            <a:extLst>
+              <a:ext uri="{FF2B5EF4-FFF2-40B4-BE49-F238E27FC236}">
+                <a16:creationId xmlns:a16="http://schemas.microsoft.com/office/drawing/2014/main" id="{0F20ECF9-9ED3-403C-BB0E-6FB3B4E946AD}"/>
+              </a:ext>
+            </a:extLst>
+          </p:cNvPr>
+          <p:cNvSpPr txBox="1"/>
+          <p:nvPr/>
+        </p:nvSpPr>
+        <p:spPr>
+          <a:xfrm>
+            <a:off x="858719" y="2061303"/>
+            <a:ext cx="8911814" cy="707886"/>
+          </a:xfrm>
+          <a:prstGeom prst="rect">
+            <a:avLst/>
+          </a:prstGeom>
+          <a:noFill/>
+        </p:spPr>
+        <p:txBody>
+          <a:bodyPr wrap="square" rtlCol="0">
+            <a:spAutoFit/>
+          </a:bodyPr>
+          <a:lstStyle/>
+          <a:p>
+            <a:r>
+              <a:rPr lang="ru-RU" sz="2000" dirty="0">
+                <a:latin typeface="Proxima Nova Rg" panose="02000506030000020004" pitchFamily="2" charset="0"/>
+              </a:rPr>
+              <a:t>Реализованы </a:t>
+            </a:r>
+            <a:r>
+              <a:rPr lang="en-US" sz="2000" dirty="0">
+                <a:latin typeface="Proxima Nova Rg" panose="02000506030000020004" pitchFamily="2" charset="0"/>
+              </a:rPr>
+              <a:t>POST</a:t>
+            </a:r>
+            <a:r>
+              <a:rPr lang="ru-RU" sz="2000" dirty="0">
+                <a:latin typeface="Proxima Nova Rg" panose="02000506030000020004" pitchFamily="2" charset="0"/>
+              </a:rPr>
+              <a:t>-запросы для добавления пользователей и докторов и добавления пациентов для докторов</a:t>
+            </a:r>
+          </a:p>
+        </p:txBody>
+      </p:sp>
+      <p:sp>
+        <p:nvSpPr>
+          <p:cNvPr id="21" name="TextBox 20">
+            <a:extLst>
+              <a:ext uri="{FF2B5EF4-FFF2-40B4-BE49-F238E27FC236}">
+                <a16:creationId xmlns:a16="http://schemas.microsoft.com/office/drawing/2014/main" id="{8D539027-6127-4321-A6C0-0C5E6EFD8017}"/>
+              </a:ext>
+            </a:extLst>
+          </p:cNvPr>
+          <p:cNvSpPr txBox="1"/>
+          <p:nvPr/>
+        </p:nvSpPr>
+        <p:spPr>
+          <a:xfrm>
+            <a:off x="858719" y="2832072"/>
+            <a:ext cx="8911814" cy="707886"/>
+          </a:xfrm>
+          <a:prstGeom prst="rect">
+            <a:avLst/>
+          </a:prstGeom>
+          <a:noFill/>
+        </p:spPr>
+        <p:txBody>
+          <a:bodyPr wrap="square" rtlCol="0">
+            <a:spAutoFit/>
+          </a:bodyPr>
+          <a:lstStyle/>
+          <a:p>
+            <a:r>
+              <a:rPr lang="ru-RU" sz="2000" dirty="0">
+                <a:latin typeface="Proxima Nova Rg" panose="02000506030000020004" pitchFamily="2" charset="0"/>
+              </a:rPr>
+              <a:t>Реализованы </a:t>
+            </a:r>
+            <a:r>
+              <a:rPr lang="en-US" sz="2000" dirty="0">
+                <a:latin typeface="Proxima Nova Rg" panose="02000506030000020004" pitchFamily="2" charset="0"/>
+              </a:rPr>
+              <a:t>GET</a:t>
+            </a:r>
+            <a:r>
+              <a:rPr lang="ru-RU" sz="2000" dirty="0">
+                <a:latin typeface="Proxima Nova Rg" panose="02000506030000020004" pitchFamily="2" charset="0"/>
+              </a:rPr>
+              <a:t>-запросы для получения данных о пользователях и докторах</a:t>
+            </a:r>
+          </a:p>
+        </p:txBody>
+      </p:sp>
+      <p:sp>
+        <p:nvSpPr>
+          <p:cNvPr id="23" name="TextBox 22">
+            <a:extLst>
+              <a:ext uri="{FF2B5EF4-FFF2-40B4-BE49-F238E27FC236}">
+                <a16:creationId xmlns:a16="http://schemas.microsoft.com/office/drawing/2014/main" id="{BD5AB13F-744F-4302-9BA0-8379E5DAC106}"/>
+              </a:ext>
+            </a:extLst>
+          </p:cNvPr>
+          <p:cNvSpPr txBox="1"/>
+          <p:nvPr/>
+        </p:nvSpPr>
+        <p:spPr>
+          <a:xfrm>
+            <a:off x="858719" y="3602841"/>
+            <a:ext cx="8911814" cy="400110"/>
+          </a:xfrm>
+          <a:prstGeom prst="rect">
+            <a:avLst/>
+          </a:prstGeom>
+          <a:noFill/>
+        </p:spPr>
+        <p:txBody>
+          <a:bodyPr wrap="square" rtlCol="0">
+            <a:spAutoFit/>
+          </a:bodyPr>
+          <a:lstStyle/>
+          <a:p>
+            <a:r>
+              <a:rPr lang="ru-RU" sz="2000" dirty="0">
+                <a:latin typeface="Proxima Nova Rg" panose="02000506030000020004" pitchFamily="2" charset="0"/>
+              </a:rPr>
+              <a:t>Приложение взаимодействует с сервером при помощи </a:t>
+            </a:r>
+            <a:r>
+              <a:rPr lang="en-US" sz="2000" dirty="0">
+                <a:latin typeface="Proxima Nova Rg" panose="02000506030000020004" pitchFamily="2" charset="0"/>
+              </a:rPr>
+              <a:t>Retrofit</a:t>
+            </a:r>
+            <a:endParaRPr lang="ru-RU" sz="2000" dirty="0">
+              <a:latin typeface="Proxima Nova Rg" panose="02000506030000020004" pitchFamily="2" charset="0"/>
+            </a:endParaRPr>
+          </a:p>
+        </p:txBody>
+      </p:sp>
+      <p:sp>
+        <p:nvSpPr>
+          <p:cNvPr id="26" name="TextBox 25">
+            <a:extLst>
+              <a:ext uri="{FF2B5EF4-FFF2-40B4-BE49-F238E27FC236}">
+                <a16:creationId xmlns:a16="http://schemas.microsoft.com/office/drawing/2014/main" id="{6F9A7BE8-29ED-469F-AECC-D84EF2864AD1}"/>
+              </a:ext>
+            </a:extLst>
+          </p:cNvPr>
+          <p:cNvSpPr txBox="1"/>
+          <p:nvPr/>
+        </p:nvSpPr>
+        <p:spPr>
+          <a:xfrm>
+            <a:off x="858719" y="4002951"/>
+            <a:ext cx="8911814" cy="707886"/>
+          </a:xfrm>
+          <a:prstGeom prst="rect">
+            <a:avLst/>
+          </a:prstGeom>
+          <a:noFill/>
+        </p:spPr>
+        <p:txBody>
+          <a:bodyPr wrap="square" rtlCol="0">
+            <a:spAutoFit/>
+          </a:bodyPr>
+          <a:lstStyle/>
+          <a:p>
+            <a:r>
+              <a:rPr lang="ru-RU" sz="2000" dirty="0">
+                <a:latin typeface="Proxima Nova Rg" panose="02000506030000020004" pitchFamily="2" charset="0"/>
+              </a:rPr>
+              <a:t>Ежедневно ночью </a:t>
+            </a:r>
+            <a:r>
+              <a:rPr lang="en-US" sz="2000" dirty="0" err="1">
+                <a:latin typeface="Proxima Nova Rg" panose="02000506030000020004" pitchFamily="2" charset="0"/>
+              </a:rPr>
+              <a:t>AlarmManager</a:t>
+            </a:r>
+            <a:r>
+              <a:rPr lang="en-US" sz="2000" dirty="0">
+                <a:latin typeface="Proxima Nova Rg" panose="02000506030000020004" pitchFamily="2" charset="0"/>
+              </a:rPr>
+              <a:t> </a:t>
+            </a:r>
+            <a:r>
+              <a:rPr lang="ru-RU" sz="2000" dirty="0">
+                <a:latin typeface="Proxima Nova Rg" panose="02000506030000020004" pitchFamily="2" charset="0"/>
+              </a:rPr>
+              <a:t>запускает </a:t>
+            </a:r>
+            <a:r>
+              <a:rPr lang="en-US" sz="2000" dirty="0" err="1">
+                <a:latin typeface="Proxima Nova Rg" panose="02000506030000020004" pitchFamily="2" charset="0"/>
+              </a:rPr>
+              <a:t>SaveService</a:t>
+            </a:r>
+            <a:r>
+              <a:rPr lang="ru-RU" sz="2000" dirty="0">
+                <a:latin typeface="Proxima Nova Rg" panose="02000506030000020004" pitchFamily="2" charset="0"/>
+              </a:rPr>
+              <a:t>, который обнуляет прогресс за день</a:t>
+            </a:r>
+          </a:p>
+        </p:txBody>
+      </p:sp>
+    </p:spTree>
+    <p:extLst>
+      <p:ext uri="{BB962C8B-B14F-4D97-AF65-F5344CB8AC3E}">
+        <p14:creationId xmlns:p14="http://schemas.microsoft.com/office/powerpoint/2010/main" val="3268885394"/>
+      </p:ext>
+    </p:extLst>
+  </p:cSld>
+  <p:clrMapOvr>
+    <a:masterClrMapping/>
+  </p:clrMapOvr>
+  <mc:AlternateContent xmlns:mc="http://schemas.openxmlformats.org/markup-compatibility/2006" xmlns:p159="http://schemas.microsoft.com/office/powerpoint/2015/09/main">
+    <mc:Choice Requires="p159">
+      <p:transition xmlns:p14="http://schemas.microsoft.com/office/powerpoint/2010/main" spd="slow" p14:dur="2000">
+        <p159:morph option="byObject"/>
+      </p:transition>
+    </mc:Choice>
+    <mc:Fallback xmlns="">
+      <p:transition spd="slow">
+        <p:fade/>
+      </p:transition>
+    </mc:Fallback>
+  </mc:AlternateContent>
+</p:sld>
+</file>
+
+<file path=ppt/slides/slide8.xml><?xml version="1.0" encoding="utf-8"?>
+<p:sld xmlns:a="http://schemas.openxmlformats.org/drawingml/2006/main" xmlns:r="http://schemas.openxmlformats.org/officeDocument/2006/relationships" xmlns:p="http://schemas.openxmlformats.org/presentationml/2006/main">
+  <p:cSld>
+    <p:bg>
+      <p:bgPr>
+        <a:solidFill>
+          <a:schemeClr val="bg1"/>
+        </a:solidFill>
+        <a:effectLst/>
+      </p:bgPr>
+    </p:bg>
+    <p:spTree>
+      <p:nvGrpSpPr>
+        <p:cNvPr id="1" name=""/>
+        <p:cNvGrpSpPr/>
+        <p:nvPr/>
+      </p:nvGrpSpPr>
+      <p:grpSpPr>
+        <a:xfrm>
+          <a:off x="0" y="0"/>
+          <a:ext cx="0" cy="0"/>
+          <a:chOff x="0" y="0"/>
+          <a:chExt cx="0" cy="0"/>
+        </a:xfrm>
+      </p:grpSpPr>
+      <p:sp>
+        <p:nvSpPr>
+          <p:cNvPr id="51" name="TextBox 50">
+            <a:extLst>
+              <a:ext uri="{FF2B5EF4-FFF2-40B4-BE49-F238E27FC236}">
+                <a16:creationId xmlns:a16="http://schemas.microsoft.com/office/drawing/2014/main" id="{6F62766A-5DAE-40B9-969F-B4226158BD05}"/>
+              </a:ext>
+            </a:extLst>
+          </p:cNvPr>
+          <p:cNvSpPr txBox="1"/>
+          <p:nvPr/>
+        </p:nvSpPr>
+        <p:spPr>
+          <a:xfrm>
+            <a:off x="2108202" y="397930"/>
+            <a:ext cx="6254747" cy="769441"/>
+          </a:xfrm>
+          <a:prstGeom prst="rect">
+            <a:avLst/>
+          </a:prstGeom>
+          <a:noFill/>
+        </p:spPr>
+        <p:txBody>
+          <a:bodyPr wrap="square" rtlCol="0">
+            <a:spAutoFit/>
+          </a:bodyPr>
+          <a:lstStyle/>
+          <a:p>
+            <a:r>
+              <a:rPr lang="ru-RU" sz="4400" b="1" dirty="0">
+                <a:latin typeface="Proxima Nova Semibold" panose="02000506030000020004" pitchFamily="2" charset="0"/>
+              </a:rPr>
+              <a:t>Итог</a:t>
+            </a:r>
+          </a:p>
+        </p:txBody>
+      </p:sp>
+      <p:pic>
+        <p:nvPicPr>
+          <p:cNvPr id="4" name="Рисунок 3">
+            <a:extLst>
+              <a:ext uri="{FF2B5EF4-FFF2-40B4-BE49-F238E27FC236}">
+                <a16:creationId xmlns:a16="http://schemas.microsoft.com/office/drawing/2014/main" id="{3EEAB0F9-C35B-4A96-B504-407FE2B0E457}"/>
+              </a:ext>
+            </a:extLst>
+          </p:cNvPr>
+          <p:cNvPicPr>
+            <a:picLocks noChangeAspect="1"/>
+          </p:cNvPicPr>
+          <p:nvPr/>
+        </p:nvPicPr>
+        <p:blipFill>
+          <a:blip r:embed="rId2">
+            <a:duotone>
+              <a:prstClr val="black"/>
+              <a:schemeClr val="tx1">
+                <a:tint val="45000"/>
+                <a:satMod val="400000"/>
+              </a:schemeClr>
+            </a:duotone>
+            <a:extLst>
+              <a:ext uri="{28A0092B-C50C-407E-A947-70E740481C1C}">
+                <a14:useLocalDpi xmlns:a14="http://schemas.microsoft.com/office/drawing/2010/main" val="0"/>
+              </a:ext>
+            </a:extLst>
+          </a:blip>
+          <a:stretch>
+            <a:fillRect/>
+          </a:stretch>
+        </p:blipFill>
+        <p:spPr>
+          <a:xfrm>
+            <a:off x="9478317" y="383816"/>
+            <a:ext cx="2270287" cy="797668"/>
+          </a:xfrm>
+          <a:prstGeom prst="rect">
+            <a:avLst/>
+          </a:prstGeom>
+        </p:spPr>
+      </p:pic>
+      <p:sp>
+        <p:nvSpPr>
+          <p:cNvPr id="2" name="Номер слайда 1">
+            <a:extLst>
+              <a:ext uri="{FF2B5EF4-FFF2-40B4-BE49-F238E27FC236}">
+                <a16:creationId xmlns:a16="http://schemas.microsoft.com/office/drawing/2014/main" id="{C63A57DE-9045-4AA7-AADC-A57954293E30}"/>
+              </a:ext>
+            </a:extLst>
+          </p:cNvPr>
+          <p:cNvSpPr>
+            <a:spLocks noGrp="1"/>
+          </p:cNvSpPr>
+          <p:nvPr>
+            <p:ph type="sldNum" sz="quarter" idx="12"/>
+          </p:nvPr>
+        </p:nvSpPr>
+        <p:spPr>
+          <a:xfrm>
+            <a:off x="9005404" y="6205896"/>
+            <a:ext cx="2743200" cy="365125"/>
+          </a:xfrm>
+        </p:spPr>
+        <p:txBody>
+          <a:bodyPr/>
+          <a:lstStyle/>
+          <a:p>
+            <a:fld id="{6107D050-46E0-4881-B04B-F42EFC24E18C}" type="slidenum">
+              <a:rPr lang="ru-RU" sz="1600" smtClean="0">
+                <a:solidFill>
+                  <a:schemeClr val="tx1"/>
+                </a:solidFill>
+                <a:latin typeface="Proxima Nova Semibold" panose="02000506030000020004" pitchFamily="2" charset="0"/>
+              </a:rPr>
+              <a:t>8</a:t>
+            </a:fld>
+            <a:endParaRPr lang="ru-RU" sz="1600" dirty="0">
+              <a:solidFill>
+                <a:schemeClr val="tx1"/>
+              </a:solidFill>
+              <a:latin typeface="Proxima Nova Semibold" panose="02000506030000020004" pitchFamily="2" charset="0"/>
+            </a:endParaRPr>
+          </a:p>
+        </p:txBody>
+      </p:sp>
+      <p:sp>
+        <p:nvSpPr>
+          <p:cNvPr id="19" name="TextBox 18">
+            <a:extLst>
+              <a:ext uri="{FF2B5EF4-FFF2-40B4-BE49-F238E27FC236}">
+                <a16:creationId xmlns:a16="http://schemas.microsoft.com/office/drawing/2014/main" id="{901FBF26-DA3E-4388-A71C-425B89970B4D}"/>
+              </a:ext>
+            </a:extLst>
+          </p:cNvPr>
+          <p:cNvSpPr txBox="1"/>
+          <p:nvPr/>
+        </p:nvSpPr>
+        <p:spPr>
+          <a:xfrm>
+            <a:off x="858719" y="1598310"/>
+            <a:ext cx="10317281" cy="707886"/>
+          </a:xfrm>
+          <a:prstGeom prst="rect">
+            <a:avLst/>
+          </a:prstGeom>
+          <a:noFill/>
+        </p:spPr>
+        <p:txBody>
+          <a:bodyPr wrap="square" rtlCol="0">
+            <a:spAutoFit/>
+          </a:bodyPr>
+          <a:lstStyle/>
+          <a:p>
+            <a:r>
+              <a:rPr lang="ru-RU" sz="2000" dirty="0">
+                <a:latin typeface="Proxima Nova Rg" panose="02000506030000020004" pitchFamily="2" charset="0"/>
+              </a:rPr>
+              <a:t>Основную свою задачу приложение выполняет, но не реализовано взаимодействие пользователя и доктора</a:t>
+            </a:r>
+            <a:endParaRPr lang="ru-RU" sz="2000" dirty="0">
+              <a:latin typeface="Proxima Nova Semibold" panose="02000506030000020004" pitchFamily="2" charset="0"/>
+            </a:endParaRPr>
+          </a:p>
+        </p:txBody>
+      </p:sp>
+      <p:sp>
+        <p:nvSpPr>
+          <p:cNvPr id="10" name="TextBox 9">
+            <a:extLst>
+              <a:ext uri="{FF2B5EF4-FFF2-40B4-BE49-F238E27FC236}">
+                <a16:creationId xmlns:a16="http://schemas.microsoft.com/office/drawing/2014/main" id="{13620AD5-7359-42A4-A330-793749A53268}"/>
+              </a:ext>
+            </a:extLst>
+          </p:cNvPr>
+          <p:cNvSpPr txBox="1"/>
+          <p:nvPr/>
+        </p:nvSpPr>
+        <p:spPr>
+          <a:xfrm>
+            <a:off x="858718" y="2383192"/>
+            <a:ext cx="10317281" cy="1323439"/>
+          </a:xfrm>
+          <a:prstGeom prst="rect">
+            <a:avLst/>
+          </a:prstGeom>
+          <a:noFill/>
+        </p:spPr>
+        <p:txBody>
+          <a:bodyPr wrap="square" rtlCol="0">
+            <a:spAutoFit/>
+          </a:bodyPr>
+          <a:lstStyle/>
+          <a:p>
+            <a:r>
+              <a:rPr lang="ru-RU" sz="2000" dirty="0">
+                <a:latin typeface="Proxima Nova Semibold" panose="02000506030000020004" pitchFamily="2" charset="0"/>
+              </a:rPr>
+              <a:t>Планы на будущее</a:t>
+            </a:r>
+            <a:r>
+              <a:rPr lang="en-US" sz="2000" dirty="0">
+                <a:latin typeface="Proxima Nova Semibold" panose="02000506030000020004" pitchFamily="2" charset="0"/>
+              </a:rPr>
+              <a:t>:</a:t>
+            </a:r>
+          </a:p>
+          <a:p>
+            <a:pPr marL="342900" indent="-342900">
+              <a:buFont typeface="Arial" panose="020B0604020202020204" pitchFamily="34" charset="0"/>
+              <a:buChar char="•"/>
+            </a:pPr>
+            <a:r>
+              <a:rPr lang="ru-RU" sz="2000" dirty="0">
+                <a:latin typeface="Proxima Nova Rg" panose="02000506030000020004" pitchFamily="2" charset="0"/>
+              </a:rPr>
+              <a:t>Доделать взаимодействие пользователь-пациент</a:t>
+            </a:r>
+          </a:p>
+          <a:p>
+            <a:pPr marL="342900" indent="-342900">
+              <a:buFont typeface="Arial" panose="020B0604020202020204" pitchFamily="34" charset="0"/>
+              <a:buChar char="•"/>
+            </a:pPr>
+            <a:r>
+              <a:rPr lang="ru-RU" sz="2000" dirty="0">
+                <a:latin typeface="Proxima Nova Rg" panose="02000506030000020004" pitchFamily="2" charset="0"/>
+              </a:rPr>
+              <a:t>Реализовать докторскую часть приложения</a:t>
+            </a:r>
+          </a:p>
+          <a:p>
+            <a:pPr marL="342900" indent="-342900">
+              <a:buFont typeface="Arial" panose="020B0604020202020204" pitchFamily="34" charset="0"/>
+              <a:buChar char="•"/>
+            </a:pPr>
+            <a:r>
+              <a:rPr lang="ru-RU" sz="2000" dirty="0">
+                <a:latin typeface="Proxima Nova Rg" panose="02000506030000020004" pitchFamily="2" charset="0"/>
+              </a:rPr>
+              <a:t>Реализовать рейтинг среди друзей</a:t>
+            </a:r>
+          </a:p>
+        </p:txBody>
+      </p:sp>
+    </p:spTree>
+    <p:extLst>
+      <p:ext uri="{BB962C8B-B14F-4D97-AF65-F5344CB8AC3E}">
+        <p14:creationId xmlns:p14="http://schemas.microsoft.com/office/powerpoint/2010/main" val="4258435967"/>
+      </p:ext>
+    </p:extLst>
+  </p:cSld>
+  <p:clrMapOvr>
+    <a:masterClrMapping/>
+  </p:clrMapOvr>
+  <mc:AlternateContent xmlns:mc="http://schemas.openxmlformats.org/markup-compatibility/2006">
+    <mc:Choice xmlns:p159="http://schemas.microsoft.com/office/powerpoint/2015/09/main" Requires="p159">
+      <p:transition xmlns:p14="http://schemas.microsoft.com/office/powerpoint/2010/main" spd="slow" p14:dur="2000">
+        <p159:morph option="byObject"/>
+      </p:transition>
+    </mc:Choice>
+    <mc:Fallback>
+      <p:transition spd="slow">
+        <p:fade/>
+      </p:transition>
+    </mc:Fallback>
+  </mc:AlternateContent>
+</p:sld>
+</file>
+
+<file path=ppt/slides/slide9.xml><?xml version="1.0" encoding="utf-8"?>
 <p:sld xmlns:a="http://schemas.openxmlformats.org/drawingml/2006/main" xmlns:r="http://schemas.openxmlformats.org/officeDocument/2006/relationships" xmlns:p="http://schemas.openxmlformats.org/presentationml/2006/main">
   <p:cSld>
     <p:spTree>
@@ -3524,228 +9686,2205 @@
           <a:chExt cx="0" cy="0"/>
         </a:xfrm>
       </p:grpSpPr>
+      <p:grpSp>
+        <p:nvGrpSpPr>
+          <p:cNvPr id="181" name="Группа 180">
+            <a:extLst>
+              <a:ext uri="{FF2B5EF4-FFF2-40B4-BE49-F238E27FC236}">
+                <a16:creationId xmlns:a16="http://schemas.microsoft.com/office/drawing/2014/main" id="{54458CD5-C97E-4B55-9E68-8BD43DB26798}"/>
+              </a:ext>
+            </a:extLst>
+          </p:cNvPr>
+          <p:cNvGrpSpPr/>
+          <p:nvPr/>
+        </p:nvGrpSpPr>
+        <p:grpSpPr>
+          <a:xfrm>
+            <a:off x="-5096604" y="-1581652"/>
+            <a:ext cx="1119845" cy="607845"/>
+            <a:chOff x="2542672" y="1617264"/>
+            <a:chExt cx="1904246" cy="1033614"/>
+          </a:xfrm>
+        </p:grpSpPr>
+        <p:sp>
+          <p:nvSpPr>
+            <p:cNvPr id="182" name="Равнобедренный треугольник 181">
+              <a:extLst>
+                <a:ext uri="{FF2B5EF4-FFF2-40B4-BE49-F238E27FC236}">
+                  <a16:creationId xmlns:a16="http://schemas.microsoft.com/office/drawing/2014/main" id="{3357208F-5AC8-4CE9-8F9A-DB9E4BDDE1DD}"/>
+                </a:ext>
+              </a:extLst>
+            </p:cNvPr>
+            <p:cNvSpPr/>
+            <p:nvPr/>
+          </p:nvSpPr>
+          <p:spPr>
+            <a:xfrm rot="16200000">
+              <a:off x="3400919" y="1604878"/>
+              <a:ext cx="1033614" cy="1058385"/>
+            </a:xfrm>
+            <a:prstGeom prst="triangle">
+              <a:avLst/>
+            </a:prstGeom>
+            <a:solidFill>
+              <a:schemeClr val="bg1"/>
+            </a:solidFill>
+            <a:ln w="3175">
+              <a:solidFill>
+                <a:schemeClr val="bg1">
+                  <a:lumMod val="50000"/>
+                </a:schemeClr>
+              </a:solidFill>
+            </a:ln>
+          </p:spPr>
+          <p:style>
+            <a:lnRef idx="2">
+              <a:schemeClr val="accent1">
+                <a:shade val="50000"/>
+              </a:schemeClr>
+            </a:lnRef>
+            <a:fillRef idx="1">
+              <a:schemeClr val="accent1"/>
+            </a:fillRef>
+            <a:effectRef idx="0">
+              <a:schemeClr val="accent1"/>
+            </a:effectRef>
+            <a:fontRef idx="minor">
+              <a:schemeClr val="lt1"/>
+            </a:fontRef>
+          </p:style>
+          <p:txBody>
+            <a:bodyPr rtlCol="0" anchor="ctr"/>
+            <a:lstStyle/>
+            <a:p>
+              <a:pPr algn="ctr"/>
+              <a:endParaRPr lang="ru-RU"/>
+            </a:p>
+          </p:txBody>
+        </p:sp>
+        <p:sp>
+          <p:nvSpPr>
+            <p:cNvPr id="183" name="Равнобедренный треугольник 182">
+              <a:extLst>
+                <a:ext uri="{FF2B5EF4-FFF2-40B4-BE49-F238E27FC236}">
+                  <a16:creationId xmlns:a16="http://schemas.microsoft.com/office/drawing/2014/main" id="{4B01FC39-B095-4D71-B8B8-67D14938CB0A}"/>
+                </a:ext>
+              </a:extLst>
+            </p:cNvPr>
+            <p:cNvSpPr/>
+            <p:nvPr/>
+          </p:nvSpPr>
+          <p:spPr>
+            <a:xfrm rot="5400000">
+              <a:off x="2555058" y="1604878"/>
+              <a:ext cx="1033614" cy="1058385"/>
+            </a:xfrm>
+            <a:prstGeom prst="triangle">
+              <a:avLst/>
+            </a:prstGeom>
+            <a:solidFill>
+              <a:schemeClr val="bg1"/>
+            </a:solidFill>
+            <a:ln w="3175">
+              <a:solidFill>
+                <a:schemeClr val="bg1">
+                  <a:lumMod val="50000"/>
+                </a:schemeClr>
+              </a:solidFill>
+            </a:ln>
+          </p:spPr>
+          <p:style>
+            <a:lnRef idx="2">
+              <a:schemeClr val="accent1">
+                <a:shade val="50000"/>
+              </a:schemeClr>
+            </a:lnRef>
+            <a:fillRef idx="1">
+              <a:schemeClr val="accent1"/>
+            </a:fillRef>
+            <a:effectRef idx="0">
+              <a:schemeClr val="accent1"/>
+            </a:effectRef>
+            <a:fontRef idx="minor">
+              <a:schemeClr val="lt1"/>
+            </a:fontRef>
+          </p:style>
+          <p:txBody>
+            <a:bodyPr rtlCol="0" anchor="ctr"/>
+            <a:lstStyle/>
+            <a:p>
+              <a:pPr algn="ctr"/>
+              <a:endParaRPr lang="ru-RU"/>
+            </a:p>
+          </p:txBody>
+        </p:sp>
+        <p:sp>
+          <p:nvSpPr>
+            <p:cNvPr id="184" name="Прямоугольник 183">
+              <a:extLst>
+                <a:ext uri="{FF2B5EF4-FFF2-40B4-BE49-F238E27FC236}">
+                  <a16:creationId xmlns:a16="http://schemas.microsoft.com/office/drawing/2014/main" id="{C724DD75-6DB0-4A3C-BBAD-9CB04E539575}"/>
+                </a:ext>
+              </a:extLst>
+            </p:cNvPr>
+            <p:cNvSpPr/>
+            <p:nvPr/>
+          </p:nvSpPr>
+          <p:spPr>
+            <a:xfrm>
+              <a:off x="3238500" y="1958641"/>
+              <a:ext cx="511969" cy="357207"/>
+            </a:xfrm>
+            <a:prstGeom prst="rect">
+              <a:avLst/>
+            </a:prstGeom>
+            <a:solidFill>
+              <a:schemeClr val="bg1"/>
+            </a:solidFill>
+            <a:ln>
+              <a:solidFill>
+                <a:schemeClr val="bg1">
+                  <a:lumMod val="50000"/>
+                </a:schemeClr>
+              </a:solidFill>
+            </a:ln>
+          </p:spPr>
+          <p:style>
+            <a:lnRef idx="2">
+              <a:schemeClr val="accent1">
+                <a:shade val="50000"/>
+              </a:schemeClr>
+            </a:lnRef>
+            <a:fillRef idx="1">
+              <a:schemeClr val="accent1"/>
+            </a:fillRef>
+            <a:effectRef idx="0">
+              <a:schemeClr val="accent1"/>
+            </a:effectRef>
+            <a:fontRef idx="minor">
+              <a:schemeClr val="lt1"/>
+            </a:fontRef>
+          </p:style>
+          <p:txBody>
+            <a:bodyPr rtlCol="0" anchor="ctr"/>
+            <a:lstStyle/>
+            <a:p>
+              <a:pPr algn="ctr"/>
+              <a:endParaRPr lang="ru-RU"/>
+            </a:p>
+          </p:txBody>
+        </p:sp>
+      </p:grpSp>
+      <p:grpSp>
+        <p:nvGrpSpPr>
+          <p:cNvPr id="189" name="Группа 188">
+            <a:extLst>
+              <a:ext uri="{FF2B5EF4-FFF2-40B4-BE49-F238E27FC236}">
+                <a16:creationId xmlns:a16="http://schemas.microsoft.com/office/drawing/2014/main" id="{7A7513D4-F455-48E6-A47B-7D9657403C38}"/>
+              </a:ext>
+            </a:extLst>
+          </p:cNvPr>
+          <p:cNvGrpSpPr/>
+          <p:nvPr/>
+        </p:nvGrpSpPr>
+        <p:grpSpPr>
+          <a:xfrm>
+            <a:off x="-5096604" y="-607845"/>
+            <a:ext cx="1119845" cy="607845"/>
+            <a:chOff x="2542672" y="1617264"/>
+            <a:chExt cx="1904246" cy="1033614"/>
+          </a:xfrm>
+        </p:grpSpPr>
+        <p:sp>
+          <p:nvSpPr>
+            <p:cNvPr id="190" name="Равнобедренный треугольник 189">
+              <a:extLst>
+                <a:ext uri="{FF2B5EF4-FFF2-40B4-BE49-F238E27FC236}">
+                  <a16:creationId xmlns:a16="http://schemas.microsoft.com/office/drawing/2014/main" id="{6911A305-6672-4E8D-8B8C-B90D050B7709}"/>
+                </a:ext>
+              </a:extLst>
+            </p:cNvPr>
+            <p:cNvSpPr/>
+            <p:nvPr/>
+          </p:nvSpPr>
+          <p:spPr>
+            <a:xfrm rot="16200000">
+              <a:off x="3400919" y="1604878"/>
+              <a:ext cx="1033614" cy="1058385"/>
+            </a:xfrm>
+            <a:prstGeom prst="triangle">
+              <a:avLst/>
+            </a:prstGeom>
+            <a:solidFill>
+              <a:schemeClr val="bg1"/>
+            </a:solidFill>
+            <a:ln w="3175">
+              <a:solidFill>
+                <a:schemeClr val="bg1">
+                  <a:lumMod val="50000"/>
+                </a:schemeClr>
+              </a:solidFill>
+            </a:ln>
+          </p:spPr>
+          <p:style>
+            <a:lnRef idx="2">
+              <a:schemeClr val="accent1">
+                <a:shade val="50000"/>
+              </a:schemeClr>
+            </a:lnRef>
+            <a:fillRef idx="1">
+              <a:schemeClr val="accent1"/>
+            </a:fillRef>
+            <a:effectRef idx="0">
+              <a:schemeClr val="accent1"/>
+            </a:effectRef>
+            <a:fontRef idx="minor">
+              <a:schemeClr val="lt1"/>
+            </a:fontRef>
+          </p:style>
+          <p:txBody>
+            <a:bodyPr rtlCol="0" anchor="ctr"/>
+            <a:lstStyle/>
+            <a:p>
+              <a:pPr algn="ctr"/>
+              <a:endParaRPr lang="ru-RU"/>
+            </a:p>
+          </p:txBody>
+        </p:sp>
+        <p:sp>
+          <p:nvSpPr>
+            <p:cNvPr id="191" name="Равнобедренный треугольник 190">
+              <a:extLst>
+                <a:ext uri="{FF2B5EF4-FFF2-40B4-BE49-F238E27FC236}">
+                  <a16:creationId xmlns:a16="http://schemas.microsoft.com/office/drawing/2014/main" id="{4A3746C2-0076-4C2B-B887-3BF17FB9F251}"/>
+                </a:ext>
+              </a:extLst>
+            </p:cNvPr>
+            <p:cNvSpPr/>
+            <p:nvPr/>
+          </p:nvSpPr>
+          <p:spPr>
+            <a:xfrm rot="5400000">
+              <a:off x="2555058" y="1604878"/>
+              <a:ext cx="1033614" cy="1058385"/>
+            </a:xfrm>
+            <a:prstGeom prst="triangle">
+              <a:avLst/>
+            </a:prstGeom>
+            <a:solidFill>
+              <a:schemeClr val="bg1"/>
+            </a:solidFill>
+            <a:ln w="3175">
+              <a:solidFill>
+                <a:schemeClr val="bg1">
+                  <a:lumMod val="50000"/>
+                </a:schemeClr>
+              </a:solidFill>
+            </a:ln>
+          </p:spPr>
+          <p:style>
+            <a:lnRef idx="2">
+              <a:schemeClr val="accent1">
+                <a:shade val="50000"/>
+              </a:schemeClr>
+            </a:lnRef>
+            <a:fillRef idx="1">
+              <a:schemeClr val="accent1"/>
+            </a:fillRef>
+            <a:effectRef idx="0">
+              <a:schemeClr val="accent1"/>
+            </a:effectRef>
+            <a:fontRef idx="minor">
+              <a:schemeClr val="lt1"/>
+            </a:fontRef>
+          </p:style>
+          <p:txBody>
+            <a:bodyPr rtlCol="0" anchor="ctr"/>
+            <a:lstStyle/>
+            <a:p>
+              <a:pPr algn="ctr"/>
+              <a:endParaRPr lang="ru-RU"/>
+            </a:p>
+          </p:txBody>
+        </p:sp>
+        <p:sp>
+          <p:nvSpPr>
+            <p:cNvPr id="192" name="Прямоугольник 191">
+              <a:extLst>
+                <a:ext uri="{FF2B5EF4-FFF2-40B4-BE49-F238E27FC236}">
+                  <a16:creationId xmlns:a16="http://schemas.microsoft.com/office/drawing/2014/main" id="{25E56D62-8D02-4166-9E37-4C6F9EE68011}"/>
+                </a:ext>
+              </a:extLst>
+            </p:cNvPr>
+            <p:cNvSpPr/>
+            <p:nvPr/>
+          </p:nvSpPr>
+          <p:spPr>
+            <a:xfrm>
+              <a:off x="3238500" y="1958641"/>
+              <a:ext cx="511969" cy="357207"/>
+            </a:xfrm>
+            <a:prstGeom prst="rect">
+              <a:avLst/>
+            </a:prstGeom>
+            <a:solidFill>
+              <a:schemeClr val="bg1"/>
+            </a:solidFill>
+            <a:ln>
+              <a:solidFill>
+                <a:schemeClr val="bg1">
+                  <a:lumMod val="50000"/>
+                </a:schemeClr>
+              </a:solidFill>
+            </a:ln>
+          </p:spPr>
+          <p:style>
+            <a:lnRef idx="2">
+              <a:schemeClr val="accent1">
+                <a:shade val="50000"/>
+              </a:schemeClr>
+            </a:lnRef>
+            <a:fillRef idx="1">
+              <a:schemeClr val="accent1"/>
+            </a:fillRef>
+            <a:effectRef idx="0">
+              <a:schemeClr val="accent1"/>
+            </a:effectRef>
+            <a:fontRef idx="minor">
+              <a:schemeClr val="lt1"/>
+            </a:fontRef>
+          </p:style>
+          <p:txBody>
+            <a:bodyPr rtlCol="0" anchor="ctr"/>
+            <a:lstStyle/>
+            <a:p>
+              <a:pPr algn="ctr"/>
+              <a:endParaRPr lang="ru-RU"/>
+            </a:p>
+          </p:txBody>
+        </p:sp>
+      </p:grpSp>
+      <p:grpSp>
+        <p:nvGrpSpPr>
+          <p:cNvPr id="197" name="Группа 196">
+            <a:extLst>
+              <a:ext uri="{FF2B5EF4-FFF2-40B4-BE49-F238E27FC236}">
+                <a16:creationId xmlns:a16="http://schemas.microsoft.com/office/drawing/2014/main" id="{BE6AC780-7077-49F4-9C6E-5E0CF5EF5704}"/>
+              </a:ext>
+            </a:extLst>
+          </p:cNvPr>
+          <p:cNvGrpSpPr/>
+          <p:nvPr/>
+        </p:nvGrpSpPr>
+        <p:grpSpPr>
+          <a:xfrm>
+            <a:off x="-5096604" y="-2593798"/>
+            <a:ext cx="1119845" cy="607845"/>
+            <a:chOff x="2542672" y="1617264"/>
+            <a:chExt cx="1904246" cy="1033614"/>
+          </a:xfrm>
+        </p:grpSpPr>
+        <p:sp>
+          <p:nvSpPr>
+            <p:cNvPr id="198" name="Равнобедренный треугольник 197">
+              <a:extLst>
+                <a:ext uri="{FF2B5EF4-FFF2-40B4-BE49-F238E27FC236}">
+                  <a16:creationId xmlns:a16="http://schemas.microsoft.com/office/drawing/2014/main" id="{5E2E2FB9-A6E6-4BF2-A276-DCF44BFBD49E}"/>
+                </a:ext>
+              </a:extLst>
+            </p:cNvPr>
+            <p:cNvSpPr/>
+            <p:nvPr/>
+          </p:nvSpPr>
+          <p:spPr>
+            <a:xfrm rot="16200000">
+              <a:off x="3400919" y="1604878"/>
+              <a:ext cx="1033614" cy="1058385"/>
+            </a:xfrm>
+            <a:prstGeom prst="triangle">
+              <a:avLst/>
+            </a:prstGeom>
+            <a:solidFill>
+              <a:schemeClr val="bg1"/>
+            </a:solidFill>
+            <a:ln w="3175">
+              <a:solidFill>
+                <a:schemeClr val="bg1">
+                  <a:lumMod val="50000"/>
+                </a:schemeClr>
+              </a:solidFill>
+            </a:ln>
+          </p:spPr>
+          <p:style>
+            <a:lnRef idx="2">
+              <a:schemeClr val="accent1">
+                <a:shade val="50000"/>
+              </a:schemeClr>
+            </a:lnRef>
+            <a:fillRef idx="1">
+              <a:schemeClr val="accent1"/>
+            </a:fillRef>
+            <a:effectRef idx="0">
+              <a:schemeClr val="accent1"/>
+            </a:effectRef>
+            <a:fontRef idx="minor">
+              <a:schemeClr val="lt1"/>
+            </a:fontRef>
+          </p:style>
+          <p:txBody>
+            <a:bodyPr rtlCol="0" anchor="ctr"/>
+            <a:lstStyle/>
+            <a:p>
+              <a:pPr algn="ctr"/>
+              <a:endParaRPr lang="ru-RU"/>
+            </a:p>
+          </p:txBody>
+        </p:sp>
+        <p:sp>
+          <p:nvSpPr>
+            <p:cNvPr id="199" name="Равнобедренный треугольник 198">
+              <a:extLst>
+                <a:ext uri="{FF2B5EF4-FFF2-40B4-BE49-F238E27FC236}">
+                  <a16:creationId xmlns:a16="http://schemas.microsoft.com/office/drawing/2014/main" id="{FE5A555B-C5CE-4341-AB1E-725CFF4B06A0}"/>
+                </a:ext>
+              </a:extLst>
+            </p:cNvPr>
+            <p:cNvSpPr/>
+            <p:nvPr/>
+          </p:nvSpPr>
+          <p:spPr>
+            <a:xfrm rot="5400000">
+              <a:off x="2555058" y="1604878"/>
+              <a:ext cx="1033614" cy="1058385"/>
+            </a:xfrm>
+            <a:prstGeom prst="triangle">
+              <a:avLst/>
+            </a:prstGeom>
+            <a:solidFill>
+              <a:schemeClr val="bg1"/>
+            </a:solidFill>
+            <a:ln w="3175">
+              <a:solidFill>
+                <a:schemeClr val="bg1">
+                  <a:lumMod val="50000"/>
+                </a:schemeClr>
+              </a:solidFill>
+            </a:ln>
+          </p:spPr>
+          <p:style>
+            <a:lnRef idx="2">
+              <a:schemeClr val="accent1">
+                <a:shade val="50000"/>
+              </a:schemeClr>
+            </a:lnRef>
+            <a:fillRef idx="1">
+              <a:schemeClr val="accent1"/>
+            </a:fillRef>
+            <a:effectRef idx="0">
+              <a:schemeClr val="accent1"/>
+            </a:effectRef>
+            <a:fontRef idx="minor">
+              <a:schemeClr val="lt1"/>
+            </a:fontRef>
+          </p:style>
+          <p:txBody>
+            <a:bodyPr rtlCol="0" anchor="ctr"/>
+            <a:lstStyle/>
+            <a:p>
+              <a:pPr algn="ctr"/>
+              <a:endParaRPr lang="ru-RU"/>
+            </a:p>
+          </p:txBody>
+        </p:sp>
+        <p:sp>
+          <p:nvSpPr>
+            <p:cNvPr id="200" name="Прямоугольник 199">
+              <a:extLst>
+                <a:ext uri="{FF2B5EF4-FFF2-40B4-BE49-F238E27FC236}">
+                  <a16:creationId xmlns:a16="http://schemas.microsoft.com/office/drawing/2014/main" id="{C744B9F8-82B2-4D99-9B65-97930787E31C}"/>
+                </a:ext>
+              </a:extLst>
+            </p:cNvPr>
+            <p:cNvSpPr/>
+            <p:nvPr/>
+          </p:nvSpPr>
+          <p:spPr>
+            <a:xfrm>
+              <a:off x="3238500" y="1958641"/>
+              <a:ext cx="511969" cy="357207"/>
+            </a:xfrm>
+            <a:prstGeom prst="rect">
+              <a:avLst/>
+            </a:prstGeom>
+            <a:solidFill>
+              <a:schemeClr val="bg1"/>
+            </a:solidFill>
+            <a:ln>
+              <a:solidFill>
+                <a:schemeClr val="bg1">
+                  <a:lumMod val="50000"/>
+                </a:schemeClr>
+              </a:solidFill>
+            </a:ln>
+          </p:spPr>
+          <p:style>
+            <a:lnRef idx="2">
+              <a:schemeClr val="accent1">
+                <a:shade val="50000"/>
+              </a:schemeClr>
+            </a:lnRef>
+            <a:fillRef idx="1">
+              <a:schemeClr val="accent1"/>
+            </a:fillRef>
+            <a:effectRef idx="0">
+              <a:schemeClr val="accent1"/>
+            </a:effectRef>
+            <a:fontRef idx="minor">
+              <a:schemeClr val="lt1"/>
+            </a:fontRef>
+          </p:style>
+          <p:txBody>
+            <a:bodyPr rtlCol="0" anchor="ctr"/>
+            <a:lstStyle/>
+            <a:p>
+              <a:pPr algn="ctr"/>
+              <a:endParaRPr lang="ru-RU"/>
+            </a:p>
+          </p:txBody>
+        </p:sp>
+      </p:grpSp>
+      <p:grpSp>
+        <p:nvGrpSpPr>
+          <p:cNvPr id="205" name="Группа 204">
+            <a:extLst>
+              <a:ext uri="{FF2B5EF4-FFF2-40B4-BE49-F238E27FC236}">
+                <a16:creationId xmlns:a16="http://schemas.microsoft.com/office/drawing/2014/main" id="{94B0A93A-1B4A-4CCE-8226-E003C4783414}"/>
+              </a:ext>
+            </a:extLst>
+          </p:cNvPr>
+          <p:cNvGrpSpPr/>
+          <p:nvPr/>
+        </p:nvGrpSpPr>
+        <p:grpSpPr>
+          <a:xfrm>
+            <a:off x="-3652558" y="-2593798"/>
+            <a:ext cx="1119845" cy="607845"/>
+            <a:chOff x="2542672" y="1617264"/>
+            <a:chExt cx="1904246" cy="1033614"/>
+          </a:xfrm>
+        </p:grpSpPr>
+        <p:sp>
+          <p:nvSpPr>
+            <p:cNvPr id="206" name="Равнобедренный треугольник 205">
+              <a:extLst>
+                <a:ext uri="{FF2B5EF4-FFF2-40B4-BE49-F238E27FC236}">
+                  <a16:creationId xmlns:a16="http://schemas.microsoft.com/office/drawing/2014/main" id="{F846A067-A767-4ECE-9545-2A976F62D4BE}"/>
+                </a:ext>
+              </a:extLst>
+            </p:cNvPr>
+            <p:cNvSpPr/>
+            <p:nvPr/>
+          </p:nvSpPr>
+          <p:spPr>
+            <a:xfrm rot="16200000">
+              <a:off x="3400919" y="1604878"/>
+              <a:ext cx="1033614" cy="1058385"/>
+            </a:xfrm>
+            <a:prstGeom prst="triangle">
+              <a:avLst/>
+            </a:prstGeom>
+            <a:solidFill>
+              <a:schemeClr val="bg1"/>
+            </a:solidFill>
+            <a:ln w="3175">
+              <a:solidFill>
+                <a:schemeClr val="bg1">
+                  <a:lumMod val="50000"/>
+                </a:schemeClr>
+              </a:solidFill>
+            </a:ln>
+          </p:spPr>
+          <p:style>
+            <a:lnRef idx="2">
+              <a:schemeClr val="accent1">
+                <a:shade val="50000"/>
+              </a:schemeClr>
+            </a:lnRef>
+            <a:fillRef idx="1">
+              <a:schemeClr val="accent1"/>
+            </a:fillRef>
+            <a:effectRef idx="0">
+              <a:schemeClr val="accent1"/>
+            </a:effectRef>
+            <a:fontRef idx="minor">
+              <a:schemeClr val="lt1"/>
+            </a:fontRef>
+          </p:style>
+          <p:txBody>
+            <a:bodyPr rtlCol="0" anchor="ctr"/>
+            <a:lstStyle/>
+            <a:p>
+              <a:pPr algn="ctr"/>
+              <a:endParaRPr lang="ru-RU"/>
+            </a:p>
+          </p:txBody>
+        </p:sp>
+        <p:sp>
+          <p:nvSpPr>
+            <p:cNvPr id="207" name="Равнобедренный треугольник 206">
+              <a:extLst>
+                <a:ext uri="{FF2B5EF4-FFF2-40B4-BE49-F238E27FC236}">
+                  <a16:creationId xmlns:a16="http://schemas.microsoft.com/office/drawing/2014/main" id="{9C5E9D2A-7650-4EAC-A131-0F6634EFB850}"/>
+                </a:ext>
+              </a:extLst>
+            </p:cNvPr>
+            <p:cNvSpPr/>
+            <p:nvPr/>
+          </p:nvSpPr>
+          <p:spPr>
+            <a:xfrm rot="5400000">
+              <a:off x="2555058" y="1604878"/>
+              <a:ext cx="1033614" cy="1058385"/>
+            </a:xfrm>
+            <a:prstGeom prst="triangle">
+              <a:avLst/>
+            </a:prstGeom>
+            <a:solidFill>
+              <a:schemeClr val="bg1"/>
+            </a:solidFill>
+            <a:ln w="3175">
+              <a:solidFill>
+                <a:schemeClr val="bg1">
+                  <a:lumMod val="50000"/>
+                </a:schemeClr>
+              </a:solidFill>
+            </a:ln>
+          </p:spPr>
+          <p:style>
+            <a:lnRef idx="2">
+              <a:schemeClr val="accent1">
+                <a:shade val="50000"/>
+              </a:schemeClr>
+            </a:lnRef>
+            <a:fillRef idx="1">
+              <a:schemeClr val="accent1"/>
+            </a:fillRef>
+            <a:effectRef idx="0">
+              <a:schemeClr val="accent1"/>
+            </a:effectRef>
+            <a:fontRef idx="minor">
+              <a:schemeClr val="lt1"/>
+            </a:fontRef>
+          </p:style>
+          <p:txBody>
+            <a:bodyPr rtlCol="0" anchor="ctr"/>
+            <a:lstStyle/>
+            <a:p>
+              <a:pPr algn="ctr"/>
+              <a:endParaRPr lang="ru-RU"/>
+            </a:p>
+          </p:txBody>
+        </p:sp>
+        <p:sp>
+          <p:nvSpPr>
+            <p:cNvPr id="208" name="Прямоугольник 207">
+              <a:extLst>
+                <a:ext uri="{FF2B5EF4-FFF2-40B4-BE49-F238E27FC236}">
+                  <a16:creationId xmlns:a16="http://schemas.microsoft.com/office/drawing/2014/main" id="{FCEE3685-1C08-438F-A2F4-AB45197AE0A8}"/>
+                </a:ext>
+              </a:extLst>
+            </p:cNvPr>
+            <p:cNvSpPr/>
+            <p:nvPr/>
+          </p:nvSpPr>
+          <p:spPr>
+            <a:xfrm>
+              <a:off x="3238500" y="1958641"/>
+              <a:ext cx="511969" cy="357207"/>
+            </a:xfrm>
+            <a:prstGeom prst="rect">
+              <a:avLst/>
+            </a:prstGeom>
+            <a:solidFill>
+              <a:schemeClr val="bg1"/>
+            </a:solidFill>
+            <a:ln>
+              <a:solidFill>
+                <a:schemeClr val="bg1">
+                  <a:lumMod val="50000"/>
+                </a:schemeClr>
+              </a:solidFill>
+            </a:ln>
+          </p:spPr>
+          <p:style>
+            <a:lnRef idx="2">
+              <a:schemeClr val="accent1">
+                <a:shade val="50000"/>
+              </a:schemeClr>
+            </a:lnRef>
+            <a:fillRef idx="1">
+              <a:schemeClr val="accent1"/>
+            </a:fillRef>
+            <a:effectRef idx="0">
+              <a:schemeClr val="accent1"/>
+            </a:effectRef>
+            <a:fontRef idx="minor">
+              <a:schemeClr val="lt1"/>
+            </a:fontRef>
+          </p:style>
+          <p:txBody>
+            <a:bodyPr rtlCol="0" anchor="ctr"/>
+            <a:lstStyle/>
+            <a:p>
+              <a:pPr algn="ctr"/>
+              <a:endParaRPr lang="ru-RU"/>
+            </a:p>
+          </p:txBody>
+        </p:sp>
+      </p:grpSp>
+      <p:grpSp>
+        <p:nvGrpSpPr>
+          <p:cNvPr id="245" name="Группа 244">
+            <a:extLst>
+              <a:ext uri="{FF2B5EF4-FFF2-40B4-BE49-F238E27FC236}">
+                <a16:creationId xmlns:a16="http://schemas.microsoft.com/office/drawing/2014/main" id="{8CA53E12-E447-4D6A-844C-CF14492A8375}"/>
+              </a:ext>
+            </a:extLst>
+          </p:cNvPr>
+          <p:cNvGrpSpPr/>
+          <p:nvPr/>
+        </p:nvGrpSpPr>
+        <p:grpSpPr>
+          <a:xfrm>
+            <a:off x="-3652741" y="-1581653"/>
+            <a:ext cx="1119845" cy="607845"/>
+            <a:chOff x="2542672" y="1617264"/>
+            <a:chExt cx="1904246" cy="1033614"/>
+          </a:xfrm>
+        </p:grpSpPr>
+        <p:sp>
+          <p:nvSpPr>
+            <p:cNvPr id="246" name="Равнобедренный треугольник 245">
+              <a:extLst>
+                <a:ext uri="{FF2B5EF4-FFF2-40B4-BE49-F238E27FC236}">
+                  <a16:creationId xmlns:a16="http://schemas.microsoft.com/office/drawing/2014/main" id="{69F4677F-D7BC-40ED-A8B5-9A948CD37CA2}"/>
+                </a:ext>
+              </a:extLst>
+            </p:cNvPr>
+            <p:cNvSpPr/>
+            <p:nvPr/>
+          </p:nvSpPr>
+          <p:spPr>
+            <a:xfrm rot="16200000">
+              <a:off x="3400919" y="1604878"/>
+              <a:ext cx="1033614" cy="1058385"/>
+            </a:xfrm>
+            <a:prstGeom prst="triangle">
+              <a:avLst/>
+            </a:prstGeom>
+            <a:solidFill>
+              <a:schemeClr val="bg1"/>
+            </a:solidFill>
+            <a:ln w="3175">
+              <a:solidFill>
+                <a:schemeClr val="bg1">
+                  <a:lumMod val="50000"/>
+                </a:schemeClr>
+              </a:solidFill>
+            </a:ln>
+          </p:spPr>
+          <p:style>
+            <a:lnRef idx="2">
+              <a:schemeClr val="accent1">
+                <a:shade val="50000"/>
+              </a:schemeClr>
+            </a:lnRef>
+            <a:fillRef idx="1">
+              <a:schemeClr val="accent1"/>
+            </a:fillRef>
+            <a:effectRef idx="0">
+              <a:schemeClr val="accent1"/>
+            </a:effectRef>
+            <a:fontRef idx="minor">
+              <a:schemeClr val="lt1"/>
+            </a:fontRef>
+          </p:style>
+          <p:txBody>
+            <a:bodyPr rtlCol="0" anchor="ctr"/>
+            <a:lstStyle/>
+            <a:p>
+              <a:pPr algn="ctr"/>
+              <a:endParaRPr lang="ru-RU"/>
+            </a:p>
+          </p:txBody>
+        </p:sp>
+        <p:sp>
+          <p:nvSpPr>
+            <p:cNvPr id="247" name="Равнобедренный треугольник 246">
+              <a:extLst>
+                <a:ext uri="{FF2B5EF4-FFF2-40B4-BE49-F238E27FC236}">
+                  <a16:creationId xmlns:a16="http://schemas.microsoft.com/office/drawing/2014/main" id="{41FC8850-5AF8-4D43-AD28-C9EE11A07FF5}"/>
+                </a:ext>
+              </a:extLst>
+            </p:cNvPr>
+            <p:cNvSpPr/>
+            <p:nvPr/>
+          </p:nvSpPr>
+          <p:spPr>
+            <a:xfrm rot="5400000">
+              <a:off x="2555058" y="1604878"/>
+              <a:ext cx="1033614" cy="1058385"/>
+            </a:xfrm>
+            <a:prstGeom prst="triangle">
+              <a:avLst/>
+            </a:prstGeom>
+            <a:solidFill>
+              <a:schemeClr val="bg1"/>
+            </a:solidFill>
+            <a:ln w="3175">
+              <a:solidFill>
+                <a:schemeClr val="bg1">
+                  <a:lumMod val="50000"/>
+                </a:schemeClr>
+              </a:solidFill>
+            </a:ln>
+          </p:spPr>
+          <p:style>
+            <a:lnRef idx="2">
+              <a:schemeClr val="accent1">
+                <a:shade val="50000"/>
+              </a:schemeClr>
+            </a:lnRef>
+            <a:fillRef idx="1">
+              <a:schemeClr val="accent1"/>
+            </a:fillRef>
+            <a:effectRef idx="0">
+              <a:schemeClr val="accent1"/>
+            </a:effectRef>
+            <a:fontRef idx="minor">
+              <a:schemeClr val="lt1"/>
+            </a:fontRef>
+          </p:style>
+          <p:txBody>
+            <a:bodyPr rtlCol="0" anchor="ctr"/>
+            <a:lstStyle/>
+            <a:p>
+              <a:pPr algn="ctr"/>
+              <a:endParaRPr lang="ru-RU"/>
+            </a:p>
+          </p:txBody>
+        </p:sp>
+        <p:sp>
+          <p:nvSpPr>
+            <p:cNvPr id="248" name="Прямоугольник 247">
+              <a:extLst>
+                <a:ext uri="{FF2B5EF4-FFF2-40B4-BE49-F238E27FC236}">
+                  <a16:creationId xmlns:a16="http://schemas.microsoft.com/office/drawing/2014/main" id="{45129A98-F46C-4858-9C8C-99FD8AE790D6}"/>
+                </a:ext>
+              </a:extLst>
+            </p:cNvPr>
+            <p:cNvSpPr/>
+            <p:nvPr/>
+          </p:nvSpPr>
+          <p:spPr>
+            <a:xfrm>
+              <a:off x="3238500" y="1958641"/>
+              <a:ext cx="511969" cy="357207"/>
+            </a:xfrm>
+            <a:prstGeom prst="rect">
+              <a:avLst/>
+            </a:prstGeom>
+            <a:solidFill>
+              <a:schemeClr val="bg1"/>
+            </a:solidFill>
+            <a:ln>
+              <a:solidFill>
+                <a:schemeClr val="bg1">
+                  <a:lumMod val="50000"/>
+                </a:schemeClr>
+              </a:solidFill>
+            </a:ln>
+          </p:spPr>
+          <p:style>
+            <a:lnRef idx="2">
+              <a:schemeClr val="accent1">
+                <a:shade val="50000"/>
+              </a:schemeClr>
+            </a:lnRef>
+            <a:fillRef idx="1">
+              <a:schemeClr val="accent1"/>
+            </a:fillRef>
+            <a:effectRef idx="0">
+              <a:schemeClr val="accent1"/>
+            </a:effectRef>
+            <a:fontRef idx="minor">
+              <a:schemeClr val="lt1"/>
+            </a:fontRef>
+          </p:style>
+          <p:txBody>
+            <a:bodyPr rtlCol="0" anchor="ctr"/>
+            <a:lstStyle/>
+            <a:p>
+              <a:pPr algn="ctr"/>
+              <a:endParaRPr lang="ru-RU"/>
+            </a:p>
+          </p:txBody>
+        </p:sp>
+      </p:grpSp>
+      <p:grpSp>
+        <p:nvGrpSpPr>
+          <p:cNvPr id="531" name="Группа 530">
+            <a:extLst>
+              <a:ext uri="{FF2B5EF4-FFF2-40B4-BE49-F238E27FC236}">
+                <a16:creationId xmlns:a16="http://schemas.microsoft.com/office/drawing/2014/main" id="{41D217F2-1DFE-4B15-A118-80F888648627}"/>
+              </a:ext>
+            </a:extLst>
+          </p:cNvPr>
+          <p:cNvGrpSpPr/>
+          <p:nvPr/>
+        </p:nvGrpSpPr>
+        <p:grpSpPr>
+          <a:xfrm>
+            <a:off x="-3652924" y="-607846"/>
+            <a:ext cx="1119845" cy="607845"/>
+            <a:chOff x="2542672" y="1617264"/>
+            <a:chExt cx="1904246" cy="1033614"/>
+          </a:xfrm>
+        </p:grpSpPr>
+        <p:sp>
+          <p:nvSpPr>
+            <p:cNvPr id="532" name="Равнобедренный треугольник 531">
+              <a:extLst>
+                <a:ext uri="{FF2B5EF4-FFF2-40B4-BE49-F238E27FC236}">
+                  <a16:creationId xmlns:a16="http://schemas.microsoft.com/office/drawing/2014/main" id="{7B979E5B-657D-4FCC-A7B5-D83FB5996580}"/>
+                </a:ext>
+              </a:extLst>
+            </p:cNvPr>
+            <p:cNvSpPr/>
+            <p:nvPr/>
+          </p:nvSpPr>
+          <p:spPr>
+            <a:xfrm rot="16200000">
+              <a:off x="3400919" y="1604878"/>
+              <a:ext cx="1033614" cy="1058385"/>
+            </a:xfrm>
+            <a:prstGeom prst="triangle">
+              <a:avLst/>
+            </a:prstGeom>
+            <a:solidFill>
+              <a:schemeClr val="bg1"/>
+            </a:solidFill>
+            <a:ln w="3175">
+              <a:solidFill>
+                <a:schemeClr val="bg1">
+                  <a:lumMod val="50000"/>
+                </a:schemeClr>
+              </a:solidFill>
+            </a:ln>
+          </p:spPr>
+          <p:style>
+            <a:lnRef idx="2">
+              <a:schemeClr val="accent1">
+                <a:shade val="50000"/>
+              </a:schemeClr>
+            </a:lnRef>
+            <a:fillRef idx="1">
+              <a:schemeClr val="accent1"/>
+            </a:fillRef>
+            <a:effectRef idx="0">
+              <a:schemeClr val="accent1"/>
+            </a:effectRef>
+            <a:fontRef idx="minor">
+              <a:schemeClr val="lt1"/>
+            </a:fontRef>
+          </p:style>
+          <p:txBody>
+            <a:bodyPr rtlCol="0" anchor="ctr"/>
+            <a:lstStyle/>
+            <a:p>
+              <a:pPr algn="ctr"/>
+              <a:endParaRPr lang="ru-RU"/>
+            </a:p>
+          </p:txBody>
+        </p:sp>
+        <p:sp>
+          <p:nvSpPr>
+            <p:cNvPr id="533" name="Равнобедренный треугольник 532">
+              <a:extLst>
+                <a:ext uri="{FF2B5EF4-FFF2-40B4-BE49-F238E27FC236}">
+                  <a16:creationId xmlns:a16="http://schemas.microsoft.com/office/drawing/2014/main" id="{3167358C-4E5E-4245-A5C6-8BCF20EE7F84}"/>
+                </a:ext>
+              </a:extLst>
+            </p:cNvPr>
+            <p:cNvSpPr/>
+            <p:nvPr/>
+          </p:nvSpPr>
+          <p:spPr>
+            <a:xfrm rot="5400000">
+              <a:off x="2555058" y="1604878"/>
+              <a:ext cx="1033614" cy="1058385"/>
+            </a:xfrm>
+            <a:prstGeom prst="triangle">
+              <a:avLst/>
+            </a:prstGeom>
+            <a:solidFill>
+              <a:schemeClr val="bg1"/>
+            </a:solidFill>
+            <a:ln w="3175">
+              <a:solidFill>
+                <a:schemeClr val="bg1">
+                  <a:lumMod val="50000"/>
+                </a:schemeClr>
+              </a:solidFill>
+            </a:ln>
+          </p:spPr>
+          <p:style>
+            <a:lnRef idx="2">
+              <a:schemeClr val="accent1">
+                <a:shade val="50000"/>
+              </a:schemeClr>
+            </a:lnRef>
+            <a:fillRef idx="1">
+              <a:schemeClr val="accent1"/>
+            </a:fillRef>
+            <a:effectRef idx="0">
+              <a:schemeClr val="accent1"/>
+            </a:effectRef>
+            <a:fontRef idx="minor">
+              <a:schemeClr val="lt1"/>
+            </a:fontRef>
+          </p:style>
+          <p:txBody>
+            <a:bodyPr rtlCol="0" anchor="ctr"/>
+            <a:lstStyle/>
+            <a:p>
+              <a:pPr algn="ctr"/>
+              <a:endParaRPr lang="ru-RU"/>
+            </a:p>
+          </p:txBody>
+        </p:sp>
+        <p:sp>
+          <p:nvSpPr>
+            <p:cNvPr id="534" name="Прямоугольник 533">
+              <a:extLst>
+                <a:ext uri="{FF2B5EF4-FFF2-40B4-BE49-F238E27FC236}">
+                  <a16:creationId xmlns:a16="http://schemas.microsoft.com/office/drawing/2014/main" id="{1F9D3DC0-BEFC-46DC-BC2C-DA03CF6734F7}"/>
+                </a:ext>
+              </a:extLst>
+            </p:cNvPr>
+            <p:cNvSpPr/>
+            <p:nvPr/>
+          </p:nvSpPr>
+          <p:spPr>
+            <a:xfrm>
+              <a:off x="3238500" y="1958641"/>
+              <a:ext cx="511969" cy="357207"/>
+            </a:xfrm>
+            <a:prstGeom prst="rect">
+              <a:avLst/>
+            </a:prstGeom>
+            <a:solidFill>
+              <a:schemeClr val="bg1"/>
+            </a:solidFill>
+            <a:ln>
+              <a:solidFill>
+                <a:schemeClr val="bg1">
+                  <a:lumMod val="50000"/>
+                </a:schemeClr>
+              </a:solidFill>
+            </a:ln>
+          </p:spPr>
+          <p:style>
+            <a:lnRef idx="2">
+              <a:schemeClr val="accent1">
+                <a:shade val="50000"/>
+              </a:schemeClr>
+            </a:lnRef>
+            <a:fillRef idx="1">
+              <a:schemeClr val="accent1"/>
+            </a:fillRef>
+            <a:effectRef idx="0">
+              <a:schemeClr val="accent1"/>
+            </a:effectRef>
+            <a:fontRef idx="minor">
+              <a:schemeClr val="lt1"/>
+            </a:fontRef>
+          </p:style>
+          <p:txBody>
+            <a:bodyPr rtlCol="0" anchor="ctr"/>
+            <a:lstStyle/>
+            <a:p>
+              <a:pPr algn="ctr"/>
+              <a:endParaRPr lang="ru-RU"/>
+            </a:p>
+          </p:txBody>
+        </p:sp>
+      </p:grpSp>
+      <p:grpSp>
+        <p:nvGrpSpPr>
+          <p:cNvPr id="535" name="Группа 534">
+            <a:extLst>
+              <a:ext uri="{FF2B5EF4-FFF2-40B4-BE49-F238E27FC236}">
+                <a16:creationId xmlns:a16="http://schemas.microsoft.com/office/drawing/2014/main" id="{2F10A521-A5CC-46E7-9DAD-39D13071BFC2}"/>
+              </a:ext>
+            </a:extLst>
+          </p:cNvPr>
+          <p:cNvGrpSpPr/>
+          <p:nvPr/>
+        </p:nvGrpSpPr>
+        <p:grpSpPr>
+          <a:xfrm>
+            <a:off x="-2271736" y="-1581653"/>
+            <a:ext cx="1119845" cy="607845"/>
+            <a:chOff x="2542672" y="1617264"/>
+            <a:chExt cx="1904246" cy="1033614"/>
+          </a:xfrm>
+        </p:grpSpPr>
+        <p:sp>
+          <p:nvSpPr>
+            <p:cNvPr id="536" name="Равнобедренный треугольник 535">
+              <a:extLst>
+                <a:ext uri="{FF2B5EF4-FFF2-40B4-BE49-F238E27FC236}">
+                  <a16:creationId xmlns:a16="http://schemas.microsoft.com/office/drawing/2014/main" id="{074023EE-60D0-4769-BEA5-11CEE8445B60}"/>
+                </a:ext>
+              </a:extLst>
+            </p:cNvPr>
+            <p:cNvSpPr/>
+            <p:nvPr/>
+          </p:nvSpPr>
+          <p:spPr>
+            <a:xfrm rot="16200000">
+              <a:off x="3400919" y="1604878"/>
+              <a:ext cx="1033614" cy="1058385"/>
+            </a:xfrm>
+            <a:prstGeom prst="triangle">
+              <a:avLst/>
+            </a:prstGeom>
+            <a:solidFill>
+              <a:schemeClr val="bg1"/>
+            </a:solidFill>
+            <a:ln w="3175">
+              <a:solidFill>
+                <a:schemeClr val="bg1">
+                  <a:lumMod val="50000"/>
+                </a:schemeClr>
+              </a:solidFill>
+            </a:ln>
+          </p:spPr>
+          <p:style>
+            <a:lnRef idx="2">
+              <a:schemeClr val="accent1">
+                <a:shade val="50000"/>
+              </a:schemeClr>
+            </a:lnRef>
+            <a:fillRef idx="1">
+              <a:schemeClr val="accent1"/>
+            </a:fillRef>
+            <a:effectRef idx="0">
+              <a:schemeClr val="accent1"/>
+            </a:effectRef>
+            <a:fontRef idx="minor">
+              <a:schemeClr val="lt1"/>
+            </a:fontRef>
+          </p:style>
+          <p:txBody>
+            <a:bodyPr rtlCol="0" anchor="ctr"/>
+            <a:lstStyle/>
+            <a:p>
+              <a:pPr algn="ctr"/>
+              <a:endParaRPr lang="ru-RU"/>
+            </a:p>
+          </p:txBody>
+        </p:sp>
+        <p:sp>
+          <p:nvSpPr>
+            <p:cNvPr id="537" name="Равнобедренный треугольник 536">
+              <a:extLst>
+                <a:ext uri="{FF2B5EF4-FFF2-40B4-BE49-F238E27FC236}">
+                  <a16:creationId xmlns:a16="http://schemas.microsoft.com/office/drawing/2014/main" id="{5116D98E-507A-4135-AD4E-4E6903CB0E2A}"/>
+                </a:ext>
+              </a:extLst>
+            </p:cNvPr>
+            <p:cNvSpPr/>
+            <p:nvPr/>
+          </p:nvSpPr>
+          <p:spPr>
+            <a:xfrm rot="5400000">
+              <a:off x="2555058" y="1604878"/>
+              <a:ext cx="1033614" cy="1058385"/>
+            </a:xfrm>
+            <a:prstGeom prst="triangle">
+              <a:avLst/>
+            </a:prstGeom>
+            <a:solidFill>
+              <a:schemeClr val="bg1"/>
+            </a:solidFill>
+            <a:ln w="3175">
+              <a:solidFill>
+                <a:schemeClr val="bg1">
+                  <a:lumMod val="50000"/>
+                </a:schemeClr>
+              </a:solidFill>
+            </a:ln>
+          </p:spPr>
+          <p:style>
+            <a:lnRef idx="2">
+              <a:schemeClr val="accent1">
+                <a:shade val="50000"/>
+              </a:schemeClr>
+            </a:lnRef>
+            <a:fillRef idx="1">
+              <a:schemeClr val="accent1"/>
+            </a:fillRef>
+            <a:effectRef idx="0">
+              <a:schemeClr val="accent1"/>
+            </a:effectRef>
+            <a:fontRef idx="minor">
+              <a:schemeClr val="lt1"/>
+            </a:fontRef>
+          </p:style>
+          <p:txBody>
+            <a:bodyPr rtlCol="0" anchor="ctr"/>
+            <a:lstStyle/>
+            <a:p>
+              <a:pPr algn="ctr"/>
+              <a:endParaRPr lang="ru-RU"/>
+            </a:p>
+          </p:txBody>
+        </p:sp>
+        <p:sp>
+          <p:nvSpPr>
+            <p:cNvPr id="538" name="Прямоугольник 537">
+              <a:extLst>
+                <a:ext uri="{FF2B5EF4-FFF2-40B4-BE49-F238E27FC236}">
+                  <a16:creationId xmlns:a16="http://schemas.microsoft.com/office/drawing/2014/main" id="{B687964D-7806-4E58-A963-D851B716D1C5}"/>
+                </a:ext>
+              </a:extLst>
+            </p:cNvPr>
+            <p:cNvSpPr/>
+            <p:nvPr/>
+          </p:nvSpPr>
+          <p:spPr>
+            <a:xfrm>
+              <a:off x="3238500" y="1958641"/>
+              <a:ext cx="511969" cy="357207"/>
+            </a:xfrm>
+            <a:prstGeom prst="rect">
+              <a:avLst/>
+            </a:prstGeom>
+            <a:solidFill>
+              <a:schemeClr val="bg1"/>
+            </a:solidFill>
+            <a:ln>
+              <a:solidFill>
+                <a:schemeClr val="bg1">
+                  <a:lumMod val="50000"/>
+                </a:schemeClr>
+              </a:solidFill>
+            </a:ln>
+          </p:spPr>
+          <p:style>
+            <a:lnRef idx="2">
+              <a:schemeClr val="accent1">
+                <a:shade val="50000"/>
+              </a:schemeClr>
+            </a:lnRef>
+            <a:fillRef idx="1">
+              <a:schemeClr val="accent1"/>
+            </a:fillRef>
+            <a:effectRef idx="0">
+              <a:schemeClr val="accent1"/>
+            </a:effectRef>
+            <a:fontRef idx="minor">
+              <a:schemeClr val="lt1"/>
+            </a:fontRef>
+          </p:style>
+          <p:txBody>
+            <a:bodyPr rtlCol="0" anchor="ctr"/>
+            <a:lstStyle/>
+            <a:p>
+              <a:pPr algn="ctr"/>
+              <a:endParaRPr lang="ru-RU"/>
+            </a:p>
+          </p:txBody>
+        </p:sp>
+      </p:grpSp>
+      <p:grpSp>
+        <p:nvGrpSpPr>
+          <p:cNvPr id="539" name="Группа 538">
+            <a:extLst>
+              <a:ext uri="{FF2B5EF4-FFF2-40B4-BE49-F238E27FC236}">
+                <a16:creationId xmlns:a16="http://schemas.microsoft.com/office/drawing/2014/main" id="{0221E8A4-08F7-4200-85A9-8BA996CCF2FF}"/>
+              </a:ext>
+            </a:extLst>
+          </p:cNvPr>
+          <p:cNvGrpSpPr/>
+          <p:nvPr/>
+        </p:nvGrpSpPr>
+        <p:grpSpPr>
+          <a:xfrm>
+            <a:off x="-2271736" y="-607846"/>
+            <a:ext cx="1119845" cy="607845"/>
+            <a:chOff x="2542672" y="1617264"/>
+            <a:chExt cx="1904246" cy="1033614"/>
+          </a:xfrm>
+        </p:grpSpPr>
+        <p:sp>
+          <p:nvSpPr>
+            <p:cNvPr id="540" name="Равнобедренный треугольник 539">
+              <a:extLst>
+                <a:ext uri="{FF2B5EF4-FFF2-40B4-BE49-F238E27FC236}">
+                  <a16:creationId xmlns:a16="http://schemas.microsoft.com/office/drawing/2014/main" id="{0E3D1C0B-5CF2-4579-8C32-901D91046C59}"/>
+                </a:ext>
+              </a:extLst>
+            </p:cNvPr>
+            <p:cNvSpPr/>
+            <p:nvPr/>
+          </p:nvSpPr>
+          <p:spPr>
+            <a:xfrm rot="16200000">
+              <a:off x="3400919" y="1604878"/>
+              <a:ext cx="1033614" cy="1058385"/>
+            </a:xfrm>
+            <a:prstGeom prst="triangle">
+              <a:avLst/>
+            </a:prstGeom>
+            <a:solidFill>
+              <a:schemeClr val="bg1"/>
+            </a:solidFill>
+            <a:ln w="3175">
+              <a:solidFill>
+                <a:schemeClr val="bg1">
+                  <a:lumMod val="50000"/>
+                </a:schemeClr>
+              </a:solidFill>
+            </a:ln>
+          </p:spPr>
+          <p:style>
+            <a:lnRef idx="2">
+              <a:schemeClr val="accent1">
+                <a:shade val="50000"/>
+              </a:schemeClr>
+            </a:lnRef>
+            <a:fillRef idx="1">
+              <a:schemeClr val="accent1"/>
+            </a:fillRef>
+            <a:effectRef idx="0">
+              <a:schemeClr val="accent1"/>
+            </a:effectRef>
+            <a:fontRef idx="minor">
+              <a:schemeClr val="lt1"/>
+            </a:fontRef>
+          </p:style>
+          <p:txBody>
+            <a:bodyPr rtlCol="0" anchor="ctr"/>
+            <a:lstStyle/>
+            <a:p>
+              <a:pPr algn="ctr"/>
+              <a:endParaRPr lang="ru-RU"/>
+            </a:p>
+          </p:txBody>
+        </p:sp>
+        <p:sp>
+          <p:nvSpPr>
+            <p:cNvPr id="541" name="Равнобедренный треугольник 540">
+              <a:extLst>
+                <a:ext uri="{FF2B5EF4-FFF2-40B4-BE49-F238E27FC236}">
+                  <a16:creationId xmlns:a16="http://schemas.microsoft.com/office/drawing/2014/main" id="{7B4BD9E5-2835-43F6-8940-BFC12A72EC3A}"/>
+                </a:ext>
+              </a:extLst>
+            </p:cNvPr>
+            <p:cNvSpPr/>
+            <p:nvPr/>
+          </p:nvSpPr>
+          <p:spPr>
+            <a:xfrm rot="5400000">
+              <a:off x="2555058" y="1604878"/>
+              <a:ext cx="1033614" cy="1058385"/>
+            </a:xfrm>
+            <a:prstGeom prst="triangle">
+              <a:avLst/>
+            </a:prstGeom>
+            <a:solidFill>
+              <a:schemeClr val="bg1"/>
+            </a:solidFill>
+            <a:ln w="3175">
+              <a:solidFill>
+                <a:schemeClr val="bg1">
+                  <a:lumMod val="50000"/>
+                </a:schemeClr>
+              </a:solidFill>
+            </a:ln>
+          </p:spPr>
+          <p:style>
+            <a:lnRef idx="2">
+              <a:schemeClr val="accent1">
+                <a:shade val="50000"/>
+              </a:schemeClr>
+            </a:lnRef>
+            <a:fillRef idx="1">
+              <a:schemeClr val="accent1"/>
+            </a:fillRef>
+            <a:effectRef idx="0">
+              <a:schemeClr val="accent1"/>
+            </a:effectRef>
+            <a:fontRef idx="minor">
+              <a:schemeClr val="lt1"/>
+            </a:fontRef>
+          </p:style>
+          <p:txBody>
+            <a:bodyPr rtlCol="0" anchor="ctr"/>
+            <a:lstStyle/>
+            <a:p>
+              <a:pPr algn="ctr"/>
+              <a:endParaRPr lang="ru-RU"/>
+            </a:p>
+          </p:txBody>
+        </p:sp>
+        <p:sp>
+          <p:nvSpPr>
+            <p:cNvPr id="542" name="Прямоугольник 541">
+              <a:extLst>
+                <a:ext uri="{FF2B5EF4-FFF2-40B4-BE49-F238E27FC236}">
+                  <a16:creationId xmlns:a16="http://schemas.microsoft.com/office/drawing/2014/main" id="{911F21D0-DF58-454F-966E-26FDB06AB1C8}"/>
+                </a:ext>
+              </a:extLst>
+            </p:cNvPr>
+            <p:cNvSpPr/>
+            <p:nvPr/>
+          </p:nvSpPr>
+          <p:spPr>
+            <a:xfrm>
+              <a:off x="3238500" y="1958641"/>
+              <a:ext cx="511969" cy="357207"/>
+            </a:xfrm>
+            <a:prstGeom prst="rect">
+              <a:avLst/>
+            </a:prstGeom>
+            <a:solidFill>
+              <a:schemeClr val="bg1"/>
+            </a:solidFill>
+            <a:ln>
+              <a:solidFill>
+                <a:schemeClr val="bg1">
+                  <a:lumMod val="50000"/>
+                </a:schemeClr>
+              </a:solidFill>
+            </a:ln>
+          </p:spPr>
+          <p:style>
+            <a:lnRef idx="2">
+              <a:schemeClr val="accent1">
+                <a:shade val="50000"/>
+              </a:schemeClr>
+            </a:lnRef>
+            <a:fillRef idx="1">
+              <a:schemeClr val="accent1"/>
+            </a:fillRef>
+            <a:effectRef idx="0">
+              <a:schemeClr val="accent1"/>
+            </a:effectRef>
+            <a:fontRef idx="minor">
+              <a:schemeClr val="lt1"/>
+            </a:fontRef>
+          </p:style>
+          <p:txBody>
+            <a:bodyPr rtlCol="0" anchor="ctr"/>
+            <a:lstStyle/>
+            <a:p>
+              <a:pPr algn="ctr"/>
+              <a:endParaRPr lang="ru-RU"/>
+            </a:p>
+          </p:txBody>
+        </p:sp>
+      </p:grpSp>
+      <p:grpSp>
+        <p:nvGrpSpPr>
+          <p:cNvPr id="543" name="Группа 542">
+            <a:extLst>
+              <a:ext uri="{FF2B5EF4-FFF2-40B4-BE49-F238E27FC236}">
+                <a16:creationId xmlns:a16="http://schemas.microsoft.com/office/drawing/2014/main" id="{EF3BDCAF-09AB-4202-A7BE-547A4515D204}"/>
+              </a:ext>
+            </a:extLst>
+          </p:cNvPr>
+          <p:cNvGrpSpPr/>
+          <p:nvPr/>
+        </p:nvGrpSpPr>
+        <p:grpSpPr>
+          <a:xfrm>
+            <a:off x="-2271736" y="-2593799"/>
+            <a:ext cx="1119845" cy="607845"/>
+            <a:chOff x="2542672" y="1617264"/>
+            <a:chExt cx="1904246" cy="1033614"/>
+          </a:xfrm>
+        </p:grpSpPr>
+        <p:sp>
+          <p:nvSpPr>
+            <p:cNvPr id="544" name="Равнобедренный треугольник 543">
+              <a:extLst>
+                <a:ext uri="{FF2B5EF4-FFF2-40B4-BE49-F238E27FC236}">
+                  <a16:creationId xmlns:a16="http://schemas.microsoft.com/office/drawing/2014/main" id="{FDDC368E-C29F-470B-A9F8-29B2337C12B5}"/>
+                </a:ext>
+              </a:extLst>
+            </p:cNvPr>
+            <p:cNvSpPr/>
+            <p:nvPr/>
+          </p:nvSpPr>
+          <p:spPr>
+            <a:xfrm rot="16200000">
+              <a:off x="3400919" y="1604878"/>
+              <a:ext cx="1033614" cy="1058385"/>
+            </a:xfrm>
+            <a:prstGeom prst="triangle">
+              <a:avLst/>
+            </a:prstGeom>
+            <a:solidFill>
+              <a:schemeClr val="bg1"/>
+            </a:solidFill>
+            <a:ln w="3175">
+              <a:solidFill>
+                <a:schemeClr val="bg1">
+                  <a:lumMod val="50000"/>
+                </a:schemeClr>
+              </a:solidFill>
+            </a:ln>
+          </p:spPr>
+          <p:style>
+            <a:lnRef idx="2">
+              <a:schemeClr val="accent1">
+                <a:shade val="50000"/>
+              </a:schemeClr>
+            </a:lnRef>
+            <a:fillRef idx="1">
+              <a:schemeClr val="accent1"/>
+            </a:fillRef>
+            <a:effectRef idx="0">
+              <a:schemeClr val="accent1"/>
+            </a:effectRef>
+            <a:fontRef idx="minor">
+              <a:schemeClr val="lt1"/>
+            </a:fontRef>
+          </p:style>
+          <p:txBody>
+            <a:bodyPr rtlCol="0" anchor="ctr"/>
+            <a:lstStyle/>
+            <a:p>
+              <a:pPr algn="ctr"/>
+              <a:endParaRPr lang="ru-RU"/>
+            </a:p>
+          </p:txBody>
+        </p:sp>
+        <p:sp>
+          <p:nvSpPr>
+            <p:cNvPr id="545" name="Равнобедренный треугольник 544">
+              <a:extLst>
+                <a:ext uri="{FF2B5EF4-FFF2-40B4-BE49-F238E27FC236}">
+                  <a16:creationId xmlns:a16="http://schemas.microsoft.com/office/drawing/2014/main" id="{CF0BCD58-CEA4-4EFC-8865-F76B34B6F753}"/>
+                </a:ext>
+              </a:extLst>
+            </p:cNvPr>
+            <p:cNvSpPr/>
+            <p:nvPr/>
+          </p:nvSpPr>
+          <p:spPr>
+            <a:xfrm rot="5400000">
+              <a:off x="2555058" y="1604878"/>
+              <a:ext cx="1033614" cy="1058385"/>
+            </a:xfrm>
+            <a:prstGeom prst="triangle">
+              <a:avLst/>
+            </a:prstGeom>
+            <a:solidFill>
+              <a:schemeClr val="bg1"/>
+            </a:solidFill>
+            <a:ln w="3175">
+              <a:solidFill>
+                <a:schemeClr val="bg1">
+                  <a:lumMod val="50000"/>
+                </a:schemeClr>
+              </a:solidFill>
+            </a:ln>
+          </p:spPr>
+          <p:style>
+            <a:lnRef idx="2">
+              <a:schemeClr val="accent1">
+                <a:shade val="50000"/>
+              </a:schemeClr>
+            </a:lnRef>
+            <a:fillRef idx="1">
+              <a:schemeClr val="accent1"/>
+            </a:fillRef>
+            <a:effectRef idx="0">
+              <a:schemeClr val="accent1"/>
+            </a:effectRef>
+            <a:fontRef idx="minor">
+              <a:schemeClr val="lt1"/>
+            </a:fontRef>
+          </p:style>
+          <p:txBody>
+            <a:bodyPr rtlCol="0" anchor="ctr"/>
+            <a:lstStyle/>
+            <a:p>
+              <a:pPr algn="ctr"/>
+              <a:endParaRPr lang="ru-RU"/>
+            </a:p>
+          </p:txBody>
+        </p:sp>
+        <p:sp>
+          <p:nvSpPr>
+            <p:cNvPr id="546" name="Прямоугольник 545">
+              <a:extLst>
+                <a:ext uri="{FF2B5EF4-FFF2-40B4-BE49-F238E27FC236}">
+                  <a16:creationId xmlns:a16="http://schemas.microsoft.com/office/drawing/2014/main" id="{3200834B-6875-4E2D-9DF5-37E20000F06F}"/>
+                </a:ext>
+              </a:extLst>
+            </p:cNvPr>
+            <p:cNvSpPr/>
+            <p:nvPr/>
+          </p:nvSpPr>
+          <p:spPr>
+            <a:xfrm>
+              <a:off x="3238500" y="1958641"/>
+              <a:ext cx="511969" cy="357207"/>
+            </a:xfrm>
+            <a:prstGeom prst="rect">
+              <a:avLst/>
+            </a:prstGeom>
+            <a:solidFill>
+              <a:schemeClr val="bg1"/>
+            </a:solidFill>
+            <a:ln>
+              <a:solidFill>
+                <a:schemeClr val="bg1">
+                  <a:lumMod val="50000"/>
+                </a:schemeClr>
+              </a:solidFill>
+            </a:ln>
+          </p:spPr>
+          <p:style>
+            <a:lnRef idx="2">
+              <a:schemeClr val="accent1">
+                <a:shade val="50000"/>
+              </a:schemeClr>
+            </a:lnRef>
+            <a:fillRef idx="1">
+              <a:schemeClr val="accent1"/>
+            </a:fillRef>
+            <a:effectRef idx="0">
+              <a:schemeClr val="accent1"/>
+            </a:effectRef>
+            <a:fontRef idx="minor">
+              <a:schemeClr val="lt1"/>
+            </a:fontRef>
+          </p:style>
+          <p:txBody>
+            <a:bodyPr rtlCol="0" anchor="ctr"/>
+            <a:lstStyle/>
+            <a:p>
+              <a:pPr algn="ctr"/>
+              <a:endParaRPr lang="ru-RU"/>
+            </a:p>
+          </p:txBody>
+        </p:sp>
+      </p:grpSp>
+      <p:grpSp>
+        <p:nvGrpSpPr>
+          <p:cNvPr id="547" name="Группа 546">
+            <a:extLst>
+              <a:ext uri="{FF2B5EF4-FFF2-40B4-BE49-F238E27FC236}">
+                <a16:creationId xmlns:a16="http://schemas.microsoft.com/office/drawing/2014/main" id="{E0EAA8C9-28E4-460C-8F06-3D10586B029F}"/>
+              </a:ext>
+            </a:extLst>
+          </p:cNvPr>
+          <p:cNvGrpSpPr/>
+          <p:nvPr/>
+        </p:nvGrpSpPr>
+        <p:grpSpPr>
+          <a:xfrm>
+            <a:off x="-827690" y="-2593799"/>
+            <a:ext cx="1119845" cy="607845"/>
+            <a:chOff x="2542672" y="1617264"/>
+            <a:chExt cx="1904246" cy="1033614"/>
+          </a:xfrm>
+        </p:grpSpPr>
+        <p:sp>
+          <p:nvSpPr>
+            <p:cNvPr id="548" name="Равнобедренный треугольник 547">
+              <a:extLst>
+                <a:ext uri="{FF2B5EF4-FFF2-40B4-BE49-F238E27FC236}">
+                  <a16:creationId xmlns:a16="http://schemas.microsoft.com/office/drawing/2014/main" id="{31A48546-2F92-4B91-BDB3-D362E2C3D3B9}"/>
+                </a:ext>
+              </a:extLst>
+            </p:cNvPr>
+            <p:cNvSpPr/>
+            <p:nvPr/>
+          </p:nvSpPr>
+          <p:spPr>
+            <a:xfrm rot="16200000">
+              <a:off x="3400919" y="1604878"/>
+              <a:ext cx="1033614" cy="1058385"/>
+            </a:xfrm>
+            <a:prstGeom prst="triangle">
+              <a:avLst/>
+            </a:prstGeom>
+            <a:solidFill>
+              <a:schemeClr val="bg1"/>
+            </a:solidFill>
+            <a:ln w="3175">
+              <a:solidFill>
+                <a:schemeClr val="bg1">
+                  <a:lumMod val="50000"/>
+                </a:schemeClr>
+              </a:solidFill>
+            </a:ln>
+          </p:spPr>
+          <p:style>
+            <a:lnRef idx="2">
+              <a:schemeClr val="accent1">
+                <a:shade val="50000"/>
+              </a:schemeClr>
+            </a:lnRef>
+            <a:fillRef idx="1">
+              <a:schemeClr val="accent1"/>
+            </a:fillRef>
+            <a:effectRef idx="0">
+              <a:schemeClr val="accent1"/>
+            </a:effectRef>
+            <a:fontRef idx="minor">
+              <a:schemeClr val="lt1"/>
+            </a:fontRef>
+          </p:style>
+          <p:txBody>
+            <a:bodyPr rtlCol="0" anchor="ctr"/>
+            <a:lstStyle/>
+            <a:p>
+              <a:pPr algn="ctr"/>
+              <a:endParaRPr lang="ru-RU"/>
+            </a:p>
+          </p:txBody>
+        </p:sp>
+        <p:sp>
+          <p:nvSpPr>
+            <p:cNvPr id="549" name="Равнобедренный треугольник 548">
+              <a:extLst>
+                <a:ext uri="{FF2B5EF4-FFF2-40B4-BE49-F238E27FC236}">
+                  <a16:creationId xmlns:a16="http://schemas.microsoft.com/office/drawing/2014/main" id="{8D40E55A-6C93-47A7-836C-03B1FD715003}"/>
+                </a:ext>
+              </a:extLst>
+            </p:cNvPr>
+            <p:cNvSpPr/>
+            <p:nvPr/>
+          </p:nvSpPr>
+          <p:spPr>
+            <a:xfrm rot="5400000">
+              <a:off x="2555058" y="1604878"/>
+              <a:ext cx="1033614" cy="1058385"/>
+            </a:xfrm>
+            <a:prstGeom prst="triangle">
+              <a:avLst/>
+            </a:prstGeom>
+            <a:solidFill>
+              <a:schemeClr val="bg1"/>
+            </a:solidFill>
+            <a:ln w="3175">
+              <a:solidFill>
+                <a:schemeClr val="bg1">
+                  <a:lumMod val="50000"/>
+                </a:schemeClr>
+              </a:solidFill>
+            </a:ln>
+          </p:spPr>
+          <p:style>
+            <a:lnRef idx="2">
+              <a:schemeClr val="accent1">
+                <a:shade val="50000"/>
+              </a:schemeClr>
+            </a:lnRef>
+            <a:fillRef idx="1">
+              <a:schemeClr val="accent1"/>
+            </a:fillRef>
+            <a:effectRef idx="0">
+              <a:schemeClr val="accent1"/>
+            </a:effectRef>
+            <a:fontRef idx="minor">
+              <a:schemeClr val="lt1"/>
+            </a:fontRef>
+          </p:style>
+          <p:txBody>
+            <a:bodyPr rtlCol="0" anchor="ctr"/>
+            <a:lstStyle/>
+            <a:p>
+              <a:pPr algn="ctr"/>
+              <a:endParaRPr lang="ru-RU"/>
+            </a:p>
+          </p:txBody>
+        </p:sp>
+        <p:sp>
+          <p:nvSpPr>
+            <p:cNvPr id="550" name="Прямоугольник 549">
+              <a:extLst>
+                <a:ext uri="{FF2B5EF4-FFF2-40B4-BE49-F238E27FC236}">
+                  <a16:creationId xmlns:a16="http://schemas.microsoft.com/office/drawing/2014/main" id="{7D67E00D-98D5-4131-B18A-DF6C4B60B4E6}"/>
+                </a:ext>
+              </a:extLst>
+            </p:cNvPr>
+            <p:cNvSpPr/>
+            <p:nvPr/>
+          </p:nvSpPr>
+          <p:spPr>
+            <a:xfrm>
+              <a:off x="3238500" y="1958641"/>
+              <a:ext cx="511969" cy="357207"/>
+            </a:xfrm>
+            <a:prstGeom prst="rect">
+              <a:avLst/>
+            </a:prstGeom>
+            <a:solidFill>
+              <a:schemeClr val="bg1"/>
+            </a:solidFill>
+            <a:ln>
+              <a:solidFill>
+                <a:schemeClr val="bg1">
+                  <a:lumMod val="50000"/>
+                </a:schemeClr>
+              </a:solidFill>
+            </a:ln>
+          </p:spPr>
+          <p:style>
+            <a:lnRef idx="2">
+              <a:schemeClr val="accent1">
+                <a:shade val="50000"/>
+              </a:schemeClr>
+            </a:lnRef>
+            <a:fillRef idx="1">
+              <a:schemeClr val="accent1"/>
+            </a:fillRef>
+            <a:effectRef idx="0">
+              <a:schemeClr val="accent1"/>
+            </a:effectRef>
+            <a:fontRef idx="minor">
+              <a:schemeClr val="lt1"/>
+            </a:fontRef>
+          </p:style>
+          <p:txBody>
+            <a:bodyPr rtlCol="0" anchor="ctr"/>
+            <a:lstStyle/>
+            <a:p>
+              <a:pPr algn="ctr"/>
+              <a:endParaRPr lang="ru-RU"/>
+            </a:p>
+          </p:txBody>
+        </p:sp>
+      </p:grpSp>
+      <p:grpSp>
+        <p:nvGrpSpPr>
+          <p:cNvPr id="551" name="Группа 550">
+            <a:extLst>
+              <a:ext uri="{FF2B5EF4-FFF2-40B4-BE49-F238E27FC236}">
+                <a16:creationId xmlns:a16="http://schemas.microsoft.com/office/drawing/2014/main" id="{DA741096-B338-49B9-A411-C850E94289D9}"/>
+              </a:ext>
+            </a:extLst>
+          </p:cNvPr>
+          <p:cNvGrpSpPr/>
+          <p:nvPr/>
+        </p:nvGrpSpPr>
+        <p:grpSpPr>
+          <a:xfrm>
+            <a:off x="-827873" y="-1581654"/>
+            <a:ext cx="1119845" cy="607845"/>
+            <a:chOff x="2542672" y="1617264"/>
+            <a:chExt cx="1904246" cy="1033614"/>
+          </a:xfrm>
+        </p:grpSpPr>
+        <p:sp>
+          <p:nvSpPr>
+            <p:cNvPr id="552" name="Равнобедренный треугольник 551">
+              <a:extLst>
+                <a:ext uri="{FF2B5EF4-FFF2-40B4-BE49-F238E27FC236}">
+                  <a16:creationId xmlns:a16="http://schemas.microsoft.com/office/drawing/2014/main" id="{FAB333FE-418C-42B6-894A-E0AC76001FA5}"/>
+                </a:ext>
+              </a:extLst>
+            </p:cNvPr>
+            <p:cNvSpPr/>
+            <p:nvPr/>
+          </p:nvSpPr>
+          <p:spPr>
+            <a:xfrm rot="16200000">
+              <a:off x="3400919" y="1604878"/>
+              <a:ext cx="1033614" cy="1058385"/>
+            </a:xfrm>
+            <a:prstGeom prst="triangle">
+              <a:avLst/>
+            </a:prstGeom>
+            <a:solidFill>
+              <a:schemeClr val="bg1"/>
+            </a:solidFill>
+            <a:ln w="3175">
+              <a:solidFill>
+                <a:schemeClr val="bg1">
+                  <a:lumMod val="50000"/>
+                </a:schemeClr>
+              </a:solidFill>
+            </a:ln>
+          </p:spPr>
+          <p:style>
+            <a:lnRef idx="2">
+              <a:schemeClr val="accent1">
+                <a:shade val="50000"/>
+              </a:schemeClr>
+            </a:lnRef>
+            <a:fillRef idx="1">
+              <a:schemeClr val="accent1"/>
+            </a:fillRef>
+            <a:effectRef idx="0">
+              <a:schemeClr val="accent1"/>
+            </a:effectRef>
+            <a:fontRef idx="minor">
+              <a:schemeClr val="lt1"/>
+            </a:fontRef>
+          </p:style>
+          <p:txBody>
+            <a:bodyPr rtlCol="0" anchor="ctr"/>
+            <a:lstStyle/>
+            <a:p>
+              <a:pPr algn="ctr"/>
+              <a:endParaRPr lang="ru-RU"/>
+            </a:p>
+          </p:txBody>
+        </p:sp>
+        <p:sp>
+          <p:nvSpPr>
+            <p:cNvPr id="553" name="Равнобедренный треугольник 552">
+              <a:extLst>
+                <a:ext uri="{FF2B5EF4-FFF2-40B4-BE49-F238E27FC236}">
+                  <a16:creationId xmlns:a16="http://schemas.microsoft.com/office/drawing/2014/main" id="{BD2CFC0F-A7B2-488A-B3B4-DF85B810D030}"/>
+                </a:ext>
+              </a:extLst>
+            </p:cNvPr>
+            <p:cNvSpPr/>
+            <p:nvPr/>
+          </p:nvSpPr>
+          <p:spPr>
+            <a:xfrm rot="5400000">
+              <a:off x="2555058" y="1604878"/>
+              <a:ext cx="1033614" cy="1058385"/>
+            </a:xfrm>
+            <a:prstGeom prst="triangle">
+              <a:avLst/>
+            </a:prstGeom>
+            <a:solidFill>
+              <a:schemeClr val="bg1"/>
+            </a:solidFill>
+            <a:ln w="3175">
+              <a:solidFill>
+                <a:schemeClr val="bg1">
+                  <a:lumMod val="50000"/>
+                </a:schemeClr>
+              </a:solidFill>
+            </a:ln>
+          </p:spPr>
+          <p:style>
+            <a:lnRef idx="2">
+              <a:schemeClr val="accent1">
+                <a:shade val="50000"/>
+              </a:schemeClr>
+            </a:lnRef>
+            <a:fillRef idx="1">
+              <a:schemeClr val="accent1"/>
+            </a:fillRef>
+            <a:effectRef idx="0">
+              <a:schemeClr val="accent1"/>
+            </a:effectRef>
+            <a:fontRef idx="minor">
+              <a:schemeClr val="lt1"/>
+            </a:fontRef>
+          </p:style>
+          <p:txBody>
+            <a:bodyPr rtlCol="0" anchor="ctr"/>
+            <a:lstStyle/>
+            <a:p>
+              <a:pPr algn="ctr"/>
+              <a:endParaRPr lang="ru-RU"/>
+            </a:p>
+          </p:txBody>
+        </p:sp>
+        <p:sp>
+          <p:nvSpPr>
+            <p:cNvPr id="554" name="Прямоугольник 553">
+              <a:extLst>
+                <a:ext uri="{FF2B5EF4-FFF2-40B4-BE49-F238E27FC236}">
+                  <a16:creationId xmlns:a16="http://schemas.microsoft.com/office/drawing/2014/main" id="{C3870A9A-5C2F-4364-A5AB-5ACBFE2067F6}"/>
+                </a:ext>
+              </a:extLst>
+            </p:cNvPr>
+            <p:cNvSpPr/>
+            <p:nvPr/>
+          </p:nvSpPr>
+          <p:spPr>
+            <a:xfrm>
+              <a:off x="3238500" y="1958641"/>
+              <a:ext cx="511969" cy="357207"/>
+            </a:xfrm>
+            <a:prstGeom prst="rect">
+              <a:avLst/>
+            </a:prstGeom>
+            <a:solidFill>
+              <a:schemeClr val="bg1"/>
+            </a:solidFill>
+            <a:ln>
+              <a:solidFill>
+                <a:schemeClr val="bg1">
+                  <a:lumMod val="50000"/>
+                </a:schemeClr>
+              </a:solidFill>
+            </a:ln>
+          </p:spPr>
+          <p:style>
+            <a:lnRef idx="2">
+              <a:schemeClr val="accent1">
+                <a:shade val="50000"/>
+              </a:schemeClr>
+            </a:lnRef>
+            <a:fillRef idx="1">
+              <a:schemeClr val="accent1"/>
+            </a:fillRef>
+            <a:effectRef idx="0">
+              <a:schemeClr val="accent1"/>
+            </a:effectRef>
+            <a:fontRef idx="minor">
+              <a:schemeClr val="lt1"/>
+            </a:fontRef>
+          </p:style>
+          <p:txBody>
+            <a:bodyPr rtlCol="0" anchor="ctr"/>
+            <a:lstStyle/>
+            <a:p>
+              <a:pPr algn="ctr"/>
+              <a:endParaRPr lang="ru-RU"/>
+            </a:p>
+          </p:txBody>
+        </p:sp>
+      </p:grpSp>
+      <p:pic>
+        <p:nvPicPr>
+          <p:cNvPr id="3" name="Рисунок 2">
+            <a:extLst>
+              <a:ext uri="{FF2B5EF4-FFF2-40B4-BE49-F238E27FC236}">
+                <a16:creationId xmlns:a16="http://schemas.microsoft.com/office/drawing/2014/main" id="{AD57D02D-2CE9-4604-B72C-FD864AF2A3B7}"/>
+              </a:ext>
+            </a:extLst>
+          </p:cNvPr>
+          <p:cNvPicPr>
+            <a:picLocks noChangeAspect="1"/>
+          </p:cNvPicPr>
+          <p:nvPr/>
+        </p:nvPicPr>
+        <p:blipFill>
+          <a:blip r:embed="rId2">
+            <a:extLst>
+              <a:ext uri="{28A0092B-C50C-407E-A947-70E740481C1C}">
+                <a14:useLocalDpi xmlns:a14="http://schemas.microsoft.com/office/drawing/2010/main" val="0"/>
+              </a:ext>
+            </a:extLst>
+          </a:blip>
+          <a:stretch>
+            <a:fillRect/>
+          </a:stretch>
+        </p:blipFill>
+        <p:spPr>
+          <a:xfrm>
+            <a:off x="1938863" y="2904065"/>
+            <a:ext cx="1049867" cy="1049867"/>
+          </a:xfrm>
+          <a:prstGeom prst="rect">
+            <a:avLst/>
+          </a:prstGeom>
+        </p:spPr>
+      </p:pic>
       <p:sp>
         <p:nvSpPr>
-          <p:cNvPr id="2" name="Заголовок 1">
-            <a:extLst>
-              <a:ext uri="{FF2B5EF4-FFF2-40B4-BE49-F238E27FC236}">
-                <a16:creationId xmlns:a16="http://schemas.microsoft.com/office/drawing/2014/main" id="{4BFC5429-5FAE-4170-BAB3-86378EB43AEB}"/>
-              </a:ext>
-            </a:extLst>
-          </p:cNvPr>
-          <p:cNvSpPr>
-            <a:spLocks noGrp="1"/>
-          </p:cNvSpPr>
-          <p:nvPr>
-            <p:ph type="title"/>
-          </p:nvPr>
+          <p:cNvPr id="4" name="TextBox 3">
+            <a:extLst>
+              <a:ext uri="{FF2B5EF4-FFF2-40B4-BE49-F238E27FC236}">
+                <a16:creationId xmlns:a16="http://schemas.microsoft.com/office/drawing/2014/main" id="{7D1FA222-3CBA-4C08-9AD1-994B379A0DEB}"/>
+              </a:ext>
+            </a:extLst>
+          </p:cNvPr>
+          <p:cNvSpPr txBox="1"/>
+          <p:nvPr/>
         </p:nvSpPr>
-        <p:spPr/>
+        <p:spPr>
+          <a:xfrm>
+            <a:off x="3077329" y="3044279"/>
+            <a:ext cx="6037343" cy="769441"/>
+          </a:xfrm>
+          <a:prstGeom prst="rect">
+            <a:avLst/>
+          </a:prstGeom>
+          <a:noFill/>
+        </p:spPr>
         <p:txBody>
-          <a:bodyPr/>
+          <a:bodyPr wrap="square" rtlCol="0">
+            <a:spAutoFit/>
+          </a:bodyPr>
           <a:lstStyle/>
           <a:p>
             <a:r>
-              <a:rPr lang="ru-RU" dirty="0"/>
-              <a:t>Технологии</a:t>
+              <a:rPr lang="ru-RU" sz="4400" dirty="0">
+                <a:latin typeface="Proxima Nova Semibold" panose="02000506030000020004" pitchFamily="2" charset="0"/>
+              </a:rPr>
+              <a:t>Спасибо за внимание!</a:t>
             </a:r>
           </a:p>
         </p:txBody>
       </p:sp>
-      <p:sp>
-        <p:nvSpPr>
-          <p:cNvPr id="3" name="Объект 2">
-            <a:extLst>
-              <a:ext uri="{FF2B5EF4-FFF2-40B4-BE49-F238E27FC236}">
-                <a16:creationId xmlns:a16="http://schemas.microsoft.com/office/drawing/2014/main" id="{1C277F49-B27E-4A20-86AF-8B7FB9C35A1C}"/>
-              </a:ext>
-            </a:extLst>
-          </p:cNvPr>
-          <p:cNvSpPr>
-            <a:spLocks noGrp="1"/>
-          </p:cNvSpPr>
-          <p:nvPr>
-            <p:ph idx="1"/>
-          </p:nvPr>
-        </p:nvSpPr>
-        <p:spPr/>
-        <p:txBody>
-          <a:bodyPr/>
-          <a:lstStyle/>
-          <a:p>
-            <a:r>
-              <a:rPr lang="ru-RU" dirty="0" err="1"/>
-              <a:t>Шаред</a:t>
-            </a:r>
-            <a:r>
-              <a:rPr lang="ru-RU" dirty="0"/>
-              <a:t> </a:t>
-            </a:r>
-            <a:r>
-              <a:rPr lang="ru-RU" dirty="0" err="1"/>
-              <a:t>префс</a:t>
-            </a:r>
-            <a:endParaRPr lang="ru-RU" dirty="0"/>
-          </a:p>
-          <a:p>
-            <a:r>
-              <a:rPr lang="en-US" dirty="0"/>
-              <a:t>Activity Result API</a:t>
-            </a:r>
-          </a:p>
-          <a:p>
-            <a:r>
-              <a:rPr lang="en-US" dirty="0"/>
-              <a:t>Service</a:t>
-            </a:r>
-          </a:p>
-          <a:p>
-            <a:r>
-              <a:rPr lang="en-US" dirty="0"/>
-              <a:t>Spring web</a:t>
-            </a:r>
-          </a:p>
-          <a:p>
-            <a:r>
-              <a:rPr lang="en-US" dirty="0"/>
-              <a:t>Spring JPA + H2 databases</a:t>
-            </a:r>
-          </a:p>
-          <a:p>
-            <a:endParaRPr lang="ru-RU" dirty="0"/>
-          </a:p>
-        </p:txBody>
-      </p:sp>
+      <p:pic>
+        <p:nvPicPr>
+          <p:cNvPr id="82" name="Рисунок 81">
+            <a:extLst>
+              <a:ext uri="{FF2B5EF4-FFF2-40B4-BE49-F238E27FC236}">
+                <a16:creationId xmlns:a16="http://schemas.microsoft.com/office/drawing/2014/main" id="{E1859BDE-3FA6-4DCD-8264-BC1021A47E32}"/>
+              </a:ext>
+            </a:extLst>
+          </p:cNvPr>
+          <p:cNvPicPr>
+            <a:picLocks noChangeAspect="1"/>
+          </p:cNvPicPr>
+          <p:nvPr/>
+        </p:nvPicPr>
+        <p:blipFill>
+          <a:blip r:embed="rId3">
+            <a:duotone>
+              <a:prstClr val="black"/>
+              <a:schemeClr val="tx1">
+                <a:tint val="45000"/>
+                <a:satMod val="400000"/>
+              </a:schemeClr>
+            </a:duotone>
+            <a:extLst>
+              <a:ext uri="{28A0092B-C50C-407E-A947-70E740481C1C}">
+                <a14:useLocalDpi xmlns:a14="http://schemas.microsoft.com/office/drawing/2010/main" val="0"/>
+              </a:ext>
+            </a:extLst>
+          </a:blip>
+          <a:stretch>
+            <a:fillRect/>
+          </a:stretch>
+        </p:blipFill>
+        <p:spPr>
+          <a:xfrm>
+            <a:off x="9693113" y="292997"/>
+            <a:ext cx="2270287" cy="797668"/>
+          </a:xfrm>
+          <a:prstGeom prst="rect">
+            <a:avLst/>
+          </a:prstGeom>
+        </p:spPr>
+      </p:pic>
     </p:spTree>
     <p:extLst>
       <p:ext uri="{BB962C8B-B14F-4D97-AF65-F5344CB8AC3E}">
-        <p14:creationId xmlns:p14="http://schemas.microsoft.com/office/powerpoint/2010/main" val="3123567473"/>
-      </p:ext>
-    </p:extLst>
-  </p:cSld>
-  <p:clrMapOvr>
-    <a:masterClrMapping/>
-  </p:clrMapOvr>
-</p:sld>
-</file>
-
-<file path=ppt/slides/slide4.xml><?xml version="1.0" encoding="utf-8"?>
-<p:sld xmlns:a="http://schemas.openxmlformats.org/drawingml/2006/main" xmlns:r="http://schemas.openxmlformats.org/officeDocument/2006/relationships" xmlns:p="http://schemas.openxmlformats.org/presentationml/2006/main">
-  <p:cSld>
-    <p:spTree>
-      <p:nvGrpSpPr>
-        <p:cNvPr id="1" name=""/>
-        <p:cNvGrpSpPr/>
-        <p:nvPr/>
-      </p:nvGrpSpPr>
-      <p:grpSpPr>
-        <a:xfrm>
-          <a:off x="0" y="0"/>
-          <a:ext cx="0" cy="0"/>
-          <a:chOff x="0" y="0"/>
-          <a:chExt cx="0" cy="0"/>
-        </a:xfrm>
-      </p:grpSpPr>
-      <p:sp>
-        <p:nvSpPr>
-          <p:cNvPr id="2" name="Заголовок 1">
-            <a:extLst>
-              <a:ext uri="{FF2B5EF4-FFF2-40B4-BE49-F238E27FC236}">
-                <a16:creationId xmlns:a16="http://schemas.microsoft.com/office/drawing/2014/main" id="{DF95E0A1-5818-433B-B8CA-B71C320AB477}"/>
-              </a:ext>
-            </a:extLst>
-          </p:cNvPr>
-          <p:cNvSpPr>
-            <a:spLocks noGrp="1"/>
-          </p:cNvSpPr>
-          <p:nvPr>
-            <p:ph type="title"/>
-          </p:nvPr>
-        </p:nvSpPr>
-        <p:spPr/>
-        <p:txBody>
-          <a:bodyPr/>
-          <a:lstStyle/>
-          <a:p>
-            <a:r>
-              <a:rPr lang="ru-RU" dirty="0"/>
-              <a:t>Улучшения</a:t>
-            </a:r>
-          </a:p>
-        </p:txBody>
-      </p:sp>
-      <p:sp>
-        <p:nvSpPr>
-          <p:cNvPr id="3" name="Объект 2">
-            <a:extLst>
-              <a:ext uri="{FF2B5EF4-FFF2-40B4-BE49-F238E27FC236}">
-                <a16:creationId xmlns:a16="http://schemas.microsoft.com/office/drawing/2014/main" id="{BCEF2B9F-E30B-4AAB-9EAF-18DCDCFEE926}"/>
-              </a:ext>
-            </a:extLst>
-          </p:cNvPr>
-          <p:cNvSpPr>
-            <a:spLocks noGrp="1"/>
-          </p:cNvSpPr>
-          <p:nvPr>
-            <p:ph idx="1"/>
-          </p:nvPr>
-        </p:nvSpPr>
-        <p:spPr/>
-        <p:txBody>
-          <a:bodyPr/>
-          <a:lstStyle/>
-          <a:p>
-            <a:r>
-              <a:rPr lang="ru-RU" dirty="0"/>
-              <a:t>Блин, да  если бы </a:t>
-            </a:r>
-            <a:r>
-              <a:rPr lang="en-US" dirty="0"/>
-              <a:t>GSON </a:t>
-            </a:r>
-            <a:r>
-              <a:rPr lang="ru-RU" dirty="0"/>
-              <a:t>нормально </a:t>
-            </a:r>
-            <a:r>
-              <a:rPr lang="ru-RU" dirty="0" err="1"/>
-              <a:t>парсил</a:t>
-            </a:r>
-            <a:r>
-              <a:rPr lang="ru-RU" dirty="0"/>
-              <a:t>, то там написать взаимодействие доктор-пользователь – 5 минут</a:t>
-            </a:r>
-          </a:p>
-          <a:p>
-            <a:r>
-              <a:rPr lang="ru-RU" dirty="0"/>
-              <a:t>Договорился с дизайнером, он пишет вёрстку на </a:t>
-            </a:r>
-            <a:r>
-              <a:rPr lang="en-US" dirty="0"/>
-              <a:t>Material 2 </a:t>
-            </a:r>
-            <a:r>
-              <a:rPr lang="ru-RU" dirty="0"/>
-              <a:t>и я её добавляю в приложение</a:t>
-            </a:r>
-          </a:p>
-          <a:p>
-            <a:r>
-              <a:rPr lang="ru-RU" dirty="0"/>
-              <a:t>Да классное приложение будет, только времени мало на </a:t>
-            </a:r>
-            <a:r>
-              <a:rPr lang="ru-RU"/>
-              <a:t>его реализацию(</a:t>
-            </a:r>
-          </a:p>
-        </p:txBody>
-      </p:sp>
-    </p:spTree>
-    <p:extLst>
-      <p:ext uri="{BB962C8B-B14F-4D97-AF65-F5344CB8AC3E}">
-        <p14:creationId xmlns:p14="http://schemas.microsoft.com/office/powerpoint/2010/main" val="2767162409"/>
+        <p14:creationId xmlns:p14="http://schemas.microsoft.com/office/powerpoint/2010/main" val="2940812179"/>
       </p:ext>
     </p:extLst>
   </p:cSld>
@@ -4048,4 +12187,299 @@
     </a:ext>
   </a:extLst>
 </a:theme>
+</file>
+
+<file path=ppt/theme/theme2.xml><?xml version="1.0" encoding="utf-8"?>
+<a:theme xmlns:a="http://schemas.openxmlformats.org/drawingml/2006/main" name="Тема Office">
+  <a:themeElements>
+    <a:clrScheme name="Стандартная">
+      <a:dk1>
+        <a:sysClr val="windowText" lastClr="000000"/>
+      </a:dk1>
+      <a:lt1>
+        <a:sysClr val="window" lastClr="FFFFFF"/>
+      </a:lt1>
+      <a:dk2>
+        <a:srgbClr val="44546A"/>
+      </a:dk2>
+      <a:lt2>
+        <a:srgbClr val="E7E6E6"/>
+      </a:lt2>
+      <a:accent1>
+        <a:srgbClr val="4472C4"/>
+      </a:accent1>
+      <a:accent2>
+        <a:srgbClr val="ED7D31"/>
+      </a:accent2>
+      <a:accent3>
+        <a:srgbClr val="A5A5A5"/>
+      </a:accent3>
+      <a:accent4>
+        <a:srgbClr val="FFC000"/>
+      </a:accent4>
+      <a:accent5>
+        <a:srgbClr val="5B9BD5"/>
+      </a:accent5>
+      <a:accent6>
+        <a:srgbClr val="70AD47"/>
+      </a:accent6>
+      <a:hlink>
+        <a:srgbClr val="0563C1"/>
+      </a:hlink>
+      <a:folHlink>
+        <a:srgbClr val="954F72"/>
+      </a:folHlink>
+    </a:clrScheme>
+    <a:fontScheme name="Стандартная">
+      <a:majorFont>
+        <a:latin typeface="Calibri Light" panose="020F0302020204030204"/>
+        <a:ea typeface=""/>
+        <a:cs typeface=""/>
+        <a:font script="Jpan" typeface="游ゴシック Light"/>
+        <a:font script="Hang" typeface="맑은 고딕"/>
+        <a:font script="Hans" typeface="等线 Light"/>
+        <a:font script="Hant" typeface="新細明體"/>
+        <a:font script="Arab" typeface="Times New Roman"/>
+        <a:font script="Hebr" typeface="Times New Roman"/>
+        <a:font script="Thai" typeface="Angsana New"/>
+        <a:font script="Ethi" typeface="Nyala"/>
+        <a:font script="Beng" typeface="Vrinda"/>
+        <a:font script="Gujr" typeface="Shruti"/>
+        <a:font script="Khmr" typeface="MoolBoran"/>
+        <a:font script="Knda" typeface="Tunga"/>
+        <a:font script="Guru" typeface="Raavi"/>
+        <a:font script="Cans" typeface="Euphemia"/>
+        <a:font script="Cher" typeface="Plantagenet Cherokee"/>
+        <a:font script="Yiii" typeface="Microsoft Yi Baiti"/>
+        <a:font script="Tibt" typeface="Microsoft Himalaya"/>
+        <a:font script="Thaa" typeface="MV Boli"/>
+        <a:font script="Deva" typeface="Mangal"/>
+        <a:font script="Telu" typeface="Gautami"/>
+        <a:font script="Taml" typeface="Latha"/>
+        <a:font script="Syrc" typeface="Estrangelo Edessa"/>
+        <a:font script="Orya" typeface="Kalinga"/>
+        <a:font script="Mlym" typeface="Kartika"/>
+        <a:font script="Laoo" typeface="DokChampa"/>
+        <a:font script="Sinh" typeface="Iskoola Pota"/>
+        <a:font script="Mong" typeface="Mongolian Baiti"/>
+        <a:font script="Viet" typeface="Times New Roman"/>
+        <a:font script="Uigh" typeface="Microsoft Uighur"/>
+        <a:font script="Geor" typeface="Sylfaen"/>
+        <a:font script="Armn" typeface="Arial"/>
+        <a:font script="Bugi" typeface="Leelawadee UI"/>
+        <a:font script="Bopo" typeface="Microsoft JhengHei"/>
+        <a:font script="Java" typeface="Javanese Text"/>
+        <a:font script="Lisu" typeface="Segoe UI"/>
+        <a:font script="Mymr" typeface="Myanmar Text"/>
+        <a:font script="Nkoo" typeface="Ebrima"/>
+        <a:font script="Olck" typeface="Nirmala UI"/>
+        <a:font script="Osma" typeface="Ebrima"/>
+        <a:font script="Phag" typeface="Phagspa"/>
+        <a:font script="Syrn" typeface="Estrangelo Edessa"/>
+        <a:font script="Syrj" typeface="Estrangelo Edessa"/>
+        <a:font script="Syre" typeface="Estrangelo Edessa"/>
+        <a:font script="Sora" typeface="Nirmala UI"/>
+        <a:font script="Tale" typeface="Microsoft Tai Le"/>
+        <a:font script="Talu" typeface="Microsoft New Tai Lue"/>
+        <a:font script="Tfng" typeface="Ebrima"/>
+      </a:majorFont>
+      <a:minorFont>
+        <a:latin typeface="Calibri" panose="020F0502020204030204"/>
+        <a:ea typeface=""/>
+        <a:cs typeface=""/>
+        <a:font script="Jpan" typeface="游ゴシック"/>
+        <a:font script="Hang" typeface="맑은 고딕"/>
+        <a:font script="Hans" typeface="等线"/>
+        <a:font script="Hant" typeface="新細明體"/>
+        <a:font script="Arab" typeface="Arial"/>
+        <a:font script="Hebr" typeface="Arial"/>
+        <a:font script="Thai" typeface="Cordia New"/>
+        <a:font script="Ethi" typeface="Nyala"/>
+        <a:font script="Beng" typeface="Vrinda"/>
+        <a:font script="Gujr" typeface="Shruti"/>
+        <a:font script="Khmr" typeface="DaunPenh"/>
+        <a:font script="Knda" typeface="Tunga"/>
+        <a:font script="Guru" typeface="Raavi"/>
+        <a:font script="Cans" typeface="Euphemia"/>
+        <a:font script="Cher" typeface="Plantagenet Cherokee"/>
+        <a:font script="Yiii" typeface="Microsoft Yi Baiti"/>
+        <a:font script="Tibt" typeface="Microsoft Himalaya"/>
+        <a:font script="Thaa" typeface="MV Boli"/>
+        <a:font script="Deva" typeface="Mangal"/>
+        <a:font script="Telu" typeface="Gautami"/>
+        <a:font script="Taml" typeface="Latha"/>
+        <a:font script="Syrc" typeface="Estrangelo Edessa"/>
+        <a:font script="Orya" typeface="Kalinga"/>
+        <a:font script="Mlym" typeface="Kartika"/>
+        <a:font script="Laoo" typeface="DokChampa"/>
+        <a:font script="Sinh" typeface="Iskoola Pota"/>
+        <a:font script="Mong" typeface="Mongolian Baiti"/>
+        <a:font script="Viet" typeface="Arial"/>
+        <a:font script="Uigh" typeface="Microsoft Uighur"/>
+        <a:font script="Geor" typeface="Sylfaen"/>
+        <a:font script="Armn" typeface="Arial"/>
+        <a:font script="Bugi" typeface="Leelawadee UI"/>
+        <a:font script="Bopo" typeface="Microsoft JhengHei"/>
+        <a:font script="Java" typeface="Javanese Text"/>
+        <a:font script="Lisu" typeface="Segoe UI"/>
+        <a:font script="Mymr" typeface="Myanmar Text"/>
+        <a:font script="Nkoo" typeface="Ebrima"/>
+        <a:font script="Olck" typeface="Nirmala UI"/>
+        <a:font script="Osma" typeface="Ebrima"/>
+        <a:font script="Phag" typeface="Phagspa"/>
+        <a:font script="Syrn" typeface="Estrangelo Edessa"/>
+        <a:font script="Syrj" typeface="Estrangelo Edessa"/>
+        <a:font script="Syre" typeface="Estrangelo Edessa"/>
+        <a:font script="Sora" typeface="Nirmala UI"/>
+        <a:font script="Tale" typeface="Microsoft Tai Le"/>
+        <a:font script="Talu" typeface="Microsoft New Tai Lue"/>
+        <a:font script="Tfng" typeface="Ebrima"/>
+      </a:minorFont>
+    </a:fontScheme>
+    <a:fmtScheme name="Стандартная">
+      <a:fillStyleLst>
+        <a:solidFill>
+          <a:schemeClr val="phClr"/>
+        </a:solidFill>
+        <a:gradFill rotWithShape="1">
+          <a:gsLst>
+            <a:gs pos="0">
+              <a:schemeClr val="phClr">
+                <a:lumMod val="110000"/>
+                <a:satMod val="105000"/>
+                <a:tint val="67000"/>
+              </a:schemeClr>
+            </a:gs>
+            <a:gs pos="50000">
+              <a:schemeClr val="phClr">
+                <a:lumMod val="105000"/>
+                <a:satMod val="103000"/>
+                <a:tint val="73000"/>
+              </a:schemeClr>
+            </a:gs>
+            <a:gs pos="100000">
+              <a:schemeClr val="phClr">
+                <a:lumMod val="105000"/>
+                <a:satMod val="109000"/>
+                <a:tint val="81000"/>
+              </a:schemeClr>
+            </a:gs>
+          </a:gsLst>
+          <a:lin ang="5400000" scaled="0"/>
+        </a:gradFill>
+        <a:gradFill rotWithShape="1">
+          <a:gsLst>
+            <a:gs pos="0">
+              <a:schemeClr val="phClr">
+                <a:satMod val="103000"/>
+                <a:lumMod val="102000"/>
+                <a:tint val="94000"/>
+              </a:schemeClr>
+            </a:gs>
+            <a:gs pos="50000">
+              <a:schemeClr val="phClr">
+                <a:satMod val="110000"/>
+                <a:lumMod val="100000"/>
+                <a:shade val="100000"/>
+              </a:schemeClr>
+            </a:gs>
+            <a:gs pos="100000">
+              <a:schemeClr val="phClr">
+                <a:lumMod val="99000"/>
+                <a:satMod val="120000"/>
+                <a:shade val="78000"/>
+              </a:schemeClr>
+            </a:gs>
+          </a:gsLst>
+          <a:lin ang="5400000" scaled="0"/>
+        </a:gradFill>
+      </a:fillStyleLst>
+      <a:lnStyleLst>
+        <a:ln w="6350" cap="flat" cmpd="sng" algn="ctr">
+          <a:solidFill>
+            <a:schemeClr val="phClr"/>
+          </a:solidFill>
+          <a:prstDash val="solid"/>
+          <a:miter lim="800000"/>
+        </a:ln>
+        <a:ln w="12700" cap="flat" cmpd="sng" algn="ctr">
+          <a:solidFill>
+            <a:schemeClr val="phClr"/>
+          </a:solidFill>
+          <a:prstDash val="solid"/>
+          <a:miter lim="800000"/>
+        </a:ln>
+        <a:ln w="19050" cap="flat" cmpd="sng" algn="ctr">
+          <a:solidFill>
+            <a:schemeClr val="phClr"/>
+          </a:solidFill>
+          <a:prstDash val="solid"/>
+          <a:miter lim="800000"/>
+        </a:ln>
+      </a:lnStyleLst>
+      <a:effectStyleLst>
+        <a:effectStyle>
+          <a:effectLst/>
+        </a:effectStyle>
+        <a:effectStyle>
+          <a:effectLst/>
+        </a:effectStyle>
+        <a:effectStyle>
+          <a:effectLst>
+            <a:outerShdw blurRad="57150" dist="19050" dir="5400000" algn="ctr" rotWithShape="0">
+              <a:srgbClr val="000000">
+                <a:alpha val="63000"/>
+              </a:srgbClr>
+            </a:outerShdw>
+          </a:effectLst>
+        </a:effectStyle>
+      </a:effectStyleLst>
+      <a:bgFillStyleLst>
+        <a:solidFill>
+          <a:schemeClr val="phClr"/>
+        </a:solidFill>
+        <a:solidFill>
+          <a:schemeClr val="phClr">
+            <a:tint val="95000"/>
+            <a:satMod val="170000"/>
+          </a:schemeClr>
+        </a:solidFill>
+        <a:gradFill rotWithShape="1">
+          <a:gsLst>
+            <a:gs pos="0">
+              <a:schemeClr val="phClr">
+                <a:tint val="93000"/>
+                <a:satMod val="150000"/>
+                <a:shade val="98000"/>
+                <a:lumMod val="102000"/>
+              </a:schemeClr>
+            </a:gs>
+            <a:gs pos="50000">
+              <a:schemeClr val="phClr">
+                <a:tint val="98000"/>
+                <a:satMod val="130000"/>
+                <a:shade val="90000"/>
+                <a:lumMod val="103000"/>
+              </a:schemeClr>
+            </a:gs>
+            <a:gs pos="100000">
+              <a:schemeClr val="phClr">
+                <a:shade val="63000"/>
+                <a:satMod val="120000"/>
+              </a:schemeClr>
+            </a:gs>
+          </a:gsLst>
+          <a:lin ang="5400000" scaled="0"/>
+        </a:gradFill>
+      </a:bgFillStyleLst>
+    </a:fmtScheme>
+  </a:themeElements>
+  <a:objectDefaults/>
+  <a:extraClrSchemeLst/>
+  <a:extLst>
+    <a:ext uri="{05A4C25C-085E-4340-85A3-A5531E510DB2}">
+      <thm15:themeFamily xmlns:thm15="http://schemas.microsoft.com/office/thememl/2012/main" name="Office Theme" id="{62F939B6-93AF-4DB8-9C6B-D6C7DFDC589F}" vid="{4A3C46E8-61CC-4603-A589-7422A47A8E4A}"/>
+    </a:ext>
+  </a:extLst>
+</a:theme>
 </file>